--- a/presentation material/Exam Presentation.pptx
+++ b/presentation material/Exam Presentation.pptx
@@ -2,7 +2,7 @@
 <file path=ppt/presentation.xml><?xml version="1.0" encoding="utf-8"?>
 <p:presentation xmlns:a="http://schemas.openxmlformats.org/drawingml/2006/main" xmlns:r="http://schemas.openxmlformats.org/officeDocument/2006/relationships" xmlns:p="http://schemas.openxmlformats.org/presentationml/2006/main" saveSubsetFonts="1">
   <p:sldMasterIdLst>
-    <p:sldMasterId id="2147483648" r:id="rId1"/>
+    <p:sldMasterId id="2147483816" r:id="rId1"/>
   </p:sldMasterIdLst>
   <p:notesMasterIdLst>
     <p:notesMasterId r:id="rId24"/>
@@ -22,13 +22,13 @@
     <p:sldId id="261" r:id="rId13"/>
     <p:sldId id="256" r:id="rId14"/>
     <p:sldId id="272" r:id="rId15"/>
-    <p:sldId id="276" r:id="rId16"/>
-    <p:sldId id="270" r:id="rId17"/>
-    <p:sldId id="258" r:id="rId18"/>
-    <p:sldId id="273" r:id="rId19"/>
-    <p:sldId id="274" r:id="rId20"/>
-    <p:sldId id="271" r:id="rId21"/>
-    <p:sldId id="275" r:id="rId22"/>
+    <p:sldId id="278" r:id="rId16"/>
+    <p:sldId id="276" r:id="rId17"/>
+    <p:sldId id="270" r:id="rId18"/>
+    <p:sldId id="258" r:id="rId19"/>
+    <p:sldId id="273" r:id="rId20"/>
+    <p:sldId id="274" r:id="rId21"/>
+    <p:sldId id="271" r:id="rId22"/>
     <p:sldId id="262" r:id="rId23"/>
   </p:sldIdLst>
   <p:sldSz cx="12192000" cy="6858000"/>
@@ -218,7 +218,7 @@
           <a:p>
             <a:fld id="{121B0CF6-820D-43FE-88DA-72867BC9EE7A}" type="datetimeFigureOut">
               <a:rPr lang="en-US" smtClean="0"/>
-              <a:t>14-Jun-19</a:t>
+              <a:t>6/16/2019</a:t>
             </a:fld>
             <a:endParaRPr lang="en-US"/>
           </a:p>
@@ -617,9 +617,50 @@
           <a:lstStyle/>
           <a:p>
             <a:r>
-              <a:rPr lang="en-US" dirty="0"/>
-              <a:t>Talk about transforming ER to EER, how we did it </a:t>
-            </a:r>
+              <a:rPr lang="da-DK" dirty="0" smtClean="0"/>
+              <a:t>Polyglot</a:t>
+            </a:r>
+            <a:r>
+              <a:rPr lang="da-DK" baseline="0" dirty="0" smtClean="0"/>
+              <a:t> </a:t>
+            </a:r>
+            <a:r>
+              <a:rPr lang="da-DK" baseline="0" dirty="0" err="1" smtClean="0"/>
+              <a:t>Persistence</a:t>
+            </a:r>
+            <a:r>
+              <a:rPr lang="da-DK" baseline="0" dirty="0" smtClean="0"/>
+              <a:t>: fancy term for </a:t>
+            </a:r>
+            <a:r>
+              <a:rPr lang="da-DK" baseline="0" dirty="0" err="1" smtClean="0"/>
+              <a:t>storing</a:t>
+            </a:r>
+            <a:r>
+              <a:rPr lang="da-DK" baseline="0" dirty="0" smtClean="0"/>
+              <a:t> data </a:t>
+            </a:r>
+            <a:r>
+              <a:rPr lang="da-DK" baseline="0" dirty="0" err="1" smtClean="0"/>
+              <a:t>using</a:t>
+            </a:r>
+            <a:r>
+              <a:rPr lang="da-DK" baseline="0" dirty="0" smtClean="0"/>
+              <a:t> multiple data </a:t>
+            </a:r>
+            <a:r>
+              <a:rPr lang="da-DK" baseline="0" dirty="0" err="1" smtClean="0"/>
+              <a:t>storage</a:t>
+            </a:r>
+            <a:r>
+              <a:rPr lang="da-DK" baseline="0" dirty="0" smtClean="0"/>
+              <a:t> </a:t>
+            </a:r>
+            <a:r>
+              <a:rPr lang="da-DK" baseline="0" dirty="0" err="1" smtClean="0"/>
+              <a:t>techniques</a:t>
+            </a:r>
+            <a:endParaRPr lang="da-DK" dirty="0"/>
           </a:p>
         </p:txBody>
       </p:sp>
@@ -630,7 +671,7 @@
             <a:spLocks noGrp="1"/>
           </p:cNvSpPr>
           <p:nvPr>
-            <p:ph type="sldNum" sz="quarter" idx="5"/>
+            <p:ph type="sldNum" sz="quarter" idx="10"/>
           </p:nvPr>
         </p:nvSpPr>
         <p:spPr/>
@@ -640,7 +681,7 @@
           <a:p>
             <a:fld id="{82C43F3D-A41C-4BFD-B940-D57BC4B73899}" type="slidenum">
               <a:rPr lang="en-US" smtClean="0"/>
-              <a:t>3</a:t>
+              <a:t>2</a:t>
             </a:fld>
             <a:endParaRPr lang="en-US"/>
           </a:p>
@@ -649,7 +690,7 @@
     </p:spTree>
     <p:extLst>
       <p:ext uri="{BB962C8B-B14F-4D97-AF65-F5344CB8AC3E}">
-        <p14:creationId xmlns:p14="http://schemas.microsoft.com/office/powerpoint/2010/main" val="579633247"/>
+        <p14:creationId xmlns:p14="http://schemas.microsoft.com/office/powerpoint/2010/main" val="3941665750"/>
       </p:ext>
     </p:extLst>
   </p:cSld>
@@ -727,7 +768,7 @@
           <a:p>
             <a:fld id="{82C43F3D-A41C-4BFD-B940-D57BC4B73899}" type="slidenum">
               <a:rPr lang="en-US" smtClean="0"/>
-              <a:t>4</a:t>
+              <a:t>3</a:t>
             </a:fld>
             <a:endParaRPr lang="en-US"/>
           </a:p>
@@ -736,7 +777,7 @@
     </p:spTree>
     <p:extLst>
       <p:ext uri="{BB962C8B-B14F-4D97-AF65-F5344CB8AC3E}">
-        <p14:creationId xmlns:p14="http://schemas.microsoft.com/office/powerpoint/2010/main" val="634068152"/>
+        <p14:creationId xmlns:p14="http://schemas.microsoft.com/office/powerpoint/2010/main" val="579633247"/>
       </p:ext>
     </p:extLst>
   </p:cSld>
@@ -792,7 +833,7 @@
           <a:p>
             <a:r>
               <a:rPr lang="en-US" dirty="0"/>
-              <a:t>The reason why we didn’t have constraints on creation is because we didn’t consider the data generation as we would put constraints on the insertion query instead </a:t>
+              <a:t>Talk about transforming ER to EER, how we did it </a:t>
             </a:r>
           </a:p>
         </p:txBody>
@@ -814,7 +855,7 @@
           <a:p>
             <a:fld id="{82C43F3D-A41C-4BFD-B940-D57BC4B73899}" type="slidenum">
               <a:rPr lang="en-US" smtClean="0"/>
-              <a:t>6</a:t>
+              <a:t>4</a:t>
             </a:fld>
             <a:endParaRPr lang="en-US"/>
           </a:p>
@@ -823,7 +864,7 @@
     </p:spTree>
     <p:extLst>
       <p:ext uri="{BB962C8B-B14F-4D97-AF65-F5344CB8AC3E}">
-        <p14:creationId xmlns:p14="http://schemas.microsoft.com/office/powerpoint/2010/main" val="1251859099"/>
+        <p14:creationId xmlns:p14="http://schemas.microsoft.com/office/powerpoint/2010/main" val="634068152"/>
       </p:ext>
     </p:extLst>
   </p:cSld>
@@ -879,7 +920,7 @@
           <a:p>
             <a:r>
               <a:rPr lang="en-US" dirty="0"/>
-              <a:t>Insert figure 16 </a:t>
+              <a:t>The reason why we didn’t have constraints on creation is because we didn’t consider the data generation as we would put constraints on the insertion query instead </a:t>
             </a:r>
           </a:p>
         </p:txBody>
@@ -901,7 +942,7 @@
           <a:p>
             <a:fld id="{82C43F3D-A41C-4BFD-B940-D57BC4B73899}" type="slidenum">
               <a:rPr lang="en-US" smtClean="0"/>
-              <a:t>10</a:t>
+              <a:t>6</a:t>
             </a:fld>
             <a:endParaRPr lang="en-US"/>
           </a:p>
@@ -910,7 +951,7 @@
     </p:spTree>
     <p:extLst>
       <p:ext uri="{BB962C8B-B14F-4D97-AF65-F5344CB8AC3E}">
-        <p14:creationId xmlns:p14="http://schemas.microsoft.com/office/powerpoint/2010/main" val="3570330941"/>
+        <p14:creationId xmlns:p14="http://schemas.microsoft.com/office/powerpoint/2010/main" val="1251859099"/>
       </p:ext>
     </p:extLst>
   </p:cSld>
@@ -964,6 +1005,90 @@
           <a:bodyPr/>
           <a:lstStyle/>
           <a:p>
+            <a:endParaRPr lang="en-US" dirty="0"/>
+          </a:p>
+        </p:txBody>
+      </p:sp>
+      <p:sp>
+        <p:nvSpPr>
+          <p:cNvPr id="4" name="Slide Number Placeholder 3"/>
+          <p:cNvSpPr>
+            <a:spLocks noGrp="1"/>
+          </p:cNvSpPr>
+          <p:nvPr>
+            <p:ph type="sldNum" sz="quarter" idx="5"/>
+          </p:nvPr>
+        </p:nvSpPr>
+        <p:spPr/>
+        <p:txBody>
+          <a:bodyPr/>
+          <a:lstStyle/>
+          <a:p>
+            <a:fld id="{82C43F3D-A41C-4BFD-B940-D57BC4B73899}" type="slidenum">
+              <a:rPr lang="en-US" smtClean="0"/>
+              <a:t>10</a:t>
+            </a:fld>
+            <a:endParaRPr lang="en-US"/>
+          </a:p>
+        </p:txBody>
+      </p:sp>
+    </p:spTree>
+    <p:extLst>
+      <p:ext uri="{BB962C8B-B14F-4D97-AF65-F5344CB8AC3E}">
+        <p14:creationId xmlns:p14="http://schemas.microsoft.com/office/powerpoint/2010/main" val="3570330941"/>
+      </p:ext>
+    </p:extLst>
+  </p:cSld>
+  <p:clrMapOvr>
+    <a:masterClrMapping/>
+  </p:clrMapOvr>
+</p:notes>
+</file>
+
+<file path=ppt/notesSlides/notesSlide7.xml><?xml version="1.0" encoding="utf-8"?>
+<p:notes xmlns:a="http://schemas.openxmlformats.org/drawingml/2006/main" xmlns:r="http://schemas.openxmlformats.org/officeDocument/2006/relationships" xmlns:p="http://schemas.openxmlformats.org/presentationml/2006/main">
+  <p:cSld>
+    <p:spTree>
+      <p:nvGrpSpPr>
+        <p:cNvPr id="1" name=""/>
+        <p:cNvGrpSpPr/>
+        <p:nvPr/>
+      </p:nvGrpSpPr>
+      <p:grpSpPr>
+        <a:xfrm>
+          <a:off x="0" y="0"/>
+          <a:ext cx="0" cy="0"/>
+          <a:chOff x="0" y="0"/>
+          <a:chExt cx="0" cy="0"/>
+        </a:xfrm>
+      </p:grpSpPr>
+      <p:sp>
+        <p:nvSpPr>
+          <p:cNvPr id="2" name="Slide Image Placeholder 1"/>
+          <p:cNvSpPr>
+            <a:spLocks noGrp="1" noRot="1" noChangeAspect="1"/>
+          </p:cNvSpPr>
+          <p:nvPr>
+            <p:ph type="sldImg"/>
+          </p:nvPr>
+        </p:nvSpPr>
+        <p:spPr/>
+      </p:sp>
+      <p:sp>
+        <p:nvSpPr>
+          <p:cNvPr id="3" name="Notes Placeholder 2"/>
+          <p:cNvSpPr>
+            <a:spLocks noGrp="1"/>
+          </p:cNvSpPr>
+          <p:nvPr>
+            <p:ph type="body" idx="1"/>
+          </p:nvPr>
+        </p:nvSpPr>
+        <p:spPr/>
+        <p:txBody>
+          <a:bodyPr/>
+          <a:lstStyle/>
+          <a:p>
             <a:r>
               <a:rPr lang="en-US" dirty="0"/>
               <a:t>We didn’t have concurrency because that how we designed the system – to be used by one user at a time </a:t>
@@ -1007,7 +1132,7 @@
 </p:notes>
 </file>
 
-<file path=ppt/notesSlides/notesSlide7.xml><?xml version="1.0" encoding="utf-8"?>
+<file path=ppt/notesSlides/notesSlide8.xml><?xml version="1.0" encoding="utf-8"?>
 <p:notes xmlns:a="http://schemas.openxmlformats.org/drawingml/2006/main" xmlns:r="http://schemas.openxmlformats.org/officeDocument/2006/relationships" xmlns:p="http://schemas.openxmlformats.org/presentationml/2006/main">
   <p:cSld>
     <p:spTree>
@@ -1111,15 +1236,39 @@
           <a:chExt cx="0" cy="0"/>
         </a:xfrm>
       </p:grpSpPr>
-      <p:sp>
-        <p:nvSpPr>
-          <p:cNvPr id="2" name="Title 1">
+      <p:pic>
+        <p:nvPicPr>
+          <p:cNvPr id="8" name="Picture 7" descr="C1-HD-BTM.png"/>
+          <p:cNvPicPr>
+            <a:picLocks noChangeAspect="1"/>
+          </p:cNvPicPr>
+          <p:nvPr/>
+        </p:nvPicPr>
+        <p:blipFill>
+          <a:blip r:embed="rId2">
             <a:extLst>
-              <a:ext uri="{FF2B5EF4-FFF2-40B4-BE49-F238E27FC236}">
-                <a16:creationId xmlns:a16="http://schemas.microsoft.com/office/drawing/2014/main" id="{E0D4FEAE-D27A-4750-9512-5BB8FE041B69}"/>
+              <a:ext uri="{28A0092B-C50C-407E-A947-70E740481C1C}">
+                <a14:useLocalDpi xmlns:a14="http://schemas.microsoft.com/office/drawing/2010/main" val="0"/>
               </a:ext>
             </a:extLst>
-          </p:cNvPr>
+          </a:blip>
+          <a:stretch>
+            <a:fillRect/>
+          </a:stretch>
+        </p:blipFill>
+        <p:spPr>
+          <a:xfrm>
+            <a:off x="0" y="4375150"/>
+            <a:ext cx="12192000" cy="2482850"/>
+          </a:xfrm>
+          <a:prstGeom prst="rect">
+            <a:avLst/>
+          </a:prstGeom>
+        </p:spPr>
+      </p:pic>
+      <p:sp>
+        <p:nvSpPr>
+          <p:cNvPr id="2" name="Title 1"/>
           <p:cNvSpPr>
             <a:spLocks noGrp="1"/>
           </p:cNvSpPr>
@@ -1129,34 +1278,31 @@
         </p:nvSpPr>
         <p:spPr>
           <a:xfrm>
-            <a:off x="1524000" y="1122363"/>
-            <a:ext cx="9144000" cy="2387600"/>
-          </a:xfrm>
-        </p:spPr>
-        <p:txBody>
-          <a:bodyPr anchor="b"/>
+            <a:off x="1371600" y="1803405"/>
+            <a:ext cx="9448800" cy="1825096"/>
+          </a:xfrm>
+        </p:spPr>
+        <p:txBody>
+          <a:bodyPr anchor="b">
+            <a:normAutofit/>
+          </a:bodyPr>
           <a:lstStyle>
-            <a:lvl1pPr algn="ctr">
+            <a:lvl1pPr algn="l">
               <a:defRPr sz="6000"/>
             </a:lvl1pPr>
           </a:lstStyle>
           <a:p>
             <a:r>
-              <a:rPr lang="en-US"/>
+              <a:rPr lang="en-US" smtClean="0"/>
               <a:t>Click to edit Master title style</a:t>
             </a:r>
-          </a:p>
-        </p:txBody>
-      </p:sp>
-      <p:sp>
-        <p:nvSpPr>
-          <p:cNvPr id="3" name="Subtitle 2">
-            <a:extLst>
-              <a:ext uri="{FF2B5EF4-FFF2-40B4-BE49-F238E27FC236}">
-                <a16:creationId xmlns:a16="http://schemas.microsoft.com/office/drawing/2014/main" id="{4470B40D-B5A6-471B-A152-BC4C318246B1}"/>
-              </a:ext>
-            </a:extLst>
-          </p:cNvPr>
+            <a:endParaRPr lang="en-US" dirty="0"/>
+          </a:p>
+        </p:txBody>
+      </p:sp>
+      <p:sp>
+        <p:nvSpPr>
+          <p:cNvPr id="3" name="Subtitle 2"/>
           <p:cNvSpPr>
             <a:spLocks noGrp="1"/>
           </p:cNvSpPr>
@@ -1166,16 +1312,18 @@
         </p:nvSpPr>
         <p:spPr>
           <a:xfrm>
-            <a:off x="1524000" y="3602038"/>
-            <a:ext cx="9144000" cy="1655762"/>
-          </a:xfrm>
-        </p:spPr>
-        <p:txBody>
-          <a:bodyPr/>
+            <a:off x="1371600" y="3632201"/>
+            <a:ext cx="9448800" cy="685800"/>
+          </a:xfrm>
+        </p:spPr>
+        <p:txBody>
+          <a:bodyPr>
+            <a:normAutofit/>
+          </a:bodyPr>
           <a:lstStyle>
-            <a:lvl1pPr marL="0" indent="0" algn="ctr">
-              <a:buNone/>
-              <a:defRPr sz="2400"/>
+            <a:lvl1pPr marL="0" indent="0" algn="l">
+              <a:buNone/>
+              <a:defRPr sz="2000"/>
             </a:lvl1pPr>
             <a:lvl2pPr marL="457200" indent="0" algn="ctr">
               <a:buNone/>
@@ -1212,21 +1360,16 @@
           </a:lstStyle>
           <a:p>
             <a:r>
-              <a:rPr lang="en-US"/>
+              <a:rPr lang="en-US" smtClean="0"/>
               <a:t>Click to edit Master subtitle style</a:t>
             </a:r>
-          </a:p>
-        </p:txBody>
-      </p:sp>
-      <p:sp>
-        <p:nvSpPr>
-          <p:cNvPr id="4" name="Date Placeholder 3">
-            <a:extLst>
-              <a:ext uri="{FF2B5EF4-FFF2-40B4-BE49-F238E27FC236}">
-                <a16:creationId xmlns:a16="http://schemas.microsoft.com/office/drawing/2014/main" id="{7EC8D184-95EF-4C84-A15F-D2091DD8DCA3}"/>
-              </a:ext>
-            </a:extLst>
-          </p:cNvPr>
+            <a:endParaRPr lang="en-US" dirty="0"/>
+          </a:p>
+        </p:txBody>
+      </p:sp>
+      <p:sp>
+        <p:nvSpPr>
+          <p:cNvPr id="4" name="Date Placeholder 3"/>
           <p:cNvSpPr>
             <a:spLocks noGrp="1"/>
           </p:cNvSpPr>
@@ -1234,14 +1377,19 @@
             <p:ph type="dt" sz="half" idx="10"/>
           </p:nvPr>
         </p:nvSpPr>
-        <p:spPr/>
+        <p:spPr>
+          <a:xfrm>
+            <a:off x="7909561" y="4314328"/>
+            <a:ext cx="2910840" cy="374642"/>
+          </a:xfrm>
+        </p:spPr>
         <p:txBody>
           <a:bodyPr/>
           <a:lstStyle/>
           <a:p>
             <a:fld id="{413C8F98-269A-4573-BFF3-378B2D1E4BE6}" type="datetimeFigureOut">
               <a:rPr lang="en-US" smtClean="0"/>
-              <a:t>14-Jun-19</a:t>
+              <a:t>6/16/2019</a:t>
             </a:fld>
             <a:endParaRPr lang="en-US"/>
           </a:p>
@@ -1249,13 +1397,7 @@
       </p:sp>
       <p:sp>
         <p:nvSpPr>
-          <p:cNvPr id="5" name="Footer Placeholder 4">
-            <a:extLst>
-              <a:ext uri="{FF2B5EF4-FFF2-40B4-BE49-F238E27FC236}">
-                <a16:creationId xmlns:a16="http://schemas.microsoft.com/office/drawing/2014/main" id="{4F3F8D70-558A-4E08-B07E-143CAAA73C7D}"/>
-              </a:ext>
-            </a:extLst>
-          </p:cNvPr>
+          <p:cNvPr id="5" name="Footer Placeholder 4"/>
           <p:cNvSpPr>
             <a:spLocks noGrp="1"/>
           </p:cNvSpPr>
@@ -1263,7 +1405,12 @@
             <p:ph type="ftr" sz="quarter" idx="11"/>
           </p:nvPr>
         </p:nvSpPr>
-        <p:spPr/>
+        <p:spPr>
+          <a:xfrm>
+            <a:off x="1371600" y="4323845"/>
+            <a:ext cx="6400800" cy="365125"/>
+          </a:xfrm>
+        </p:spPr>
         <p:txBody>
           <a:bodyPr/>
           <a:lstStyle/>
@@ -1274,13 +1421,7 @@
       </p:sp>
       <p:sp>
         <p:nvSpPr>
-          <p:cNvPr id="6" name="Slide Number Placeholder 5">
-            <a:extLst>
-              <a:ext uri="{FF2B5EF4-FFF2-40B4-BE49-F238E27FC236}">
-                <a16:creationId xmlns:a16="http://schemas.microsoft.com/office/drawing/2014/main" id="{F5A6FD90-9CC6-4B02-97B2-30384F618646}"/>
-              </a:ext>
-            </a:extLst>
-          </p:cNvPr>
+          <p:cNvPr id="6" name="Slide Number Placeholder 5"/>
           <p:cNvSpPr>
             <a:spLocks noGrp="1"/>
           </p:cNvSpPr>
@@ -1288,7 +1429,12 @@
             <p:ph type="sldNum" sz="quarter" idx="12"/>
           </p:nvPr>
         </p:nvSpPr>
-        <p:spPr/>
+        <p:spPr>
+          <a:xfrm>
+            <a:off x="8077200" y="1430866"/>
+            <a:ext cx="2743200" cy="365125"/>
+          </a:xfrm>
+        </p:spPr>
         <p:txBody>
           <a:bodyPr/>
           <a:lstStyle/>
@@ -1304,7 +1450,7 @@
     </p:spTree>
     <p:extLst>
       <p:ext uri="{BB962C8B-B14F-4D97-AF65-F5344CB8AC3E}">
-        <p14:creationId xmlns:p14="http://schemas.microsoft.com/office/powerpoint/2010/main" val="3308242248"/>
+        <p14:creationId xmlns:p14="http://schemas.microsoft.com/office/powerpoint/2010/main" val="2421196638"/>
       </p:ext>
     </p:extLst>
   </p:cSld>
@@ -1315,6 +1461,2598 @@
 </file>
 
 <file path=ppt/slideLayouts/slideLayout10.xml><?xml version="1.0" encoding="utf-8"?>
+<p:sldLayout xmlns:a="http://schemas.openxmlformats.org/drawingml/2006/main" xmlns:r="http://schemas.openxmlformats.org/officeDocument/2006/relationships" xmlns:p="http://schemas.openxmlformats.org/presentationml/2006/main" preserve="1">
+  <p:cSld name="Panoramic Picture with Caption">
+    <p:spTree>
+      <p:nvGrpSpPr>
+        <p:cNvPr id="1" name=""/>
+        <p:cNvGrpSpPr/>
+        <p:nvPr/>
+      </p:nvGrpSpPr>
+      <p:grpSpPr>
+        <a:xfrm>
+          <a:off x="0" y="0"/>
+          <a:ext cx="0" cy="0"/>
+          <a:chOff x="0" y="0"/>
+          <a:chExt cx="0" cy="0"/>
+        </a:xfrm>
+      </p:grpSpPr>
+      <p:sp>
+        <p:nvSpPr>
+          <p:cNvPr id="2" name="Title 1"/>
+          <p:cNvSpPr>
+            <a:spLocks noGrp="1"/>
+          </p:cNvSpPr>
+          <p:nvPr>
+            <p:ph type="title"/>
+          </p:nvPr>
+        </p:nvSpPr>
+        <p:spPr>
+          <a:xfrm>
+            <a:off x="685777" y="4697360"/>
+            <a:ext cx="10822034" cy="819355"/>
+          </a:xfrm>
+        </p:spPr>
+        <p:txBody>
+          <a:bodyPr anchor="b"/>
+          <a:lstStyle>
+            <a:lvl1pPr algn="l">
+              <a:defRPr sz="3200"/>
+            </a:lvl1pPr>
+          </a:lstStyle>
+          <a:p>
+            <a:r>
+              <a:rPr lang="en-US" smtClean="0"/>
+              <a:t>Click to edit Master title style</a:t>
+            </a:r>
+            <a:endParaRPr lang="en-US" dirty="0"/>
+          </a:p>
+        </p:txBody>
+      </p:sp>
+      <p:sp>
+        <p:nvSpPr>
+          <p:cNvPr id="3" name="Picture Placeholder 2"/>
+          <p:cNvSpPr>
+            <a:spLocks noGrp="1" noChangeAspect="1"/>
+          </p:cNvSpPr>
+          <p:nvPr>
+            <p:ph type="pic" idx="1"/>
+          </p:nvPr>
+        </p:nvSpPr>
+        <p:spPr>
+          <a:xfrm>
+            <a:off x="681727" y="941439"/>
+            <a:ext cx="10821840" cy="3478161"/>
+          </a:xfrm>
+        </p:spPr>
+        <p:txBody>
+          <a:bodyPr anchor="t"/>
+          <a:lstStyle>
+            <a:lvl1pPr marL="0" indent="0">
+              <a:buNone/>
+              <a:defRPr sz="3200"/>
+            </a:lvl1pPr>
+            <a:lvl2pPr marL="457200" indent="0">
+              <a:buNone/>
+              <a:defRPr sz="2800"/>
+            </a:lvl2pPr>
+            <a:lvl3pPr marL="914400" indent="0">
+              <a:buNone/>
+              <a:defRPr sz="2400"/>
+            </a:lvl3pPr>
+            <a:lvl4pPr marL="1371600" indent="0">
+              <a:buNone/>
+              <a:defRPr sz="2000"/>
+            </a:lvl4pPr>
+            <a:lvl5pPr marL="1828800" indent="0">
+              <a:buNone/>
+              <a:defRPr sz="2000"/>
+            </a:lvl5pPr>
+            <a:lvl6pPr marL="2286000" indent="0">
+              <a:buNone/>
+              <a:defRPr sz="2000"/>
+            </a:lvl6pPr>
+            <a:lvl7pPr marL="2743200" indent="0">
+              <a:buNone/>
+              <a:defRPr sz="2000"/>
+            </a:lvl7pPr>
+            <a:lvl8pPr marL="3200400" indent="0">
+              <a:buNone/>
+              <a:defRPr sz="2000"/>
+            </a:lvl8pPr>
+            <a:lvl9pPr marL="3657600" indent="0">
+              <a:buNone/>
+              <a:defRPr sz="2000"/>
+            </a:lvl9pPr>
+          </a:lstStyle>
+          <a:p>
+            <a:r>
+              <a:rPr lang="en-US" smtClean="0"/>
+              <a:t>Click icon to add picture</a:t>
+            </a:r>
+            <a:endParaRPr lang="en-US" dirty="0"/>
+          </a:p>
+        </p:txBody>
+      </p:sp>
+      <p:sp>
+        <p:nvSpPr>
+          <p:cNvPr id="4" name="Text Placeholder 3"/>
+          <p:cNvSpPr>
+            <a:spLocks noGrp="1"/>
+          </p:cNvSpPr>
+          <p:nvPr>
+            <p:ph type="body" sz="half" idx="2"/>
+          </p:nvPr>
+        </p:nvSpPr>
+        <p:spPr>
+          <a:xfrm>
+            <a:off x="685800" y="5516715"/>
+            <a:ext cx="10820400" cy="701969"/>
+          </a:xfrm>
+        </p:spPr>
+        <p:txBody>
+          <a:bodyPr/>
+          <a:lstStyle>
+            <a:lvl1pPr marL="0" indent="0" algn="l">
+              <a:buNone/>
+              <a:defRPr sz="1600"/>
+            </a:lvl1pPr>
+            <a:lvl2pPr marL="457200" indent="0">
+              <a:buNone/>
+              <a:defRPr sz="1400"/>
+            </a:lvl2pPr>
+            <a:lvl3pPr marL="914400" indent="0">
+              <a:buNone/>
+              <a:defRPr sz="1200"/>
+            </a:lvl3pPr>
+            <a:lvl4pPr marL="1371600" indent="0">
+              <a:buNone/>
+              <a:defRPr sz="1000"/>
+            </a:lvl4pPr>
+            <a:lvl5pPr marL="1828800" indent="0">
+              <a:buNone/>
+              <a:defRPr sz="1000"/>
+            </a:lvl5pPr>
+            <a:lvl6pPr marL="2286000" indent="0">
+              <a:buNone/>
+              <a:defRPr sz="1000"/>
+            </a:lvl6pPr>
+            <a:lvl7pPr marL="2743200" indent="0">
+              <a:buNone/>
+              <a:defRPr sz="1000"/>
+            </a:lvl7pPr>
+            <a:lvl8pPr marL="3200400" indent="0">
+              <a:buNone/>
+              <a:defRPr sz="1000"/>
+            </a:lvl8pPr>
+            <a:lvl9pPr marL="3657600" indent="0">
+              <a:buNone/>
+              <a:defRPr sz="1000"/>
+            </a:lvl9pPr>
+          </a:lstStyle>
+          <a:p>
+            <a:pPr lvl="0"/>
+            <a:r>
+              <a:rPr lang="en-US" smtClean="0"/>
+              <a:t>Click to edit Master text styles</a:t>
+            </a:r>
+          </a:p>
+        </p:txBody>
+      </p:sp>
+      <p:sp>
+        <p:nvSpPr>
+          <p:cNvPr id="5" name="Date Placeholder 4"/>
+          <p:cNvSpPr>
+            <a:spLocks noGrp="1"/>
+          </p:cNvSpPr>
+          <p:nvPr>
+            <p:ph type="dt" sz="half" idx="10"/>
+          </p:nvPr>
+        </p:nvSpPr>
+        <p:spPr/>
+        <p:txBody>
+          <a:bodyPr/>
+          <a:lstStyle/>
+          <a:p>
+            <a:fld id="{413C8F98-269A-4573-BFF3-378B2D1E4BE6}" type="datetimeFigureOut">
+              <a:rPr lang="en-US" smtClean="0"/>
+              <a:t>6/16/2019</a:t>
+            </a:fld>
+            <a:endParaRPr lang="en-US"/>
+          </a:p>
+        </p:txBody>
+      </p:sp>
+      <p:sp>
+        <p:nvSpPr>
+          <p:cNvPr id="6" name="Footer Placeholder 5"/>
+          <p:cNvSpPr>
+            <a:spLocks noGrp="1"/>
+          </p:cNvSpPr>
+          <p:nvPr>
+            <p:ph type="ftr" sz="quarter" idx="11"/>
+          </p:nvPr>
+        </p:nvSpPr>
+        <p:spPr/>
+        <p:txBody>
+          <a:bodyPr/>
+          <a:lstStyle/>
+          <a:p>
+            <a:endParaRPr lang="en-US"/>
+          </a:p>
+        </p:txBody>
+      </p:sp>
+      <p:sp>
+        <p:nvSpPr>
+          <p:cNvPr id="7" name="Slide Number Placeholder 6"/>
+          <p:cNvSpPr>
+            <a:spLocks noGrp="1"/>
+          </p:cNvSpPr>
+          <p:nvPr>
+            <p:ph type="sldNum" sz="quarter" idx="12"/>
+          </p:nvPr>
+        </p:nvSpPr>
+        <p:spPr/>
+        <p:txBody>
+          <a:bodyPr/>
+          <a:lstStyle/>
+          <a:p>
+            <a:fld id="{EE4FA958-7010-449A-9279-6F96C6AA8810}" type="slidenum">
+              <a:rPr lang="en-US" smtClean="0"/>
+              <a:t>‹#›</a:t>
+            </a:fld>
+            <a:endParaRPr lang="en-US"/>
+          </a:p>
+        </p:txBody>
+      </p:sp>
+    </p:spTree>
+    <p:extLst>
+      <p:ext uri="{BB962C8B-B14F-4D97-AF65-F5344CB8AC3E}">
+        <p14:creationId xmlns:p14="http://schemas.microsoft.com/office/powerpoint/2010/main" val="235599242"/>
+      </p:ext>
+    </p:extLst>
+  </p:cSld>
+  <p:clrMapOvr>
+    <a:masterClrMapping/>
+  </p:clrMapOvr>
+</p:sldLayout>
+</file>
+
+<file path=ppt/slideLayouts/slideLayout11.xml><?xml version="1.0" encoding="utf-8"?>
+<p:sldLayout xmlns:a="http://schemas.openxmlformats.org/drawingml/2006/main" xmlns:r="http://schemas.openxmlformats.org/officeDocument/2006/relationships" xmlns:p="http://schemas.openxmlformats.org/presentationml/2006/main" showMasterSp="0" preserve="1">
+  <p:cSld name="Title and Caption">
+    <p:spTree>
+      <p:nvGrpSpPr>
+        <p:cNvPr id="1" name=""/>
+        <p:cNvGrpSpPr/>
+        <p:nvPr/>
+      </p:nvGrpSpPr>
+      <p:grpSpPr>
+        <a:xfrm>
+          <a:off x="0" y="0"/>
+          <a:ext cx="0" cy="0"/>
+          <a:chOff x="0" y="0"/>
+          <a:chExt cx="0" cy="0"/>
+        </a:xfrm>
+      </p:grpSpPr>
+      <p:pic>
+        <p:nvPicPr>
+          <p:cNvPr id="9" name="Picture 8" descr="C1-HD-BTM.png"/>
+          <p:cNvPicPr>
+            <a:picLocks noChangeAspect="1"/>
+          </p:cNvPicPr>
+          <p:nvPr/>
+        </p:nvPicPr>
+        <p:blipFill>
+          <a:blip r:embed="rId2">
+            <a:extLst>
+              <a:ext uri="{28A0092B-C50C-407E-A947-70E740481C1C}">
+                <a14:useLocalDpi xmlns:a14="http://schemas.microsoft.com/office/drawing/2010/main" val="0"/>
+              </a:ext>
+            </a:extLst>
+          </a:blip>
+          <a:stretch>
+            <a:fillRect/>
+          </a:stretch>
+        </p:blipFill>
+        <p:spPr>
+          <a:xfrm>
+            <a:off x="0" y="4375150"/>
+            <a:ext cx="12192000" cy="2482850"/>
+          </a:xfrm>
+          <a:prstGeom prst="rect">
+            <a:avLst/>
+          </a:prstGeom>
+        </p:spPr>
+      </p:pic>
+      <p:sp>
+        <p:nvSpPr>
+          <p:cNvPr id="2" name="Title 1"/>
+          <p:cNvSpPr>
+            <a:spLocks noGrp="1"/>
+          </p:cNvSpPr>
+          <p:nvPr>
+            <p:ph type="title"/>
+          </p:nvPr>
+        </p:nvSpPr>
+        <p:spPr>
+          <a:xfrm>
+            <a:off x="685800" y="753532"/>
+            <a:ext cx="10820400" cy="2802467"/>
+          </a:xfrm>
+        </p:spPr>
+        <p:txBody>
+          <a:bodyPr anchor="ctr"/>
+          <a:lstStyle>
+            <a:lvl1pPr algn="l">
+              <a:defRPr sz="3200"/>
+            </a:lvl1pPr>
+          </a:lstStyle>
+          <a:p>
+            <a:r>
+              <a:rPr lang="en-US" smtClean="0"/>
+              <a:t>Click to edit Master title style</a:t>
+            </a:r>
+            <a:endParaRPr lang="en-US" dirty="0"/>
+          </a:p>
+        </p:txBody>
+      </p:sp>
+      <p:sp>
+        <p:nvSpPr>
+          <p:cNvPr id="4" name="Text Placeholder 3"/>
+          <p:cNvSpPr>
+            <a:spLocks noGrp="1"/>
+          </p:cNvSpPr>
+          <p:nvPr>
+            <p:ph type="body" sz="half" idx="2"/>
+          </p:nvPr>
+        </p:nvSpPr>
+        <p:spPr>
+          <a:xfrm>
+            <a:off x="1024467" y="3649133"/>
+            <a:ext cx="10130516" cy="999067"/>
+          </a:xfrm>
+        </p:spPr>
+        <p:txBody>
+          <a:bodyPr anchor="ctr"/>
+          <a:lstStyle>
+            <a:lvl1pPr marL="0" indent="0">
+              <a:buNone/>
+              <a:defRPr sz="1600"/>
+            </a:lvl1pPr>
+            <a:lvl2pPr marL="457200" indent="0">
+              <a:buNone/>
+              <a:defRPr sz="1400"/>
+            </a:lvl2pPr>
+            <a:lvl3pPr marL="914400" indent="0">
+              <a:buNone/>
+              <a:defRPr sz="1200"/>
+            </a:lvl3pPr>
+            <a:lvl4pPr marL="1371600" indent="0">
+              <a:buNone/>
+              <a:defRPr sz="1000"/>
+            </a:lvl4pPr>
+            <a:lvl5pPr marL="1828800" indent="0">
+              <a:buNone/>
+              <a:defRPr sz="1000"/>
+            </a:lvl5pPr>
+            <a:lvl6pPr marL="2286000" indent="0">
+              <a:buNone/>
+              <a:defRPr sz="1000"/>
+            </a:lvl6pPr>
+            <a:lvl7pPr marL="2743200" indent="0">
+              <a:buNone/>
+              <a:defRPr sz="1000"/>
+            </a:lvl7pPr>
+            <a:lvl8pPr marL="3200400" indent="0">
+              <a:buNone/>
+              <a:defRPr sz="1000"/>
+            </a:lvl8pPr>
+            <a:lvl9pPr marL="3657600" indent="0">
+              <a:buNone/>
+              <a:defRPr sz="1000"/>
+            </a:lvl9pPr>
+          </a:lstStyle>
+          <a:p>
+            <a:pPr lvl="0"/>
+            <a:r>
+              <a:rPr lang="en-US" smtClean="0"/>
+              <a:t>Click to edit Master text styles</a:t>
+            </a:r>
+          </a:p>
+        </p:txBody>
+      </p:sp>
+      <p:sp>
+        <p:nvSpPr>
+          <p:cNvPr id="5" name="Date Placeholder 4"/>
+          <p:cNvSpPr>
+            <a:spLocks noGrp="1"/>
+          </p:cNvSpPr>
+          <p:nvPr>
+            <p:ph type="dt" sz="half" idx="10"/>
+          </p:nvPr>
+        </p:nvSpPr>
+        <p:spPr>
+          <a:xfrm>
+            <a:off x="7814452" y="381000"/>
+            <a:ext cx="2910840" cy="365125"/>
+          </a:xfrm>
+        </p:spPr>
+        <p:txBody>
+          <a:bodyPr/>
+          <a:lstStyle>
+            <a:lvl1pPr algn="r">
+              <a:defRPr/>
+            </a:lvl1pPr>
+          </a:lstStyle>
+          <a:p>
+            <a:fld id="{413C8F98-269A-4573-BFF3-378B2D1E4BE6}" type="datetimeFigureOut">
+              <a:rPr lang="en-US" smtClean="0"/>
+              <a:t>6/16/2019</a:t>
+            </a:fld>
+            <a:endParaRPr lang="en-US"/>
+          </a:p>
+        </p:txBody>
+      </p:sp>
+      <p:sp>
+        <p:nvSpPr>
+          <p:cNvPr id="6" name="Footer Placeholder 5"/>
+          <p:cNvSpPr>
+            <a:spLocks noGrp="1"/>
+          </p:cNvSpPr>
+          <p:nvPr>
+            <p:ph type="ftr" sz="quarter" idx="11"/>
+          </p:nvPr>
+        </p:nvSpPr>
+        <p:spPr>
+          <a:xfrm>
+            <a:off x="685800" y="379941"/>
+            <a:ext cx="6991492" cy="365125"/>
+          </a:xfrm>
+        </p:spPr>
+        <p:txBody>
+          <a:bodyPr/>
+          <a:lstStyle/>
+          <a:p>
+            <a:endParaRPr lang="en-US"/>
+          </a:p>
+        </p:txBody>
+      </p:sp>
+      <p:sp>
+        <p:nvSpPr>
+          <p:cNvPr id="7" name="Slide Number Placeholder 6"/>
+          <p:cNvSpPr>
+            <a:spLocks noGrp="1"/>
+          </p:cNvSpPr>
+          <p:nvPr>
+            <p:ph type="sldNum" sz="quarter" idx="12"/>
+          </p:nvPr>
+        </p:nvSpPr>
+        <p:spPr>
+          <a:xfrm>
+            <a:off x="10862452" y="381000"/>
+            <a:ext cx="643748" cy="365125"/>
+          </a:xfrm>
+        </p:spPr>
+        <p:txBody>
+          <a:bodyPr/>
+          <a:lstStyle/>
+          <a:p>
+            <a:fld id="{EE4FA958-7010-449A-9279-6F96C6AA8810}" type="slidenum">
+              <a:rPr lang="en-US" smtClean="0"/>
+              <a:t>‹#›</a:t>
+            </a:fld>
+            <a:endParaRPr lang="en-US"/>
+          </a:p>
+        </p:txBody>
+      </p:sp>
+    </p:spTree>
+    <p:extLst>
+      <p:ext uri="{BB962C8B-B14F-4D97-AF65-F5344CB8AC3E}">
+        <p14:creationId xmlns:p14="http://schemas.microsoft.com/office/powerpoint/2010/main" val="2657091845"/>
+      </p:ext>
+    </p:extLst>
+  </p:cSld>
+  <p:clrMapOvr>
+    <a:masterClrMapping/>
+  </p:clrMapOvr>
+</p:sldLayout>
+</file>
+
+<file path=ppt/slideLayouts/slideLayout12.xml><?xml version="1.0" encoding="utf-8"?>
+<p:sldLayout xmlns:a="http://schemas.openxmlformats.org/drawingml/2006/main" xmlns:r="http://schemas.openxmlformats.org/officeDocument/2006/relationships" xmlns:p="http://schemas.openxmlformats.org/presentationml/2006/main" showMasterSp="0" preserve="1">
+  <p:cSld name="Quote with Caption">
+    <p:spTree>
+      <p:nvGrpSpPr>
+        <p:cNvPr id="1" name=""/>
+        <p:cNvGrpSpPr/>
+        <p:nvPr/>
+      </p:nvGrpSpPr>
+      <p:grpSpPr>
+        <a:xfrm>
+          <a:off x="0" y="0"/>
+          <a:ext cx="0" cy="0"/>
+          <a:chOff x="0" y="0"/>
+          <a:chExt cx="0" cy="0"/>
+        </a:xfrm>
+      </p:grpSpPr>
+      <p:pic>
+        <p:nvPicPr>
+          <p:cNvPr id="11" name="Picture 10" descr="C1-HD-BTM.png"/>
+          <p:cNvPicPr>
+            <a:picLocks noChangeAspect="1"/>
+          </p:cNvPicPr>
+          <p:nvPr/>
+        </p:nvPicPr>
+        <p:blipFill>
+          <a:blip r:embed="rId2">
+            <a:extLst>
+              <a:ext uri="{28A0092B-C50C-407E-A947-70E740481C1C}">
+                <a14:useLocalDpi xmlns:a14="http://schemas.microsoft.com/office/drawing/2010/main" val="0"/>
+              </a:ext>
+            </a:extLst>
+          </a:blip>
+          <a:stretch>
+            <a:fillRect/>
+          </a:stretch>
+        </p:blipFill>
+        <p:spPr>
+          <a:xfrm>
+            <a:off x="0" y="4375150"/>
+            <a:ext cx="12192000" cy="2482850"/>
+          </a:xfrm>
+          <a:prstGeom prst="rect">
+            <a:avLst/>
+          </a:prstGeom>
+        </p:spPr>
+      </p:pic>
+      <p:sp>
+        <p:nvSpPr>
+          <p:cNvPr id="2" name="Title 1"/>
+          <p:cNvSpPr>
+            <a:spLocks noGrp="1"/>
+          </p:cNvSpPr>
+          <p:nvPr>
+            <p:ph type="title"/>
+          </p:nvPr>
+        </p:nvSpPr>
+        <p:spPr>
+          <a:xfrm>
+            <a:off x="1024467" y="753533"/>
+            <a:ext cx="10151533" cy="2604495"/>
+          </a:xfrm>
+        </p:spPr>
+        <p:txBody>
+          <a:bodyPr anchor="ctr"/>
+          <a:lstStyle>
+            <a:lvl1pPr algn="l">
+              <a:defRPr sz="3200"/>
+            </a:lvl1pPr>
+          </a:lstStyle>
+          <a:p>
+            <a:r>
+              <a:rPr lang="en-US" smtClean="0"/>
+              <a:t>Click to edit Master title style</a:t>
+            </a:r>
+            <a:endParaRPr lang="en-US" dirty="0"/>
+          </a:p>
+        </p:txBody>
+      </p:sp>
+      <p:sp>
+        <p:nvSpPr>
+          <p:cNvPr id="12" name="Text Placeholder 3"/>
+          <p:cNvSpPr>
+            <a:spLocks noGrp="1"/>
+          </p:cNvSpPr>
+          <p:nvPr>
+            <p:ph type="body" sz="half" idx="13"/>
+          </p:nvPr>
+        </p:nvSpPr>
+        <p:spPr>
+          <a:xfrm>
+            <a:off x="1303865" y="3365556"/>
+            <a:ext cx="9592736" cy="444443"/>
+          </a:xfrm>
+        </p:spPr>
+        <p:txBody>
+          <a:bodyPr anchor="t">
+            <a:normAutofit/>
+          </a:bodyPr>
+          <a:lstStyle>
+            <a:lvl1pPr marL="0" indent="0">
+              <a:buNone/>
+              <a:defRPr sz="1400"/>
+            </a:lvl1pPr>
+            <a:lvl2pPr marL="457200" indent="0">
+              <a:buNone/>
+              <a:defRPr sz="1400"/>
+            </a:lvl2pPr>
+            <a:lvl3pPr marL="914400" indent="0">
+              <a:buNone/>
+              <a:defRPr sz="1200"/>
+            </a:lvl3pPr>
+            <a:lvl4pPr marL="1371600" indent="0">
+              <a:buNone/>
+              <a:defRPr sz="1000"/>
+            </a:lvl4pPr>
+            <a:lvl5pPr marL="1828800" indent="0">
+              <a:buNone/>
+              <a:defRPr sz="1000"/>
+            </a:lvl5pPr>
+            <a:lvl6pPr marL="2286000" indent="0">
+              <a:buNone/>
+              <a:defRPr sz="1000"/>
+            </a:lvl6pPr>
+            <a:lvl7pPr marL="2743200" indent="0">
+              <a:buNone/>
+              <a:defRPr sz="1000"/>
+            </a:lvl7pPr>
+            <a:lvl8pPr marL="3200400" indent="0">
+              <a:buNone/>
+              <a:defRPr sz="1000"/>
+            </a:lvl8pPr>
+            <a:lvl9pPr marL="3657600" indent="0">
+              <a:buNone/>
+              <a:defRPr sz="1000"/>
+            </a:lvl9pPr>
+          </a:lstStyle>
+          <a:p>
+            <a:pPr lvl="0"/>
+            <a:r>
+              <a:rPr lang="en-US" smtClean="0"/>
+              <a:t>Click to edit Master text styles</a:t>
+            </a:r>
+          </a:p>
+        </p:txBody>
+      </p:sp>
+      <p:sp>
+        <p:nvSpPr>
+          <p:cNvPr id="4" name="Text Placeholder 3"/>
+          <p:cNvSpPr>
+            <a:spLocks noGrp="1"/>
+          </p:cNvSpPr>
+          <p:nvPr>
+            <p:ph type="body" sz="half" idx="2"/>
+          </p:nvPr>
+        </p:nvSpPr>
+        <p:spPr>
+          <a:xfrm>
+            <a:off x="1024467" y="3959862"/>
+            <a:ext cx="10151533" cy="679871"/>
+          </a:xfrm>
+        </p:spPr>
+        <p:txBody>
+          <a:bodyPr anchor="ctr">
+            <a:normAutofit/>
+          </a:bodyPr>
+          <a:lstStyle>
+            <a:lvl1pPr marL="0" indent="0">
+              <a:buNone/>
+              <a:defRPr sz="1600"/>
+            </a:lvl1pPr>
+            <a:lvl2pPr marL="457200" indent="0">
+              <a:buNone/>
+              <a:defRPr sz="1400"/>
+            </a:lvl2pPr>
+            <a:lvl3pPr marL="914400" indent="0">
+              <a:buNone/>
+              <a:defRPr sz="1200"/>
+            </a:lvl3pPr>
+            <a:lvl4pPr marL="1371600" indent="0">
+              <a:buNone/>
+              <a:defRPr sz="1000"/>
+            </a:lvl4pPr>
+            <a:lvl5pPr marL="1828800" indent="0">
+              <a:buNone/>
+              <a:defRPr sz="1000"/>
+            </a:lvl5pPr>
+            <a:lvl6pPr marL="2286000" indent="0">
+              <a:buNone/>
+              <a:defRPr sz="1000"/>
+            </a:lvl6pPr>
+            <a:lvl7pPr marL="2743200" indent="0">
+              <a:buNone/>
+              <a:defRPr sz="1000"/>
+            </a:lvl7pPr>
+            <a:lvl8pPr marL="3200400" indent="0">
+              <a:buNone/>
+              <a:defRPr sz="1000"/>
+            </a:lvl8pPr>
+            <a:lvl9pPr marL="3657600" indent="0">
+              <a:buNone/>
+              <a:defRPr sz="1000"/>
+            </a:lvl9pPr>
+          </a:lstStyle>
+          <a:p>
+            <a:pPr lvl="0"/>
+            <a:r>
+              <a:rPr lang="en-US" smtClean="0"/>
+              <a:t>Click to edit Master text styles</a:t>
+            </a:r>
+          </a:p>
+        </p:txBody>
+      </p:sp>
+      <p:sp>
+        <p:nvSpPr>
+          <p:cNvPr id="5" name="Date Placeholder 4"/>
+          <p:cNvSpPr>
+            <a:spLocks noGrp="1"/>
+          </p:cNvSpPr>
+          <p:nvPr>
+            <p:ph type="dt" sz="half" idx="10"/>
+          </p:nvPr>
+        </p:nvSpPr>
+        <p:spPr>
+          <a:xfrm>
+            <a:off x="7814452" y="381000"/>
+            <a:ext cx="2910840" cy="365125"/>
+          </a:xfrm>
+        </p:spPr>
+        <p:txBody>
+          <a:bodyPr/>
+          <a:lstStyle>
+            <a:lvl1pPr algn="r">
+              <a:defRPr/>
+            </a:lvl1pPr>
+          </a:lstStyle>
+          <a:p>
+            <a:fld id="{413C8F98-269A-4573-BFF3-378B2D1E4BE6}" type="datetimeFigureOut">
+              <a:rPr lang="en-US" smtClean="0"/>
+              <a:t>6/16/2019</a:t>
+            </a:fld>
+            <a:endParaRPr lang="en-US"/>
+          </a:p>
+        </p:txBody>
+      </p:sp>
+      <p:sp>
+        <p:nvSpPr>
+          <p:cNvPr id="6" name="Footer Placeholder 5"/>
+          <p:cNvSpPr>
+            <a:spLocks noGrp="1"/>
+          </p:cNvSpPr>
+          <p:nvPr>
+            <p:ph type="ftr" sz="quarter" idx="11"/>
+          </p:nvPr>
+        </p:nvSpPr>
+        <p:spPr>
+          <a:xfrm>
+            <a:off x="685800" y="379941"/>
+            <a:ext cx="6991492" cy="365125"/>
+          </a:xfrm>
+        </p:spPr>
+        <p:txBody>
+          <a:bodyPr/>
+          <a:lstStyle/>
+          <a:p>
+            <a:endParaRPr lang="en-US"/>
+          </a:p>
+        </p:txBody>
+      </p:sp>
+      <p:sp>
+        <p:nvSpPr>
+          <p:cNvPr id="7" name="Slide Number Placeholder 6"/>
+          <p:cNvSpPr>
+            <a:spLocks noGrp="1"/>
+          </p:cNvSpPr>
+          <p:nvPr>
+            <p:ph type="sldNum" sz="quarter" idx="12"/>
+          </p:nvPr>
+        </p:nvSpPr>
+        <p:spPr>
+          <a:xfrm>
+            <a:off x="10862452" y="381000"/>
+            <a:ext cx="643748" cy="365125"/>
+          </a:xfrm>
+        </p:spPr>
+        <p:txBody>
+          <a:bodyPr/>
+          <a:lstStyle/>
+          <a:p>
+            <a:fld id="{EE4FA958-7010-449A-9279-6F96C6AA8810}" type="slidenum">
+              <a:rPr lang="en-US" smtClean="0"/>
+              <a:t>‹#›</a:t>
+            </a:fld>
+            <a:endParaRPr lang="en-US"/>
+          </a:p>
+        </p:txBody>
+      </p:sp>
+      <p:sp>
+        <p:nvSpPr>
+          <p:cNvPr id="9" name="TextBox 8"/>
+          <p:cNvSpPr txBox="1"/>
+          <p:nvPr/>
+        </p:nvSpPr>
+        <p:spPr>
+          <a:xfrm>
+            <a:off x="476250" y="933450"/>
+            <a:ext cx="609600" cy="584776"/>
+          </a:xfrm>
+          <a:prstGeom prst="rect">
+            <a:avLst/>
+          </a:prstGeom>
+        </p:spPr>
+        <p:txBody>
+          <a:bodyPr vert="horz" lIns="91440" tIns="45720" rIns="91440" bIns="45720" rtlCol="0" anchor="ctr">
+            <a:noAutofit/>
+          </a:bodyPr>
+          <a:lstStyle>
+            <a:lvl1pPr>
+              <a:spcBef>
+                <a:spcPct val="0"/>
+              </a:spcBef>
+              <a:buNone/>
+              <a:defRPr sz="3200" b="0" cap="all">
+                <a:ln w="3175" cmpd="sng">
+                  <a:noFill/>
+                </a:ln>
+                <a:effectLst>
+                  <a:glow rad="38100">
+                    <a:schemeClr val="bg1">
+                      <a:lumMod val="65000"/>
+                      <a:lumOff val="35000"/>
+                      <a:alpha val="40000"/>
+                    </a:schemeClr>
+                  </a:glow>
+                  <a:outerShdw blurRad="28575" dist="38100" dir="14040000" algn="tl" rotWithShape="0">
+                    <a:srgbClr val="000000">
+                      <a:alpha val="25000"/>
+                    </a:srgbClr>
+                  </a:outerShdw>
+                </a:effectLst>
+              </a:defRPr>
+            </a:lvl1pPr>
+            <a:lvl2pPr>
+              <a:defRPr>
+                <a:solidFill>
+                  <a:schemeClr val="tx2"/>
+                </a:solidFill>
+              </a:defRPr>
+            </a:lvl2pPr>
+            <a:lvl3pPr>
+              <a:defRPr>
+                <a:solidFill>
+                  <a:schemeClr val="tx2"/>
+                </a:solidFill>
+              </a:defRPr>
+            </a:lvl3pPr>
+            <a:lvl4pPr>
+              <a:defRPr>
+                <a:solidFill>
+                  <a:schemeClr val="tx2"/>
+                </a:solidFill>
+              </a:defRPr>
+            </a:lvl4pPr>
+            <a:lvl5pPr>
+              <a:defRPr>
+                <a:solidFill>
+                  <a:schemeClr val="tx2"/>
+                </a:solidFill>
+              </a:defRPr>
+            </a:lvl5pPr>
+            <a:lvl6pPr>
+              <a:defRPr>
+                <a:solidFill>
+                  <a:schemeClr val="tx2"/>
+                </a:solidFill>
+              </a:defRPr>
+            </a:lvl6pPr>
+            <a:lvl7pPr>
+              <a:defRPr>
+                <a:solidFill>
+                  <a:schemeClr val="tx2"/>
+                </a:solidFill>
+              </a:defRPr>
+            </a:lvl7pPr>
+            <a:lvl8pPr>
+              <a:defRPr>
+                <a:solidFill>
+                  <a:schemeClr val="tx2"/>
+                </a:solidFill>
+              </a:defRPr>
+            </a:lvl8pPr>
+            <a:lvl9pPr>
+              <a:defRPr>
+                <a:solidFill>
+                  <a:schemeClr val="tx2"/>
+                </a:solidFill>
+              </a:defRPr>
+            </a:lvl9pPr>
+          </a:lstStyle>
+          <a:p>
+            <a:pPr lvl="0"/>
+            <a:r>
+              <a:rPr lang="en-US" sz="8000" dirty="0">
+                <a:solidFill>
+                  <a:schemeClr val="tx1"/>
+                </a:solidFill>
+                <a:effectLst/>
+              </a:rPr>
+              <a:t>“</a:t>
+            </a:r>
+          </a:p>
+        </p:txBody>
+      </p:sp>
+      <p:sp>
+        <p:nvSpPr>
+          <p:cNvPr id="10" name="TextBox 9"/>
+          <p:cNvSpPr txBox="1"/>
+          <p:nvPr/>
+        </p:nvSpPr>
+        <p:spPr>
+          <a:xfrm>
+            <a:off x="10984230" y="2701290"/>
+            <a:ext cx="609600" cy="584776"/>
+          </a:xfrm>
+          <a:prstGeom prst="rect">
+            <a:avLst/>
+          </a:prstGeom>
+        </p:spPr>
+        <p:txBody>
+          <a:bodyPr vert="horz" lIns="91440" tIns="45720" rIns="91440" bIns="45720" rtlCol="0" anchor="ctr">
+            <a:noAutofit/>
+          </a:bodyPr>
+          <a:lstStyle>
+            <a:lvl1pPr>
+              <a:spcBef>
+                <a:spcPct val="0"/>
+              </a:spcBef>
+              <a:buNone/>
+              <a:defRPr sz="3200" b="0" cap="all">
+                <a:ln w="3175" cmpd="sng">
+                  <a:noFill/>
+                </a:ln>
+                <a:effectLst>
+                  <a:glow rad="38100">
+                    <a:schemeClr val="bg1">
+                      <a:lumMod val="65000"/>
+                      <a:lumOff val="35000"/>
+                      <a:alpha val="40000"/>
+                    </a:schemeClr>
+                  </a:glow>
+                  <a:outerShdw blurRad="28575" dist="38100" dir="14040000" algn="tl" rotWithShape="0">
+                    <a:srgbClr val="000000">
+                      <a:alpha val="25000"/>
+                    </a:srgbClr>
+                  </a:outerShdw>
+                </a:effectLst>
+              </a:defRPr>
+            </a:lvl1pPr>
+            <a:lvl2pPr>
+              <a:defRPr>
+                <a:solidFill>
+                  <a:schemeClr val="tx2"/>
+                </a:solidFill>
+              </a:defRPr>
+            </a:lvl2pPr>
+            <a:lvl3pPr>
+              <a:defRPr>
+                <a:solidFill>
+                  <a:schemeClr val="tx2"/>
+                </a:solidFill>
+              </a:defRPr>
+            </a:lvl3pPr>
+            <a:lvl4pPr>
+              <a:defRPr>
+                <a:solidFill>
+                  <a:schemeClr val="tx2"/>
+                </a:solidFill>
+              </a:defRPr>
+            </a:lvl4pPr>
+            <a:lvl5pPr>
+              <a:defRPr>
+                <a:solidFill>
+                  <a:schemeClr val="tx2"/>
+                </a:solidFill>
+              </a:defRPr>
+            </a:lvl5pPr>
+            <a:lvl6pPr>
+              <a:defRPr>
+                <a:solidFill>
+                  <a:schemeClr val="tx2"/>
+                </a:solidFill>
+              </a:defRPr>
+            </a:lvl6pPr>
+            <a:lvl7pPr>
+              <a:defRPr>
+                <a:solidFill>
+                  <a:schemeClr val="tx2"/>
+                </a:solidFill>
+              </a:defRPr>
+            </a:lvl7pPr>
+            <a:lvl8pPr>
+              <a:defRPr>
+                <a:solidFill>
+                  <a:schemeClr val="tx2"/>
+                </a:solidFill>
+              </a:defRPr>
+            </a:lvl8pPr>
+            <a:lvl9pPr>
+              <a:defRPr>
+                <a:solidFill>
+                  <a:schemeClr val="tx2"/>
+                </a:solidFill>
+              </a:defRPr>
+            </a:lvl9pPr>
+          </a:lstStyle>
+          <a:p>
+            <a:pPr lvl="0" algn="r"/>
+            <a:r>
+              <a:rPr lang="en-US" sz="8000" dirty="0">
+                <a:solidFill>
+                  <a:schemeClr val="tx1"/>
+                </a:solidFill>
+                <a:effectLst/>
+              </a:rPr>
+              <a:t>”</a:t>
+            </a:r>
+          </a:p>
+        </p:txBody>
+      </p:sp>
+    </p:spTree>
+    <p:extLst>
+      <p:ext uri="{BB962C8B-B14F-4D97-AF65-F5344CB8AC3E}">
+        <p14:creationId xmlns:p14="http://schemas.microsoft.com/office/powerpoint/2010/main" val="995320445"/>
+      </p:ext>
+    </p:extLst>
+  </p:cSld>
+  <p:clrMapOvr>
+    <a:masterClrMapping/>
+  </p:clrMapOvr>
+</p:sldLayout>
+</file>
+
+<file path=ppt/slideLayouts/slideLayout13.xml><?xml version="1.0" encoding="utf-8"?>
+<p:sldLayout xmlns:a="http://schemas.openxmlformats.org/drawingml/2006/main" xmlns:r="http://schemas.openxmlformats.org/officeDocument/2006/relationships" xmlns:p="http://schemas.openxmlformats.org/presentationml/2006/main" showMasterSp="0" preserve="1">
+  <p:cSld name="Name Card">
+    <p:spTree>
+      <p:nvGrpSpPr>
+        <p:cNvPr id="1" name=""/>
+        <p:cNvGrpSpPr/>
+        <p:nvPr/>
+      </p:nvGrpSpPr>
+      <p:grpSpPr>
+        <a:xfrm>
+          <a:off x="0" y="0"/>
+          <a:ext cx="0" cy="0"/>
+          <a:chOff x="0" y="0"/>
+          <a:chExt cx="0" cy="0"/>
+        </a:xfrm>
+      </p:grpSpPr>
+      <p:pic>
+        <p:nvPicPr>
+          <p:cNvPr id="8" name="Picture 7" descr="C1-HD-BTM.png"/>
+          <p:cNvPicPr>
+            <a:picLocks noChangeAspect="1"/>
+          </p:cNvPicPr>
+          <p:nvPr/>
+        </p:nvPicPr>
+        <p:blipFill>
+          <a:blip r:embed="rId2">
+            <a:extLst>
+              <a:ext uri="{28A0092B-C50C-407E-A947-70E740481C1C}">
+                <a14:useLocalDpi xmlns:a14="http://schemas.microsoft.com/office/drawing/2010/main" val="0"/>
+              </a:ext>
+            </a:extLst>
+          </a:blip>
+          <a:stretch>
+            <a:fillRect/>
+          </a:stretch>
+        </p:blipFill>
+        <p:spPr>
+          <a:xfrm>
+            <a:off x="0" y="4375150"/>
+            <a:ext cx="12192000" cy="2482850"/>
+          </a:xfrm>
+          <a:prstGeom prst="rect">
+            <a:avLst/>
+          </a:prstGeom>
+        </p:spPr>
+      </p:pic>
+      <p:sp>
+        <p:nvSpPr>
+          <p:cNvPr id="2" name="Title 1"/>
+          <p:cNvSpPr>
+            <a:spLocks noGrp="1"/>
+          </p:cNvSpPr>
+          <p:nvPr>
+            <p:ph type="title"/>
+          </p:nvPr>
+        </p:nvSpPr>
+        <p:spPr>
+          <a:xfrm>
+            <a:off x="1024495" y="1124701"/>
+            <a:ext cx="10146186" cy="2511835"/>
+          </a:xfrm>
+        </p:spPr>
+        <p:txBody>
+          <a:bodyPr anchor="b"/>
+          <a:lstStyle>
+            <a:lvl1pPr algn="l">
+              <a:defRPr sz="3200"/>
+            </a:lvl1pPr>
+          </a:lstStyle>
+          <a:p>
+            <a:r>
+              <a:rPr lang="en-US" smtClean="0"/>
+              <a:t>Click to edit Master title style</a:t>
+            </a:r>
+            <a:endParaRPr lang="en-US" dirty="0"/>
+          </a:p>
+        </p:txBody>
+      </p:sp>
+      <p:sp>
+        <p:nvSpPr>
+          <p:cNvPr id="4" name="Text Placeholder 3"/>
+          <p:cNvSpPr>
+            <a:spLocks noGrp="1"/>
+          </p:cNvSpPr>
+          <p:nvPr>
+            <p:ph type="body" sz="half" idx="2"/>
+          </p:nvPr>
+        </p:nvSpPr>
+        <p:spPr>
+          <a:xfrm>
+            <a:off x="1024467" y="3648315"/>
+            <a:ext cx="10144654" cy="999885"/>
+          </a:xfrm>
+        </p:spPr>
+        <p:txBody>
+          <a:bodyPr anchor="t"/>
+          <a:lstStyle>
+            <a:lvl1pPr marL="0" indent="0">
+              <a:buNone/>
+              <a:defRPr sz="1600"/>
+            </a:lvl1pPr>
+            <a:lvl2pPr marL="457200" indent="0">
+              <a:buNone/>
+              <a:defRPr sz="1400"/>
+            </a:lvl2pPr>
+            <a:lvl3pPr marL="914400" indent="0">
+              <a:buNone/>
+              <a:defRPr sz="1200"/>
+            </a:lvl3pPr>
+            <a:lvl4pPr marL="1371600" indent="0">
+              <a:buNone/>
+              <a:defRPr sz="1000"/>
+            </a:lvl4pPr>
+            <a:lvl5pPr marL="1828800" indent="0">
+              <a:buNone/>
+              <a:defRPr sz="1000"/>
+            </a:lvl5pPr>
+            <a:lvl6pPr marL="2286000" indent="0">
+              <a:buNone/>
+              <a:defRPr sz="1000"/>
+            </a:lvl6pPr>
+            <a:lvl7pPr marL="2743200" indent="0">
+              <a:buNone/>
+              <a:defRPr sz="1000"/>
+            </a:lvl7pPr>
+            <a:lvl8pPr marL="3200400" indent="0">
+              <a:buNone/>
+              <a:defRPr sz="1000"/>
+            </a:lvl8pPr>
+            <a:lvl9pPr marL="3657600" indent="0">
+              <a:buNone/>
+              <a:defRPr sz="1000"/>
+            </a:lvl9pPr>
+          </a:lstStyle>
+          <a:p>
+            <a:pPr lvl="0"/>
+            <a:r>
+              <a:rPr lang="en-US" smtClean="0"/>
+              <a:t>Click to edit Master text styles</a:t>
+            </a:r>
+          </a:p>
+        </p:txBody>
+      </p:sp>
+      <p:sp>
+        <p:nvSpPr>
+          <p:cNvPr id="5" name="Date Placeholder 4"/>
+          <p:cNvSpPr>
+            <a:spLocks noGrp="1"/>
+          </p:cNvSpPr>
+          <p:nvPr>
+            <p:ph type="dt" sz="half" idx="10"/>
+          </p:nvPr>
+        </p:nvSpPr>
+        <p:spPr>
+          <a:xfrm>
+            <a:off x="7814452" y="378883"/>
+            <a:ext cx="2910840" cy="365125"/>
+          </a:xfrm>
+        </p:spPr>
+        <p:txBody>
+          <a:bodyPr/>
+          <a:lstStyle>
+            <a:lvl1pPr algn="r">
+              <a:defRPr/>
+            </a:lvl1pPr>
+          </a:lstStyle>
+          <a:p>
+            <a:fld id="{413C8F98-269A-4573-BFF3-378B2D1E4BE6}" type="datetimeFigureOut">
+              <a:rPr lang="en-US" smtClean="0"/>
+              <a:t>6/16/2019</a:t>
+            </a:fld>
+            <a:endParaRPr lang="en-US"/>
+          </a:p>
+        </p:txBody>
+      </p:sp>
+      <p:sp>
+        <p:nvSpPr>
+          <p:cNvPr id="6" name="Footer Placeholder 5"/>
+          <p:cNvSpPr>
+            <a:spLocks noGrp="1"/>
+          </p:cNvSpPr>
+          <p:nvPr>
+            <p:ph type="ftr" sz="quarter" idx="11"/>
+          </p:nvPr>
+        </p:nvSpPr>
+        <p:spPr>
+          <a:xfrm>
+            <a:off x="685800" y="378883"/>
+            <a:ext cx="6991492" cy="365125"/>
+          </a:xfrm>
+        </p:spPr>
+        <p:txBody>
+          <a:bodyPr/>
+          <a:lstStyle/>
+          <a:p>
+            <a:endParaRPr lang="en-US"/>
+          </a:p>
+        </p:txBody>
+      </p:sp>
+      <p:sp>
+        <p:nvSpPr>
+          <p:cNvPr id="7" name="Slide Number Placeholder 6"/>
+          <p:cNvSpPr>
+            <a:spLocks noGrp="1"/>
+          </p:cNvSpPr>
+          <p:nvPr>
+            <p:ph type="sldNum" sz="quarter" idx="12"/>
+          </p:nvPr>
+        </p:nvSpPr>
+        <p:spPr>
+          <a:xfrm>
+            <a:off x="10862452" y="381000"/>
+            <a:ext cx="643748" cy="365125"/>
+          </a:xfrm>
+        </p:spPr>
+        <p:txBody>
+          <a:bodyPr/>
+          <a:lstStyle/>
+          <a:p>
+            <a:fld id="{EE4FA958-7010-449A-9279-6F96C6AA8810}" type="slidenum">
+              <a:rPr lang="en-US" smtClean="0"/>
+              <a:t>‹#›</a:t>
+            </a:fld>
+            <a:endParaRPr lang="en-US"/>
+          </a:p>
+        </p:txBody>
+      </p:sp>
+    </p:spTree>
+    <p:extLst>
+      <p:ext uri="{BB962C8B-B14F-4D97-AF65-F5344CB8AC3E}">
+        <p14:creationId xmlns:p14="http://schemas.microsoft.com/office/powerpoint/2010/main" val="1374170344"/>
+      </p:ext>
+    </p:extLst>
+  </p:cSld>
+  <p:clrMapOvr>
+    <a:masterClrMapping/>
+  </p:clrMapOvr>
+</p:sldLayout>
+</file>
+
+<file path=ppt/slideLayouts/slideLayout14.xml><?xml version="1.0" encoding="utf-8"?>
+<p:sldLayout xmlns:a="http://schemas.openxmlformats.org/drawingml/2006/main" xmlns:r="http://schemas.openxmlformats.org/officeDocument/2006/relationships" xmlns:p="http://schemas.openxmlformats.org/presentationml/2006/main" preserve="1">
+  <p:cSld name="3 Column">
+    <p:spTree>
+      <p:nvGrpSpPr>
+        <p:cNvPr id="1" name=""/>
+        <p:cNvGrpSpPr/>
+        <p:nvPr/>
+      </p:nvGrpSpPr>
+      <p:grpSpPr>
+        <a:xfrm>
+          <a:off x="0" y="0"/>
+          <a:ext cx="0" cy="0"/>
+          <a:chOff x="0" y="0"/>
+          <a:chExt cx="0" cy="0"/>
+        </a:xfrm>
+      </p:grpSpPr>
+      <p:sp>
+        <p:nvSpPr>
+          <p:cNvPr id="15" name="Title 1"/>
+          <p:cNvSpPr>
+            <a:spLocks noGrp="1"/>
+          </p:cNvSpPr>
+          <p:nvPr>
+            <p:ph type="title"/>
+          </p:nvPr>
+        </p:nvSpPr>
+        <p:spPr>
+          <a:xfrm>
+            <a:off x="2895600" y="761999"/>
+            <a:ext cx="8610599" cy="1303867"/>
+          </a:xfrm>
+        </p:spPr>
+        <p:txBody>
+          <a:bodyPr/>
+          <a:lstStyle/>
+          <a:p>
+            <a:r>
+              <a:rPr lang="en-US" smtClean="0"/>
+              <a:t>Click to edit Master title style</a:t>
+            </a:r>
+            <a:endParaRPr lang="en-US" dirty="0"/>
+          </a:p>
+        </p:txBody>
+      </p:sp>
+      <p:sp>
+        <p:nvSpPr>
+          <p:cNvPr id="7" name="Text Placeholder 2"/>
+          <p:cNvSpPr>
+            <a:spLocks noGrp="1"/>
+          </p:cNvSpPr>
+          <p:nvPr>
+            <p:ph type="body" idx="1"/>
+          </p:nvPr>
+        </p:nvSpPr>
+        <p:spPr>
+          <a:xfrm>
+            <a:off x="685800" y="2202080"/>
+            <a:ext cx="3456432" cy="617320"/>
+          </a:xfrm>
+        </p:spPr>
+        <p:txBody>
+          <a:bodyPr anchor="b">
+            <a:noAutofit/>
+          </a:bodyPr>
+          <a:lstStyle>
+            <a:lvl1pPr marL="0" indent="0">
+              <a:buNone/>
+              <a:defRPr sz="2400" b="0">
+                <a:solidFill>
+                  <a:schemeClr val="tx1"/>
+                </a:solidFill>
+              </a:defRPr>
+            </a:lvl1pPr>
+            <a:lvl2pPr marL="457200" indent="0">
+              <a:buNone/>
+              <a:defRPr sz="2000" b="1"/>
+            </a:lvl2pPr>
+            <a:lvl3pPr marL="914400" indent="0">
+              <a:buNone/>
+              <a:defRPr sz="1800" b="1"/>
+            </a:lvl3pPr>
+            <a:lvl4pPr marL="1371600" indent="0">
+              <a:buNone/>
+              <a:defRPr sz="1600" b="1"/>
+            </a:lvl4pPr>
+            <a:lvl5pPr marL="1828800" indent="0">
+              <a:buNone/>
+              <a:defRPr sz="1600" b="1"/>
+            </a:lvl5pPr>
+            <a:lvl6pPr marL="2286000" indent="0">
+              <a:buNone/>
+              <a:defRPr sz="1600" b="1"/>
+            </a:lvl6pPr>
+            <a:lvl7pPr marL="2743200" indent="0">
+              <a:buNone/>
+              <a:defRPr sz="1600" b="1"/>
+            </a:lvl7pPr>
+            <a:lvl8pPr marL="3200400" indent="0">
+              <a:buNone/>
+              <a:defRPr sz="1600" b="1"/>
+            </a:lvl8pPr>
+            <a:lvl9pPr marL="3657600" indent="0">
+              <a:buNone/>
+              <a:defRPr sz="1600" b="1"/>
+            </a:lvl9pPr>
+          </a:lstStyle>
+          <a:p>
+            <a:pPr lvl="0"/>
+            <a:r>
+              <a:rPr lang="en-US" smtClean="0"/>
+              <a:t>Click to edit Master text styles</a:t>
+            </a:r>
+          </a:p>
+        </p:txBody>
+      </p:sp>
+      <p:sp>
+        <p:nvSpPr>
+          <p:cNvPr id="8" name="Text Placeholder 3"/>
+          <p:cNvSpPr>
+            <a:spLocks noGrp="1"/>
+          </p:cNvSpPr>
+          <p:nvPr>
+            <p:ph type="body" sz="half" idx="15"/>
+          </p:nvPr>
+        </p:nvSpPr>
+        <p:spPr>
+          <a:xfrm>
+            <a:off x="685799" y="2904565"/>
+            <a:ext cx="3456432" cy="3314132"/>
+          </a:xfrm>
+        </p:spPr>
+        <p:txBody>
+          <a:bodyPr anchor="t">
+            <a:normAutofit/>
+          </a:bodyPr>
+          <a:lstStyle>
+            <a:lvl1pPr marL="0" indent="0">
+              <a:buNone/>
+              <a:defRPr sz="1400"/>
+            </a:lvl1pPr>
+            <a:lvl2pPr marL="457200" indent="0">
+              <a:buNone/>
+              <a:defRPr sz="1200"/>
+            </a:lvl2pPr>
+            <a:lvl3pPr marL="914400" indent="0">
+              <a:buNone/>
+              <a:defRPr sz="1000"/>
+            </a:lvl3pPr>
+            <a:lvl4pPr marL="1371600" indent="0">
+              <a:buNone/>
+              <a:defRPr sz="900"/>
+            </a:lvl4pPr>
+            <a:lvl5pPr marL="1828800" indent="0">
+              <a:buNone/>
+              <a:defRPr sz="900"/>
+            </a:lvl5pPr>
+            <a:lvl6pPr marL="2286000" indent="0">
+              <a:buNone/>
+              <a:defRPr sz="900"/>
+            </a:lvl6pPr>
+            <a:lvl7pPr marL="2743200" indent="0">
+              <a:buNone/>
+              <a:defRPr sz="900"/>
+            </a:lvl7pPr>
+            <a:lvl8pPr marL="3200400" indent="0">
+              <a:buNone/>
+              <a:defRPr sz="900"/>
+            </a:lvl8pPr>
+            <a:lvl9pPr marL="3657600" indent="0">
+              <a:buNone/>
+              <a:defRPr sz="900"/>
+            </a:lvl9pPr>
+          </a:lstStyle>
+          <a:p>
+            <a:pPr lvl="0"/>
+            <a:r>
+              <a:rPr lang="en-US" smtClean="0"/>
+              <a:t>Click to edit Master text styles</a:t>
+            </a:r>
+          </a:p>
+        </p:txBody>
+      </p:sp>
+      <p:sp>
+        <p:nvSpPr>
+          <p:cNvPr id="9" name="Text Placeholder 4"/>
+          <p:cNvSpPr>
+            <a:spLocks noGrp="1"/>
+          </p:cNvSpPr>
+          <p:nvPr>
+            <p:ph type="body" sz="quarter" idx="3"/>
+          </p:nvPr>
+        </p:nvSpPr>
+        <p:spPr>
+          <a:xfrm>
+            <a:off x="4368800" y="2201333"/>
+            <a:ext cx="3456432" cy="626534"/>
+          </a:xfrm>
+        </p:spPr>
+        <p:txBody>
+          <a:bodyPr anchor="b">
+            <a:noAutofit/>
+          </a:bodyPr>
+          <a:lstStyle>
+            <a:lvl1pPr marL="0" indent="0">
+              <a:buNone/>
+              <a:defRPr sz="2400" b="0">
+                <a:solidFill>
+                  <a:schemeClr val="tx1"/>
+                </a:solidFill>
+              </a:defRPr>
+            </a:lvl1pPr>
+            <a:lvl2pPr marL="457200" indent="0">
+              <a:buNone/>
+              <a:defRPr sz="2000" b="1"/>
+            </a:lvl2pPr>
+            <a:lvl3pPr marL="914400" indent="0">
+              <a:buNone/>
+              <a:defRPr sz="1800" b="1"/>
+            </a:lvl3pPr>
+            <a:lvl4pPr marL="1371600" indent="0">
+              <a:buNone/>
+              <a:defRPr sz="1600" b="1"/>
+            </a:lvl4pPr>
+            <a:lvl5pPr marL="1828800" indent="0">
+              <a:buNone/>
+              <a:defRPr sz="1600" b="1"/>
+            </a:lvl5pPr>
+            <a:lvl6pPr marL="2286000" indent="0">
+              <a:buNone/>
+              <a:defRPr sz="1600" b="1"/>
+            </a:lvl6pPr>
+            <a:lvl7pPr marL="2743200" indent="0">
+              <a:buNone/>
+              <a:defRPr sz="1600" b="1"/>
+            </a:lvl7pPr>
+            <a:lvl8pPr marL="3200400" indent="0">
+              <a:buNone/>
+              <a:defRPr sz="1600" b="1"/>
+            </a:lvl8pPr>
+            <a:lvl9pPr marL="3657600" indent="0">
+              <a:buNone/>
+              <a:defRPr sz="1600" b="1"/>
+            </a:lvl9pPr>
+          </a:lstStyle>
+          <a:p>
+            <a:pPr lvl="0"/>
+            <a:r>
+              <a:rPr lang="en-US" smtClean="0"/>
+              <a:t>Click to edit Master text styles</a:t>
+            </a:r>
+          </a:p>
+        </p:txBody>
+      </p:sp>
+      <p:sp>
+        <p:nvSpPr>
+          <p:cNvPr id="10" name="Text Placeholder 3"/>
+          <p:cNvSpPr>
+            <a:spLocks noGrp="1"/>
+          </p:cNvSpPr>
+          <p:nvPr>
+            <p:ph type="body" sz="half" idx="16"/>
+          </p:nvPr>
+        </p:nvSpPr>
+        <p:spPr>
+          <a:xfrm>
+            <a:off x="4366858" y="2904067"/>
+            <a:ext cx="3456432" cy="3314618"/>
+          </a:xfrm>
+        </p:spPr>
+        <p:txBody>
+          <a:bodyPr anchor="t">
+            <a:normAutofit/>
+          </a:bodyPr>
+          <a:lstStyle>
+            <a:lvl1pPr marL="0" indent="0">
+              <a:buNone/>
+              <a:defRPr sz="1400"/>
+            </a:lvl1pPr>
+            <a:lvl2pPr marL="457200" indent="0">
+              <a:buNone/>
+              <a:defRPr sz="1200"/>
+            </a:lvl2pPr>
+            <a:lvl3pPr marL="914400" indent="0">
+              <a:buNone/>
+              <a:defRPr sz="1000"/>
+            </a:lvl3pPr>
+            <a:lvl4pPr marL="1371600" indent="0">
+              <a:buNone/>
+              <a:defRPr sz="900"/>
+            </a:lvl4pPr>
+            <a:lvl5pPr marL="1828800" indent="0">
+              <a:buNone/>
+              <a:defRPr sz="900"/>
+            </a:lvl5pPr>
+            <a:lvl6pPr marL="2286000" indent="0">
+              <a:buNone/>
+              <a:defRPr sz="900"/>
+            </a:lvl6pPr>
+            <a:lvl7pPr marL="2743200" indent="0">
+              <a:buNone/>
+              <a:defRPr sz="900"/>
+            </a:lvl7pPr>
+            <a:lvl8pPr marL="3200400" indent="0">
+              <a:buNone/>
+              <a:defRPr sz="900"/>
+            </a:lvl8pPr>
+            <a:lvl9pPr marL="3657600" indent="0">
+              <a:buNone/>
+              <a:defRPr sz="900"/>
+            </a:lvl9pPr>
+          </a:lstStyle>
+          <a:p>
+            <a:pPr lvl="0"/>
+            <a:r>
+              <a:rPr lang="en-US" smtClean="0"/>
+              <a:t>Click to edit Master text styles</a:t>
+            </a:r>
+          </a:p>
+        </p:txBody>
+      </p:sp>
+      <p:sp>
+        <p:nvSpPr>
+          <p:cNvPr id="11" name="Text Placeholder 4"/>
+          <p:cNvSpPr>
+            <a:spLocks noGrp="1"/>
+          </p:cNvSpPr>
+          <p:nvPr>
+            <p:ph type="body" sz="quarter" idx="13"/>
+          </p:nvPr>
+        </p:nvSpPr>
+        <p:spPr>
+          <a:xfrm>
+            <a:off x="8051800" y="2192866"/>
+            <a:ext cx="3456432" cy="626534"/>
+          </a:xfrm>
+        </p:spPr>
+        <p:txBody>
+          <a:bodyPr anchor="b">
+            <a:noAutofit/>
+          </a:bodyPr>
+          <a:lstStyle>
+            <a:lvl1pPr marL="0" indent="0">
+              <a:buNone/>
+              <a:defRPr sz="2400" b="0">
+                <a:solidFill>
+                  <a:schemeClr val="tx1"/>
+                </a:solidFill>
+              </a:defRPr>
+            </a:lvl1pPr>
+            <a:lvl2pPr marL="457200" indent="0">
+              <a:buNone/>
+              <a:defRPr sz="2000" b="1"/>
+            </a:lvl2pPr>
+            <a:lvl3pPr marL="914400" indent="0">
+              <a:buNone/>
+              <a:defRPr sz="1800" b="1"/>
+            </a:lvl3pPr>
+            <a:lvl4pPr marL="1371600" indent="0">
+              <a:buNone/>
+              <a:defRPr sz="1600" b="1"/>
+            </a:lvl4pPr>
+            <a:lvl5pPr marL="1828800" indent="0">
+              <a:buNone/>
+              <a:defRPr sz="1600" b="1"/>
+            </a:lvl5pPr>
+            <a:lvl6pPr marL="2286000" indent="0">
+              <a:buNone/>
+              <a:defRPr sz="1600" b="1"/>
+            </a:lvl6pPr>
+            <a:lvl7pPr marL="2743200" indent="0">
+              <a:buNone/>
+              <a:defRPr sz="1600" b="1"/>
+            </a:lvl7pPr>
+            <a:lvl8pPr marL="3200400" indent="0">
+              <a:buNone/>
+              <a:defRPr sz="1600" b="1"/>
+            </a:lvl8pPr>
+            <a:lvl9pPr marL="3657600" indent="0">
+              <a:buNone/>
+              <a:defRPr sz="1600" b="1"/>
+            </a:lvl9pPr>
+          </a:lstStyle>
+          <a:p>
+            <a:pPr lvl="0"/>
+            <a:r>
+              <a:rPr lang="en-US" smtClean="0"/>
+              <a:t>Click to edit Master text styles</a:t>
+            </a:r>
+          </a:p>
+        </p:txBody>
+      </p:sp>
+      <p:sp>
+        <p:nvSpPr>
+          <p:cNvPr id="12" name="Text Placeholder 3"/>
+          <p:cNvSpPr>
+            <a:spLocks noGrp="1"/>
+          </p:cNvSpPr>
+          <p:nvPr>
+            <p:ph type="body" sz="half" idx="17"/>
+          </p:nvPr>
+        </p:nvSpPr>
+        <p:spPr>
+          <a:xfrm>
+            <a:off x="8051801" y="2904565"/>
+            <a:ext cx="3456432" cy="3314132"/>
+          </a:xfrm>
+        </p:spPr>
+        <p:txBody>
+          <a:bodyPr anchor="t">
+            <a:normAutofit/>
+          </a:bodyPr>
+          <a:lstStyle>
+            <a:lvl1pPr marL="0" indent="0">
+              <a:buNone/>
+              <a:defRPr sz="1400"/>
+            </a:lvl1pPr>
+            <a:lvl2pPr marL="457200" indent="0">
+              <a:buNone/>
+              <a:defRPr sz="1200"/>
+            </a:lvl2pPr>
+            <a:lvl3pPr marL="914400" indent="0">
+              <a:buNone/>
+              <a:defRPr sz="1000"/>
+            </a:lvl3pPr>
+            <a:lvl4pPr marL="1371600" indent="0">
+              <a:buNone/>
+              <a:defRPr sz="900"/>
+            </a:lvl4pPr>
+            <a:lvl5pPr marL="1828800" indent="0">
+              <a:buNone/>
+              <a:defRPr sz="900"/>
+            </a:lvl5pPr>
+            <a:lvl6pPr marL="2286000" indent="0">
+              <a:buNone/>
+              <a:defRPr sz="900"/>
+            </a:lvl6pPr>
+            <a:lvl7pPr marL="2743200" indent="0">
+              <a:buNone/>
+              <a:defRPr sz="900"/>
+            </a:lvl7pPr>
+            <a:lvl8pPr marL="3200400" indent="0">
+              <a:buNone/>
+              <a:defRPr sz="900"/>
+            </a:lvl8pPr>
+            <a:lvl9pPr marL="3657600" indent="0">
+              <a:buNone/>
+              <a:defRPr sz="900"/>
+            </a:lvl9pPr>
+          </a:lstStyle>
+          <a:p>
+            <a:pPr lvl="0"/>
+            <a:r>
+              <a:rPr lang="en-US" smtClean="0"/>
+              <a:t>Click to edit Master text styles</a:t>
+            </a:r>
+          </a:p>
+        </p:txBody>
+      </p:sp>
+      <p:sp>
+        <p:nvSpPr>
+          <p:cNvPr id="3" name="Date Placeholder 2"/>
+          <p:cNvSpPr>
+            <a:spLocks noGrp="1"/>
+          </p:cNvSpPr>
+          <p:nvPr>
+            <p:ph type="dt" sz="half" idx="10"/>
+          </p:nvPr>
+        </p:nvSpPr>
+        <p:spPr/>
+        <p:txBody>
+          <a:bodyPr/>
+          <a:lstStyle/>
+          <a:p>
+            <a:fld id="{413C8F98-269A-4573-BFF3-378B2D1E4BE6}" type="datetimeFigureOut">
+              <a:rPr lang="en-US" smtClean="0"/>
+              <a:t>6/16/2019</a:t>
+            </a:fld>
+            <a:endParaRPr lang="en-US"/>
+          </a:p>
+        </p:txBody>
+      </p:sp>
+      <p:sp>
+        <p:nvSpPr>
+          <p:cNvPr id="4" name="Footer Placeholder 3"/>
+          <p:cNvSpPr>
+            <a:spLocks noGrp="1"/>
+          </p:cNvSpPr>
+          <p:nvPr>
+            <p:ph type="ftr" sz="quarter" idx="11"/>
+          </p:nvPr>
+        </p:nvSpPr>
+        <p:spPr/>
+        <p:txBody>
+          <a:bodyPr/>
+          <a:lstStyle/>
+          <a:p>
+            <a:endParaRPr lang="en-US"/>
+          </a:p>
+        </p:txBody>
+      </p:sp>
+      <p:sp>
+        <p:nvSpPr>
+          <p:cNvPr id="5" name="Slide Number Placeholder 4"/>
+          <p:cNvSpPr>
+            <a:spLocks noGrp="1"/>
+          </p:cNvSpPr>
+          <p:nvPr>
+            <p:ph type="sldNum" sz="quarter" idx="12"/>
+          </p:nvPr>
+        </p:nvSpPr>
+        <p:spPr/>
+        <p:txBody>
+          <a:bodyPr/>
+          <a:lstStyle/>
+          <a:p>
+            <a:fld id="{EE4FA958-7010-449A-9279-6F96C6AA8810}" type="slidenum">
+              <a:rPr lang="en-US" smtClean="0"/>
+              <a:t>‹#›</a:t>
+            </a:fld>
+            <a:endParaRPr lang="en-US"/>
+          </a:p>
+        </p:txBody>
+      </p:sp>
+    </p:spTree>
+    <p:extLst>
+      <p:ext uri="{BB962C8B-B14F-4D97-AF65-F5344CB8AC3E}">
+        <p14:creationId xmlns:p14="http://schemas.microsoft.com/office/powerpoint/2010/main" val="1287278226"/>
+      </p:ext>
+    </p:extLst>
+  </p:cSld>
+  <p:clrMapOvr>
+    <a:masterClrMapping/>
+  </p:clrMapOvr>
+</p:sldLayout>
+</file>
+
+<file path=ppt/slideLayouts/slideLayout15.xml><?xml version="1.0" encoding="utf-8"?>
+<p:sldLayout xmlns:a="http://schemas.openxmlformats.org/drawingml/2006/main" xmlns:r="http://schemas.openxmlformats.org/officeDocument/2006/relationships" xmlns:p="http://schemas.openxmlformats.org/presentationml/2006/main" preserve="1">
+  <p:cSld name="3 Picture Column">
+    <p:spTree>
+      <p:nvGrpSpPr>
+        <p:cNvPr id="1" name=""/>
+        <p:cNvGrpSpPr/>
+        <p:nvPr/>
+      </p:nvGrpSpPr>
+      <p:grpSpPr>
+        <a:xfrm>
+          <a:off x="0" y="0"/>
+          <a:ext cx="0" cy="0"/>
+          <a:chOff x="0" y="0"/>
+          <a:chExt cx="0" cy="0"/>
+        </a:xfrm>
+      </p:grpSpPr>
+      <p:sp>
+        <p:nvSpPr>
+          <p:cNvPr id="30" name="Title 1"/>
+          <p:cNvSpPr>
+            <a:spLocks noGrp="1"/>
+          </p:cNvSpPr>
+          <p:nvPr>
+            <p:ph type="title"/>
+          </p:nvPr>
+        </p:nvSpPr>
+        <p:spPr>
+          <a:xfrm>
+            <a:off x="2895600" y="762000"/>
+            <a:ext cx="8610599" cy="1295400"/>
+          </a:xfrm>
+        </p:spPr>
+        <p:txBody>
+          <a:bodyPr/>
+          <a:lstStyle/>
+          <a:p>
+            <a:r>
+              <a:rPr lang="en-US" smtClean="0"/>
+              <a:t>Click to edit Master title style</a:t>
+            </a:r>
+            <a:endParaRPr lang="en-US" dirty="0"/>
+          </a:p>
+        </p:txBody>
+      </p:sp>
+      <p:sp>
+        <p:nvSpPr>
+          <p:cNvPr id="19" name="Text Placeholder 2"/>
+          <p:cNvSpPr>
+            <a:spLocks noGrp="1"/>
+          </p:cNvSpPr>
+          <p:nvPr>
+            <p:ph type="body" idx="1"/>
+          </p:nvPr>
+        </p:nvSpPr>
+        <p:spPr>
+          <a:xfrm>
+            <a:off x="688618" y="4191000"/>
+            <a:ext cx="3451582" cy="682765"/>
+          </a:xfrm>
+        </p:spPr>
+        <p:txBody>
+          <a:bodyPr anchor="b">
+            <a:noAutofit/>
+          </a:bodyPr>
+          <a:lstStyle>
+            <a:lvl1pPr marL="0" indent="0">
+              <a:buNone/>
+              <a:defRPr sz="2400" b="0">
+                <a:solidFill>
+                  <a:schemeClr val="tx1"/>
+                </a:solidFill>
+              </a:defRPr>
+            </a:lvl1pPr>
+            <a:lvl2pPr marL="457200" indent="0">
+              <a:buNone/>
+              <a:defRPr sz="2000" b="1"/>
+            </a:lvl2pPr>
+            <a:lvl3pPr marL="914400" indent="0">
+              <a:buNone/>
+              <a:defRPr sz="1800" b="1"/>
+            </a:lvl3pPr>
+            <a:lvl4pPr marL="1371600" indent="0">
+              <a:buNone/>
+              <a:defRPr sz="1600" b="1"/>
+            </a:lvl4pPr>
+            <a:lvl5pPr marL="1828800" indent="0">
+              <a:buNone/>
+              <a:defRPr sz="1600" b="1"/>
+            </a:lvl5pPr>
+            <a:lvl6pPr marL="2286000" indent="0">
+              <a:buNone/>
+              <a:defRPr sz="1600" b="1"/>
+            </a:lvl6pPr>
+            <a:lvl7pPr marL="2743200" indent="0">
+              <a:buNone/>
+              <a:defRPr sz="1600" b="1"/>
+            </a:lvl7pPr>
+            <a:lvl8pPr marL="3200400" indent="0">
+              <a:buNone/>
+              <a:defRPr sz="1600" b="1"/>
+            </a:lvl8pPr>
+            <a:lvl9pPr marL="3657600" indent="0">
+              <a:buNone/>
+              <a:defRPr sz="1600" b="1"/>
+            </a:lvl9pPr>
+          </a:lstStyle>
+          <a:p>
+            <a:pPr lvl="0"/>
+            <a:r>
+              <a:rPr lang="en-US" smtClean="0"/>
+              <a:t>Click to edit Master text styles</a:t>
+            </a:r>
+          </a:p>
+        </p:txBody>
+      </p:sp>
+      <p:sp>
+        <p:nvSpPr>
+          <p:cNvPr id="20" name="Picture Placeholder 2"/>
+          <p:cNvSpPr>
+            <a:spLocks noGrp="1" noChangeAspect="1"/>
+          </p:cNvSpPr>
+          <p:nvPr>
+            <p:ph type="pic" idx="15"/>
+          </p:nvPr>
+        </p:nvSpPr>
+        <p:spPr>
+          <a:xfrm>
+            <a:off x="688618" y="2362200"/>
+            <a:ext cx="3451582" cy="1524000"/>
+          </a:xfrm>
+          <a:prstGeom prst="roundRect">
+            <a:avLst>
+              <a:gd name="adj" fmla="val 0"/>
+            </a:avLst>
+          </a:prstGeom>
+          <a:effectLst>
+            <a:outerShdw blurRad="50800" dist="50800" dir="5400000" algn="tl" rotWithShape="0">
+              <a:srgbClr val="000000">
+                <a:alpha val="43000"/>
+              </a:srgbClr>
+            </a:outerShdw>
+          </a:effectLst>
+        </p:spPr>
+        <p:txBody>
+          <a:bodyPr anchor="t">
+            <a:normAutofit/>
+          </a:bodyPr>
+          <a:lstStyle>
+            <a:lvl1pPr marL="0" indent="0" algn="ctr">
+              <a:buNone/>
+              <a:defRPr sz="1600"/>
+            </a:lvl1pPr>
+            <a:lvl2pPr marL="457200" indent="0">
+              <a:buNone/>
+              <a:defRPr sz="1600"/>
+            </a:lvl2pPr>
+            <a:lvl3pPr marL="914400" indent="0">
+              <a:buNone/>
+              <a:defRPr sz="1600"/>
+            </a:lvl3pPr>
+            <a:lvl4pPr marL="1371600" indent="0">
+              <a:buNone/>
+              <a:defRPr sz="1600"/>
+            </a:lvl4pPr>
+            <a:lvl5pPr marL="1828800" indent="0">
+              <a:buNone/>
+              <a:defRPr sz="1600"/>
+            </a:lvl5pPr>
+            <a:lvl6pPr marL="2286000" indent="0">
+              <a:buNone/>
+              <a:defRPr sz="1600"/>
+            </a:lvl6pPr>
+            <a:lvl7pPr marL="2743200" indent="0">
+              <a:buNone/>
+              <a:defRPr sz="1600"/>
+            </a:lvl7pPr>
+            <a:lvl8pPr marL="3200400" indent="0">
+              <a:buNone/>
+              <a:defRPr sz="1600"/>
+            </a:lvl8pPr>
+            <a:lvl9pPr marL="3657600" indent="0">
+              <a:buNone/>
+              <a:defRPr sz="1600"/>
+            </a:lvl9pPr>
+          </a:lstStyle>
+          <a:p>
+            <a:r>
+              <a:rPr lang="en-US" smtClean="0"/>
+              <a:t>Click icon to add picture</a:t>
+            </a:r>
+            <a:endParaRPr lang="en-US" dirty="0"/>
+          </a:p>
+        </p:txBody>
+      </p:sp>
+      <p:sp>
+        <p:nvSpPr>
+          <p:cNvPr id="21" name="Text Placeholder 3"/>
+          <p:cNvSpPr>
+            <a:spLocks noGrp="1"/>
+          </p:cNvSpPr>
+          <p:nvPr>
+            <p:ph type="body" sz="half" idx="18"/>
+          </p:nvPr>
+        </p:nvSpPr>
+        <p:spPr>
+          <a:xfrm>
+            <a:off x="688618" y="4873764"/>
+            <a:ext cx="3451582" cy="1344921"/>
+          </a:xfrm>
+        </p:spPr>
+        <p:txBody>
+          <a:bodyPr anchor="t">
+            <a:normAutofit/>
+          </a:bodyPr>
+          <a:lstStyle>
+            <a:lvl1pPr marL="0" indent="0">
+              <a:buNone/>
+              <a:defRPr sz="1400"/>
+            </a:lvl1pPr>
+            <a:lvl2pPr marL="457200" indent="0">
+              <a:buNone/>
+              <a:defRPr sz="1200"/>
+            </a:lvl2pPr>
+            <a:lvl3pPr marL="914400" indent="0">
+              <a:buNone/>
+              <a:defRPr sz="1000"/>
+            </a:lvl3pPr>
+            <a:lvl4pPr marL="1371600" indent="0">
+              <a:buNone/>
+              <a:defRPr sz="900"/>
+            </a:lvl4pPr>
+            <a:lvl5pPr marL="1828800" indent="0">
+              <a:buNone/>
+              <a:defRPr sz="900"/>
+            </a:lvl5pPr>
+            <a:lvl6pPr marL="2286000" indent="0">
+              <a:buNone/>
+              <a:defRPr sz="900"/>
+            </a:lvl6pPr>
+            <a:lvl7pPr marL="2743200" indent="0">
+              <a:buNone/>
+              <a:defRPr sz="900"/>
+            </a:lvl7pPr>
+            <a:lvl8pPr marL="3200400" indent="0">
+              <a:buNone/>
+              <a:defRPr sz="900"/>
+            </a:lvl8pPr>
+            <a:lvl9pPr marL="3657600" indent="0">
+              <a:buNone/>
+              <a:defRPr sz="900"/>
+            </a:lvl9pPr>
+          </a:lstStyle>
+          <a:p>
+            <a:pPr lvl="0"/>
+            <a:r>
+              <a:rPr lang="en-US" smtClean="0"/>
+              <a:t>Click to edit Master text styles</a:t>
+            </a:r>
+          </a:p>
+        </p:txBody>
+      </p:sp>
+      <p:sp>
+        <p:nvSpPr>
+          <p:cNvPr id="22" name="Text Placeholder 4"/>
+          <p:cNvSpPr>
+            <a:spLocks noGrp="1"/>
+          </p:cNvSpPr>
+          <p:nvPr>
+            <p:ph type="body" sz="quarter" idx="3"/>
+          </p:nvPr>
+        </p:nvSpPr>
+        <p:spPr>
+          <a:xfrm>
+            <a:off x="4374263" y="4191000"/>
+            <a:ext cx="3448935" cy="682765"/>
+          </a:xfrm>
+        </p:spPr>
+        <p:txBody>
+          <a:bodyPr anchor="b">
+            <a:noAutofit/>
+          </a:bodyPr>
+          <a:lstStyle>
+            <a:lvl1pPr marL="0" indent="0">
+              <a:buNone/>
+              <a:defRPr sz="2400" b="0">
+                <a:solidFill>
+                  <a:schemeClr val="tx1"/>
+                </a:solidFill>
+              </a:defRPr>
+            </a:lvl1pPr>
+            <a:lvl2pPr marL="457200" indent="0">
+              <a:buNone/>
+              <a:defRPr sz="2000" b="1"/>
+            </a:lvl2pPr>
+            <a:lvl3pPr marL="914400" indent="0">
+              <a:buNone/>
+              <a:defRPr sz="1800" b="1"/>
+            </a:lvl3pPr>
+            <a:lvl4pPr marL="1371600" indent="0">
+              <a:buNone/>
+              <a:defRPr sz="1600" b="1"/>
+            </a:lvl4pPr>
+            <a:lvl5pPr marL="1828800" indent="0">
+              <a:buNone/>
+              <a:defRPr sz="1600" b="1"/>
+            </a:lvl5pPr>
+            <a:lvl6pPr marL="2286000" indent="0">
+              <a:buNone/>
+              <a:defRPr sz="1600" b="1"/>
+            </a:lvl6pPr>
+            <a:lvl7pPr marL="2743200" indent="0">
+              <a:buNone/>
+              <a:defRPr sz="1600" b="1"/>
+            </a:lvl7pPr>
+            <a:lvl8pPr marL="3200400" indent="0">
+              <a:buNone/>
+              <a:defRPr sz="1600" b="1"/>
+            </a:lvl8pPr>
+            <a:lvl9pPr marL="3657600" indent="0">
+              <a:buNone/>
+              <a:defRPr sz="1600" b="1"/>
+            </a:lvl9pPr>
+          </a:lstStyle>
+          <a:p>
+            <a:pPr lvl="0"/>
+            <a:r>
+              <a:rPr lang="en-US" smtClean="0"/>
+              <a:t>Click to edit Master text styles</a:t>
+            </a:r>
+          </a:p>
+        </p:txBody>
+      </p:sp>
+      <p:sp>
+        <p:nvSpPr>
+          <p:cNvPr id="23" name="Picture Placeholder 2"/>
+          <p:cNvSpPr>
+            <a:spLocks noGrp="1" noChangeAspect="1"/>
+          </p:cNvSpPr>
+          <p:nvPr>
+            <p:ph type="pic" idx="21"/>
+          </p:nvPr>
+        </p:nvSpPr>
+        <p:spPr>
+          <a:xfrm>
+            <a:off x="4374263" y="2362200"/>
+            <a:ext cx="3448936" cy="1524000"/>
+          </a:xfrm>
+          <a:prstGeom prst="roundRect">
+            <a:avLst>
+              <a:gd name="adj" fmla="val 0"/>
+            </a:avLst>
+          </a:prstGeom>
+          <a:effectLst>
+            <a:outerShdw blurRad="50800" dist="50800" dir="5400000" algn="tl" rotWithShape="0">
+              <a:srgbClr val="000000">
+                <a:alpha val="43000"/>
+              </a:srgbClr>
+            </a:outerShdw>
+          </a:effectLst>
+        </p:spPr>
+        <p:txBody>
+          <a:bodyPr anchor="t">
+            <a:normAutofit/>
+          </a:bodyPr>
+          <a:lstStyle>
+            <a:lvl1pPr marL="0" indent="0" algn="ctr">
+              <a:buNone/>
+              <a:defRPr sz="1600"/>
+            </a:lvl1pPr>
+            <a:lvl2pPr marL="457200" indent="0">
+              <a:buNone/>
+              <a:defRPr sz="1600"/>
+            </a:lvl2pPr>
+            <a:lvl3pPr marL="914400" indent="0">
+              <a:buNone/>
+              <a:defRPr sz="1600"/>
+            </a:lvl3pPr>
+            <a:lvl4pPr marL="1371600" indent="0">
+              <a:buNone/>
+              <a:defRPr sz="1600"/>
+            </a:lvl4pPr>
+            <a:lvl5pPr marL="1828800" indent="0">
+              <a:buNone/>
+              <a:defRPr sz="1600"/>
+            </a:lvl5pPr>
+            <a:lvl6pPr marL="2286000" indent="0">
+              <a:buNone/>
+              <a:defRPr sz="1600"/>
+            </a:lvl6pPr>
+            <a:lvl7pPr marL="2743200" indent="0">
+              <a:buNone/>
+              <a:defRPr sz="1600"/>
+            </a:lvl7pPr>
+            <a:lvl8pPr marL="3200400" indent="0">
+              <a:buNone/>
+              <a:defRPr sz="1600"/>
+            </a:lvl8pPr>
+            <a:lvl9pPr marL="3657600" indent="0">
+              <a:buNone/>
+              <a:defRPr sz="1600"/>
+            </a:lvl9pPr>
+          </a:lstStyle>
+          <a:p>
+            <a:r>
+              <a:rPr lang="en-US" smtClean="0"/>
+              <a:t>Click icon to add picture</a:t>
+            </a:r>
+            <a:endParaRPr lang="en-US" dirty="0"/>
+          </a:p>
+        </p:txBody>
+      </p:sp>
+      <p:sp>
+        <p:nvSpPr>
+          <p:cNvPr id="24" name="Text Placeholder 3"/>
+          <p:cNvSpPr>
+            <a:spLocks noGrp="1"/>
+          </p:cNvSpPr>
+          <p:nvPr>
+            <p:ph type="body" sz="half" idx="19"/>
+          </p:nvPr>
+        </p:nvSpPr>
+        <p:spPr>
+          <a:xfrm>
+            <a:off x="4374264" y="4873763"/>
+            <a:ext cx="3448935" cy="1344921"/>
+          </a:xfrm>
+        </p:spPr>
+        <p:txBody>
+          <a:bodyPr anchor="t">
+            <a:normAutofit/>
+          </a:bodyPr>
+          <a:lstStyle>
+            <a:lvl1pPr marL="0" indent="0">
+              <a:buNone/>
+              <a:defRPr sz="1400"/>
+            </a:lvl1pPr>
+            <a:lvl2pPr marL="457200" indent="0">
+              <a:buNone/>
+              <a:defRPr sz="1200"/>
+            </a:lvl2pPr>
+            <a:lvl3pPr marL="914400" indent="0">
+              <a:buNone/>
+              <a:defRPr sz="1000"/>
+            </a:lvl3pPr>
+            <a:lvl4pPr marL="1371600" indent="0">
+              <a:buNone/>
+              <a:defRPr sz="900"/>
+            </a:lvl4pPr>
+            <a:lvl5pPr marL="1828800" indent="0">
+              <a:buNone/>
+              <a:defRPr sz="900"/>
+            </a:lvl5pPr>
+            <a:lvl6pPr marL="2286000" indent="0">
+              <a:buNone/>
+              <a:defRPr sz="900"/>
+            </a:lvl6pPr>
+            <a:lvl7pPr marL="2743200" indent="0">
+              <a:buNone/>
+              <a:defRPr sz="900"/>
+            </a:lvl7pPr>
+            <a:lvl8pPr marL="3200400" indent="0">
+              <a:buNone/>
+              <a:defRPr sz="900"/>
+            </a:lvl8pPr>
+            <a:lvl9pPr marL="3657600" indent="0">
+              <a:buNone/>
+              <a:defRPr sz="900"/>
+            </a:lvl9pPr>
+          </a:lstStyle>
+          <a:p>
+            <a:pPr lvl="0"/>
+            <a:r>
+              <a:rPr lang="en-US" smtClean="0"/>
+              <a:t>Click to edit Master text styles</a:t>
+            </a:r>
+          </a:p>
+        </p:txBody>
+      </p:sp>
+      <p:sp>
+        <p:nvSpPr>
+          <p:cNvPr id="25" name="Text Placeholder 4"/>
+          <p:cNvSpPr>
+            <a:spLocks noGrp="1"/>
+          </p:cNvSpPr>
+          <p:nvPr>
+            <p:ph type="body" sz="quarter" idx="13"/>
+          </p:nvPr>
+        </p:nvSpPr>
+        <p:spPr>
+          <a:xfrm>
+            <a:off x="8049731" y="4191000"/>
+            <a:ext cx="3456469" cy="682765"/>
+          </a:xfrm>
+        </p:spPr>
+        <p:txBody>
+          <a:bodyPr anchor="b">
+            <a:noAutofit/>
+          </a:bodyPr>
+          <a:lstStyle>
+            <a:lvl1pPr marL="0" indent="0">
+              <a:buNone/>
+              <a:defRPr sz="2400" b="0">
+                <a:solidFill>
+                  <a:schemeClr val="tx1"/>
+                </a:solidFill>
+              </a:defRPr>
+            </a:lvl1pPr>
+            <a:lvl2pPr marL="457200" indent="0">
+              <a:buNone/>
+              <a:defRPr sz="2000" b="1"/>
+            </a:lvl2pPr>
+            <a:lvl3pPr marL="914400" indent="0">
+              <a:buNone/>
+              <a:defRPr sz="1800" b="1"/>
+            </a:lvl3pPr>
+            <a:lvl4pPr marL="1371600" indent="0">
+              <a:buNone/>
+              <a:defRPr sz="1600" b="1"/>
+            </a:lvl4pPr>
+            <a:lvl5pPr marL="1828800" indent="0">
+              <a:buNone/>
+              <a:defRPr sz="1600" b="1"/>
+            </a:lvl5pPr>
+            <a:lvl6pPr marL="2286000" indent="0">
+              <a:buNone/>
+              <a:defRPr sz="1600" b="1"/>
+            </a:lvl6pPr>
+            <a:lvl7pPr marL="2743200" indent="0">
+              <a:buNone/>
+              <a:defRPr sz="1600" b="1"/>
+            </a:lvl7pPr>
+            <a:lvl8pPr marL="3200400" indent="0">
+              <a:buNone/>
+              <a:defRPr sz="1600" b="1"/>
+            </a:lvl8pPr>
+            <a:lvl9pPr marL="3657600" indent="0">
+              <a:buNone/>
+              <a:defRPr sz="1600" b="1"/>
+            </a:lvl9pPr>
+          </a:lstStyle>
+          <a:p>
+            <a:pPr lvl="0"/>
+            <a:r>
+              <a:rPr lang="en-US" smtClean="0"/>
+              <a:t>Click to edit Master text styles</a:t>
+            </a:r>
+          </a:p>
+        </p:txBody>
+      </p:sp>
+      <p:sp>
+        <p:nvSpPr>
+          <p:cNvPr id="26" name="Picture Placeholder 2"/>
+          <p:cNvSpPr>
+            <a:spLocks noGrp="1" noChangeAspect="1"/>
+          </p:cNvSpPr>
+          <p:nvPr>
+            <p:ph type="pic" idx="22"/>
+          </p:nvPr>
+        </p:nvSpPr>
+        <p:spPr>
+          <a:xfrm>
+            <a:off x="8049855" y="2362200"/>
+            <a:ext cx="3447878" cy="1524000"/>
+          </a:xfrm>
+          <a:prstGeom prst="roundRect">
+            <a:avLst>
+              <a:gd name="adj" fmla="val 0"/>
+            </a:avLst>
+          </a:prstGeom>
+          <a:effectLst>
+            <a:outerShdw blurRad="50800" dist="50800" dir="5400000" algn="tl" rotWithShape="0">
+              <a:srgbClr val="000000">
+                <a:alpha val="43000"/>
+              </a:srgbClr>
+            </a:outerShdw>
+          </a:effectLst>
+        </p:spPr>
+        <p:txBody>
+          <a:bodyPr anchor="t">
+            <a:normAutofit/>
+          </a:bodyPr>
+          <a:lstStyle>
+            <a:lvl1pPr marL="0" indent="0" algn="ctr">
+              <a:buNone/>
+              <a:defRPr sz="1600"/>
+            </a:lvl1pPr>
+            <a:lvl2pPr marL="457200" indent="0">
+              <a:buNone/>
+              <a:defRPr sz="1600"/>
+            </a:lvl2pPr>
+            <a:lvl3pPr marL="914400" indent="0">
+              <a:buNone/>
+              <a:defRPr sz="1600"/>
+            </a:lvl3pPr>
+            <a:lvl4pPr marL="1371600" indent="0">
+              <a:buNone/>
+              <a:defRPr sz="1600"/>
+            </a:lvl4pPr>
+            <a:lvl5pPr marL="1828800" indent="0">
+              <a:buNone/>
+              <a:defRPr sz="1600"/>
+            </a:lvl5pPr>
+            <a:lvl6pPr marL="2286000" indent="0">
+              <a:buNone/>
+              <a:defRPr sz="1600"/>
+            </a:lvl6pPr>
+            <a:lvl7pPr marL="2743200" indent="0">
+              <a:buNone/>
+              <a:defRPr sz="1600"/>
+            </a:lvl7pPr>
+            <a:lvl8pPr marL="3200400" indent="0">
+              <a:buNone/>
+              <a:defRPr sz="1600"/>
+            </a:lvl8pPr>
+            <a:lvl9pPr marL="3657600" indent="0">
+              <a:buNone/>
+              <a:defRPr sz="1600"/>
+            </a:lvl9pPr>
+          </a:lstStyle>
+          <a:p>
+            <a:r>
+              <a:rPr lang="en-US" smtClean="0"/>
+              <a:t>Click icon to add picture</a:t>
+            </a:r>
+            <a:endParaRPr lang="en-US" dirty="0"/>
+          </a:p>
+        </p:txBody>
+      </p:sp>
+      <p:sp>
+        <p:nvSpPr>
+          <p:cNvPr id="27" name="Text Placeholder 3"/>
+          <p:cNvSpPr>
+            <a:spLocks noGrp="1"/>
+          </p:cNvSpPr>
+          <p:nvPr>
+            <p:ph type="body" sz="half" idx="20"/>
+          </p:nvPr>
+        </p:nvSpPr>
+        <p:spPr>
+          <a:xfrm>
+            <a:off x="8049731" y="4873761"/>
+            <a:ext cx="3452445" cy="1344921"/>
+          </a:xfrm>
+        </p:spPr>
+        <p:txBody>
+          <a:bodyPr anchor="t">
+            <a:normAutofit/>
+          </a:bodyPr>
+          <a:lstStyle>
+            <a:lvl1pPr marL="0" indent="0">
+              <a:buNone/>
+              <a:defRPr sz="1400"/>
+            </a:lvl1pPr>
+            <a:lvl2pPr marL="457200" indent="0">
+              <a:buNone/>
+              <a:defRPr sz="1200"/>
+            </a:lvl2pPr>
+            <a:lvl3pPr marL="914400" indent="0">
+              <a:buNone/>
+              <a:defRPr sz="1000"/>
+            </a:lvl3pPr>
+            <a:lvl4pPr marL="1371600" indent="0">
+              <a:buNone/>
+              <a:defRPr sz="900"/>
+            </a:lvl4pPr>
+            <a:lvl5pPr marL="1828800" indent="0">
+              <a:buNone/>
+              <a:defRPr sz="900"/>
+            </a:lvl5pPr>
+            <a:lvl6pPr marL="2286000" indent="0">
+              <a:buNone/>
+              <a:defRPr sz="900"/>
+            </a:lvl6pPr>
+            <a:lvl7pPr marL="2743200" indent="0">
+              <a:buNone/>
+              <a:defRPr sz="900"/>
+            </a:lvl7pPr>
+            <a:lvl8pPr marL="3200400" indent="0">
+              <a:buNone/>
+              <a:defRPr sz="900"/>
+            </a:lvl8pPr>
+            <a:lvl9pPr marL="3657600" indent="0">
+              <a:buNone/>
+              <a:defRPr sz="900"/>
+            </a:lvl9pPr>
+          </a:lstStyle>
+          <a:p>
+            <a:pPr lvl="0"/>
+            <a:r>
+              <a:rPr lang="en-US" smtClean="0"/>
+              <a:t>Click to edit Master text styles</a:t>
+            </a:r>
+          </a:p>
+        </p:txBody>
+      </p:sp>
+      <p:sp>
+        <p:nvSpPr>
+          <p:cNvPr id="3" name="Date Placeholder 2"/>
+          <p:cNvSpPr>
+            <a:spLocks noGrp="1"/>
+          </p:cNvSpPr>
+          <p:nvPr>
+            <p:ph type="dt" sz="half" idx="10"/>
+          </p:nvPr>
+        </p:nvSpPr>
+        <p:spPr/>
+        <p:txBody>
+          <a:bodyPr/>
+          <a:lstStyle/>
+          <a:p>
+            <a:fld id="{413C8F98-269A-4573-BFF3-378B2D1E4BE6}" type="datetimeFigureOut">
+              <a:rPr lang="en-US" smtClean="0"/>
+              <a:t>6/16/2019</a:t>
+            </a:fld>
+            <a:endParaRPr lang="en-US"/>
+          </a:p>
+        </p:txBody>
+      </p:sp>
+      <p:sp>
+        <p:nvSpPr>
+          <p:cNvPr id="4" name="Footer Placeholder 3"/>
+          <p:cNvSpPr>
+            <a:spLocks noGrp="1"/>
+          </p:cNvSpPr>
+          <p:nvPr>
+            <p:ph type="ftr" sz="quarter" idx="11"/>
+          </p:nvPr>
+        </p:nvSpPr>
+        <p:spPr/>
+        <p:txBody>
+          <a:bodyPr/>
+          <a:lstStyle/>
+          <a:p>
+            <a:endParaRPr lang="en-US"/>
+          </a:p>
+        </p:txBody>
+      </p:sp>
+      <p:sp>
+        <p:nvSpPr>
+          <p:cNvPr id="5" name="Slide Number Placeholder 4"/>
+          <p:cNvSpPr>
+            <a:spLocks noGrp="1"/>
+          </p:cNvSpPr>
+          <p:nvPr>
+            <p:ph type="sldNum" sz="quarter" idx="12"/>
+          </p:nvPr>
+        </p:nvSpPr>
+        <p:spPr/>
+        <p:txBody>
+          <a:bodyPr/>
+          <a:lstStyle/>
+          <a:p>
+            <a:fld id="{EE4FA958-7010-449A-9279-6F96C6AA8810}" type="slidenum">
+              <a:rPr lang="en-US" smtClean="0"/>
+              <a:t>‹#›</a:t>
+            </a:fld>
+            <a:endParaRPr lang="en-US"/>
+          </a:p>
+        </p:txBody>
+      </p:sp>
+    </p:spTree>
+    <p:extLst>
+      <p:ext uri="{BB962C8B-B14F-4D97-AF65-F5344CB8AC3E}">
+        <p14:creationId xmlns:p14="http://schemas.microsoft.com/office/powerpoint/2010/main" val="2844083110"/>
+      </p:ext>
+    </p:extLst>
+  </p:cSld>
+  <p:clrMapOvr>
+    <a:masterClrMapping/>
+  </p:clrMapOvr>
+</p:sldLayout>
+</file>
+
+<file path=ppt/slideLayouts/slideLayout16.xml><?xml version="1.0" encoding="utf-8"?>
 <p:sldLayout xmlns:a="http://schemas.openxmlformats.org/drawingml/2006/main" xmlns:r="http://schemas.openxmlformats.org/officeDocument/2006/relationships" xmlns:p="http://schemas.openxmlformats.org/presentationml/2006/main" type="vertTx" preserve="1">
   <p:cSld name="Title and Vertical Text">
     <p:spTree>
@@ -1333,13 +4071,7 @@
       </p:grpSpPr>
       <p:sp>
         <p:nvSpPr>
-          <p:cNvPr id="2" name="Title 1">
-            <a:extLst>
-              <a:ext uri="{FF2B5EF4-FFF2-40B4-BE49-F238E27FC236}">
-                <a16:creationId xmlns:a16="http://schemas.microsoft.com/office/drawing/2014/main" id="{A7D3455B-960D-4770-874A-80F0C27D381A}"/>
-              </a:ext>
-            </a:extLst>
-          </p:cNvPr>
+          <p:cNvPr id="2" name="Title 1"/>
           <p:cNvSpPr>
             <a:spLocks noGrp="1"/>
           </p:cNvSpPr>
@@ -1353,21 +4085,16 @@
           <a:lstStyle/>
           <a:p>
             <a:r>
-              <a:rPr lang="en-US"/>
+              <a:rPr lang="en-US" smtClean="0"/>
               <a:t>Click to edit Master title style</a:t>
             </a:r>
-          </a:p>
-        </p:txBody>
-      </p:sp>
-      <p:sp>
-        <p:nvSpPr>
-          <p:cNvPr id="3" name="Vertical Text Placeholder 2">
-            <a:extLst>
-              <a:ext uri="{FF2B5EF4-FFF2-40B4-BE49-F238E27FC236}">
-                <a16:creationId xmlns:a16="http://schemas.microsoft.com/office/drawing/2014/main" id="{83542C70-3084-40EC-AFDD-3B2B964FA6C2}"/>
-              </a:ext>
-            </a:extLst>
-          </p:cNvPr>
+            <a:endParaRPr lang="en-US" dirty="0"/>
+          </a:p>
+        </p:txBody>
+      </p:sp>
+      <p:sp>
+        <p:nvSpPr>
+          <p:cNvPr id="3" name="Vertical Text Placeholder 2"/>
           <p:cNvSpPr>
             <a:spLocks noGrp="1"/>
           </p:cNvSpPr>
@@ -1375,71 +4102,71 @@
             <p:ph type="body" orient="vert" idx="1"/>
           </p:nvPr>
         </p:nvSpPr>
+        <p:spPr>
+          <a:xfrm>
+            <a:off x="685800" y="2194559"/>
+            <a:ext cx="10820400" cy="4024125"/>
+          </a:xfrm>
+        </p:spPr>
+        <p:txBody>
+          <a:bodyPr vert="eaVert"/>
+          <a:lstStyle/>
+          <a:p>
+            <a:pPr lvl="0"/>
+            <a:r>
+              <a:rPr lang="en-US" smtClean="0"/>
+              <a:t>Click to edit Master text styles</a:t>
+            </a:r>
+          </a:p>
+          <a:p>
+            <a:pPr lvl="1"/>
+            <a:r>
+              <a:rPr lang="en-US" smtClean="0"/>
+              <a:t>Second level</a:t>
+            </a:r>
+          </a:p>
+          <a:p>
+            <a:pPr lvl="2"/>
+            <a:r>
+              <a:rPr lang="en-US" smtClean="0"/>
+              <a:t>Third level</a:t>
+            </a:r>
+          </a:p>
+          <a:p>
+            <a:pPr lvl="3"/>
+            <a:r>
+              <a:rPr lang="en-US" smtClean="0"/>
+              <a:t>Fourth level</a:t>
+            </a:r>
+          </a:p>
+          <a:p>
+            <a:pPr lvl="4"/>
+            <a:r>
+              <a:rPr lang="en-US" smtClean="0"/>
+              <a:t>Fifth level</a:t>
+            </a:r>
+            <a:endParaRPr lang="en-US" dirty="0"/>
+          </a:p>
+        </p:txBody>
+      </p:sp>
+      <p:sp>
+        <p:nvSpPr>
+          <p:cNvPr id="4" name="Date Placeholder 3"/>
+          <p:cNvSpPr>
+            <a:spLocks noGrp="1"/>
+          </p:cNvSpPr>
+          <p:nvPr>
+            <p:ph type="dt" sz="half" idx="10"/>
+          </p:nvPr>
+        </p:nvSpPr>
         <p:spPr/>
         <p:txBody>
-          <a:bodyPr vert="eaVert"/>
-          <a:lstStyle/>
-          <a:p>
-            <a:pPr lvl="0"/>
-            <a:r>
-              <a:rPr lang="en-US"/>
-              <a:t>Click to edit Master text styles</a:t>
-            </a:r>
-          </a:p>
-          <a:p>
-            <a:pPr lvl="1"/>
-            <a:r>
-              <a:rPr lang="en-US"/>
-              <a:t>Second level</a:t>
-            </a:r>
-          </a:p>
-          <a:p>
-            <a:pPr lvl="2"/>
-            <a:r>
-              <a:rPr lang="en-US"/>
-              <a:t>Third level</a:t>
-            </a:r>
-          </a:p>
-          <a:p>
-            <a:pPr lvl="3"/>
-            <a:r>
-              <a:rPr lang="en-US"/>
-              <a:t>Fourth level</a:t>
-            </a:r>
-          </a:p>
-          <a:p>
-            <a:pPr lvl="4"/>
-            <a:r>
-              <a:rPr lang="en-US"/>
-              <a:t>Fifth level</a:t>
-            </a:r>
-          </a:p>
-        </p:txBody>
-      </p:sp>
-      <p:sp>
-        <p:nvSpPr>
-          <p:cNvPr id="4" name="Date Placeholder 3">
-            <a:extLst>
-              <a:ext uri="{FF2B5EF4-FFF2-40B4-BE49-F238E27FC236}">
-                <a16:creationId xmlns:a16="http://schemas.microsoft.com/office/drawing/2014/main" id="{0713D156-7E19-4CC2-9BB0-4910CE3EE0BC}"/>
-              </a:ext>
-            </a:extLst>
-          </p:cNvPr>
-          <p:cNvSpPr>
-            <a:spLocks noGrp="1"/>
-          </p:cNvSpPr>
-          <p:nvPr>
-            <p:ph type="dt" sz="half" idx="10"/>
-          </p:nvPr>
-        </p:nvSpPr>
-        <p:spPr/>
-        <p:txBody>
           <a:bodyPr/>
           <a:lstStyle/>
           <a:p>
             <a:fld id="{413C8F98-269A-4573-BFF3-378B2D1E4BE6}" type="datetimeFigureOut">
               <a:rPr lang="en-US" smtClean="0"/>
-              <a:t>14-Jun-19</a:t>
+              <a:t>6/16/2019</a:t>
             </a:fld>
             <a:endParaRPr lang="en-US"/>
           </a:p>
@@ -1447,13 +4174,7 @@
       </p:sp>
       <p:sp>
         <p:nvSpPr>
-          <p:cNvPr id="5" name="Footer Placeholder 4">
-            <a:extLst>
-              <a:ext uri="{FF2B5EF4-FFF2-40B4-BE49-F238E27FC236}">
-                <a16:creationId xmlns:a16="http://schemas.microsoft.com/office/drawing/2014/main" id="{4E2107F4-467D-4D95-BF2A-DAE06F5F1136}"/>
-              </a:ext>
-            </a:extLst>
-          </p:cNvPr>
+          <p:cNvPr id="5" name="Footer Placeholder 4"/>
           <p:cNvSpPr>
             <a:spLocks noGrp="1"/>
           </p:cNvSpPr>
@@ -1472,13 +4193,7 @@
       </p:sp>
       <p:sp>
         <p:nvSpPr>
-          <p:cNvPr id="6" name="Slide Number Placeholder 5">
-            <a:extLst>
-              <a:ext uri="{FF2B5EF4-FFF2-40B4-BE49-F238E27FC236}">
-                <a16:creationId xmlns:a16="http://schemas.microsoft.com/office/drawing/2014/main" id="{1ADB541C-6493-4138-AE3C-C45738D27DFE}"/>
-              </a:ext>
-            </a:extLst>
-          </p:cNvPr>
+          <p:cNvPr id="6" name="Slide Number Placeholder 5"/>
           <p:cNvSpPr>
             <a:spLocks noGrp="1"/>
           </p:cNvSpPr>
@@ -1502,7 +4217,7 @@
     </p:spTree>
     <p:extLst>
       <p:ext uri="{BB962C8B-B14F-4D97-AF65-F5344CB8AC3E}">
-        <p14:creationId xmlns:p14="http://schemas.microsoft.com/office/powerpoint/2010/main" val="874376798"/>
+        <p14:creationId xmlns:p14="http://schemas.microsoft.com/office/powerpoint/2010/main" val="3086798175"/>
       </p:ext>
     </p:extLst>
   </p:cSld>
@@ -1512,8 +4227,8 @@
 </p:sldLayout>
 </file>
 
-<file path=ppt/slideLayouts/slideLayout11.xml><?xml version="1.0" encoding="utf-8"?>
-<p:sldLayout xmlns:a="http://schemas.openxmlformats.org/drawingml/2006/main" xmlns:r="http://schemas.openxmlformats.org/officeDocument/2006/relationships" xmlns:p="http://schemas.openxmlformats.org/presentationml/2006/main" type="vertTitleAndTx" preserve="1">
+<file path=ppt/slideLayouts/slideLayout17.xml><?xml version="1.0" encoding="utf-8"?>
+<p:sldLayout xmlns:a="http://schemas.openxmlformats.org/drawingml/2006/main" xmlns:r="http://schemas.openxmlformats.org/officeDocument/2006/relationships" xmlns:p="http://schemas.openxmlformats.org/presentationml/2006/main" showMasterSp="0" type="vertTitleAndTx" preserve="1">
   <p:cSld name="Vertical Title and Text">
     <p:spTree>
       <p:nvGrpSpPr>
@@ -1529,15 +4244,39 @@
           <a:chExt cx="0" cy="0"/>
         </a:xfrm>
       </p:grpSpPr>
-      <p:sp>
-        <p:nvSpPr>
-          <p:cNvPr id="2" name="Vertical Title 1">
+      <p:pic>
+        <p:nvPicPr>
+          <p:cNvPr id="9" name="Picture 8" descr="C1-HD-BTM.png"/>
+          <p:cNvPicPr>
+            <a:picLocks noChangeAspect="1"/>
+          </p:cNvPicPr>
+          <p:nvPr/>
+        </p:nvPicPr>
+        <p:blipFill>
+          <a:blip r:embed="rId2">
             <a:extLst>
-              <a:ext uri="{FF2B5EF4-FFF2-40B4-BE49-F238E27FC236}">
-                <a16:creationId xmlns:a16="http://schemas.microsoft.com/office/drawing/2014/main" id="{90941B73-2489-42F7-AF2A-C88068D664DA}"/>
+              <a:ext uri="{28A0092B-C50C-407E-A947-70E740481C1C}">
+                <a14:useLocalDpi xmlns:a14="http://schemas.microsoft.com/office/drawing/2010/main" val="0"/>
               </a:ext>
             </a:extLst>
-          </p:cNvPr>
+          </a:blip>
+          <a:stretch>
+            <a:fillRect/>
+          </a:stretch>
+        </p:blipFill>
+        <p:spPr>
+          <a:xfrm>
+            <a:off x="0" y="4375150"/>
+            <a:ext cx="12192000" cy="2482850"/>
+          </a:xfrm>
+          <a:prstGeom prst="rect">
+            <a:avLst/>
+          </a:prstGeom>
+        </p:spPr>
+      </p:pic>
+      <p:sp>
+        <p:nvSpPr>
+          <p:cNvPr id="2" name="Vertical Title 1"/>
           <p:cNvSpPr>
             <a:spLocks noGrp="1"/>
           </p:cNvSpPr>
@@ -1547,30 +4286,29 @@
         </p:nvSpPr>
         <p:spPr>
           <a:xfrm>
-            <a:off x="8724900" y="365125"/>
-            <a:ext cx="2628900" cy="5811838"/>
+            <a:off x="9448800" y="745066"/>
+            <a:ext cx="2057400" cy="3903133"/>
           </a:xfrm>
         </p:spPr>
         <p:txBody>
           <a:bodyPr vert="eaVert"/>
-          <a:lstStyle/>
-          <a:p>
-            <a:r>
-              <a:rPr lang="en-US"/>
+          <a:lstStyle>
+            <a:lvl1pPr algn="l">
+              <a:defRPr/>
+            </a:lvl1pPr>
+          </a:lstStyle>
+          <a:p>
+            <a:r>
+              <a:rPr lang="en-US" smtClean="0"/>
               <a:t>Click to edit Master title style</a:t>
             </a:r>
-          </a:p>
-        </p:txBody>
-      </p:sp>
-      <p:sp>
-        <p:nvSpPr>
-          <p:cNvPr id="3" name="Vertical Text Placeholder 2">
-            <a:extLst>
-              <a:ext uri="{FF2B5EF4-FFF2-40B4-BE49-F238E27FC236}">
-                <a16:creationId xmlns:a16="http://schemas.microsoft.com/office/drawing/2014/main" id="{C81882B7-E9D7-4D81-94C2-E703842A6D7E}"/>
-              </a:ext>
-            </a:extLst>
-          </p:cNvPr>
+            <a:endParaRPr lang="en-US" dirty="0"/>
+          </a:p>
+        </p:txBody>
+      </p:sp>
+      <p:sp>
+        <p:nvSpPr>
+          <p:cNvPr id="3" name="Vertical Text Placeholder 2"/>
           <p:cNvSpPr>
             <a:spLocks noGrp="1"/>
           </p:cNvSpPr>
@@ -1580,8 +4318,8 @@
         </p:nvSpPr>
         <p:spPr>
           <a:xfrm>
-            <a:off x="838200" y="365125"/>
-            <a:ext cx="7734300" cy="5811838"/>
+            <a:off x="1024466" y="745067"/>
+            <a:ext cx="8204201" cy="3903133"/>
           </a:xfrm>
         </p:spPr>
         <p:txBody>
@@ -1590,49 +4328,44 @@
           <a:p>
             <a:pPr lvl="0"/>
             <a:r>
-              <a:rPr lang="en-US"/>
+              <a:rPr lang="en-US" smtClean="0"/>
               <a:t>Click to edit Master text styles</a:t>
             </a:r>
           </a:p>
           <a:p>
             <a:pPr lvl="1"/>
             <a:r>
-              <a:rPr lang="en-US"/>
+              <a:rPr lang="en-US" smtClean="0"/>
               <a:t>Second level</a:t>
             </a:r>
           </a:p>
           <a:p>
             <a:pPr lvl="2"/>
             <a:r>
-              <a:rPr lang="en-US"/>
+              <a:rPr lang="en-US" smtClean="0"/>
               <a:t>Third level</a:t>
             </a:r>
           </a:p>
           <a:p>
             <a:pPr lvl="3"/>
             <a:r>
-              <a:rPr lang="en-US"/>
+              <a:rPr lang="en-US" smtClean="0"/>
               <a:t>Fourth level</a:t>
             </a:r>
           </a:p>
           <a:p>
             <a:pPr lvl="4"/>
             <a:r>
-              <a:rPr lang="en-US"/>
+              <a:rPr lang="en-US" smtClean="0"/>
               <a:t>Fifth level</a:t>
             </a:r>
-          </a:p>
-        </p:txBody>
-      </p:sp>
-      <p:sp>
-        <p:nvSpPr>
-          <p:cNvPr id="4" name="Date Placeholder 3">
-            <a:extLst>
-              <a:ext uri="{FF2B5EF4-FFF2-40B4-BE49-F238E27FC236}">
-                <a16:creationId xmlns:a16="http://schemas.microsoft.com/office/drawing/2014/main" id="{F23435D7-ABFB-4E2E-93BF-09A51C9E2B36}"/>
-              </a:ext>
-            </a:extLst>
-          </p:cNvPr>
+            <a:endParaRPr lang="en-US" dirty="0"/>
+          </a:p>
+        </p:txBody>
+      </p:sp>
+      <p:sp>
+        <p:nvSpPr>
+          <p:cNvPr id="4" name="Date Placeholder 3"/>
           <p:cNvSpPr>
             <a:spLocks noGrp="1"/>
           </p:cNvSpPr>
@@ -1640,14 +4373,23 @@
             <p:ph type="dt" sz="half" idx="10"/>
           </p:nvPr>
         </p:nvSpPr>
-        <p:spPr/>
-        <p:txBody>
-          <a:bodyPr/>
-          <a:lstStyle/>
+        <p:spPr>
+          <a:xfrm>
+            <a:off x="7814452" y="379941"/>
+            <a:ext cx="2910840" cy="365125"/>
+          </a:xfrm>
+        </p:spPr>
+        <p:txBody>
+          <a:bodyPr/>
+          <a:lstStyle>
+            <a:lvl1pPr algn="r">
+              <a:defRPr/>
+            </a:lvl1pPr>
+          </a:lstStyle>
           <a:p>
             <a:fld id="{413C8F98-269A-4573-BFF3-378B2D1E4BE6}" type="datetimeFigureOut">
               <a:rPr lang="en-US" smtClean="0"/>
-              <a:t>14-Jun-19</a:t>
+              <a:t>6/16/2019</a:t>
             </a:fld>
             <a:endParaRPr lang="en-US"/>
           </a:p>
@@ -1655,13 +4397,7 @@
       </p:sp>
       <p:sp>
         <p:nvSpPr>
-          <p:cNvPr id="5" name="Footer Placeholder 4">
-            <a:extLst>
-              <a:ext uri="{FF2B5EF4-FFF2-40B4-BE49-F238E27FC236}">
-                <a16:creationId xmlns:a16="http://schemas.microsoft.com/office/drawing/2014/main" id="{B443B9A5-9567-40E6-8110-BB5BDA39DBE2}"/>
-              </a:ext>
-            </a:extLst>
-          </p:cNvPr>
+          <p:cNvPr id="5" name="Footer Placeholder 4"/>
           <p:cNvSpPr>
             <a:spLocks noGrp="1"/>
           </p:cNvSpPr>
@@ -1669,7 +4405,12 @@
             <p:ph type="ftr" sz="quarter" idx="11"/>
           </p:nvPr>
         </p:nvSpPr>
-        <p:spPr/>
+        <p:spPr>
+          <a:xfrm>
+            <a:off x="685800" y="381000"/>
+            <a:ext cx="6991492" cy="365125"/>
+          </a:xfrm>
+        </p:spPr>
         <p:txBody>
           <a:bodyPr/>
           <a:lstStyle/>
@@ -1680,13 +4421,7 @@
       </p:sp>
       <p:sp>
         <p:nvSpPr>
-          <p:cNvPr id="6" name="Slide Number Placeholder 5">
-            <a:extLst>
-              <a:ext uri="{FF2B5EF4-FFF2-40B4-BE49-F238E27FC236}">
-                <a16:creationId xmlns:a16="http://schemas.microsoft.com/office/drawing/2014/main" id="{CBD41D2E-D0A4-4779-A8BF-35768FDBA093}"/>
-              </a:ext>
-            </a:extLst>
-          </p:cNvPr>
+          <p:cNvPr id="6" name="Slide Number Placeholder 5"/>
           <p:cNvSpPr>
             <a:spLocks noGrp="1"/>
           </p:cNvSpPr>
@@ -1694,7 +4429,12 @@
             <p:ph type="sldNum" sz="quarter" idx="12"/>
           </p:nvPr>
         </p:nvSpPr>
-        <p:spPr/>
+        <p:spPr>
+          <a:xfrm>
+            <a:off x="10862452" y="381000"/>
+            <a:ext cx="643748" cy="365125"/>
+          </a:xfrm>
+        </p:spPr>
         <p:txBody>
           <a:bodyPr/>
           <a:lstStyle/>
@@ -1710,7 +4450,7 @@
     </p:spTree>
     <p:extLst>
       <p:ext uri="{BB962C8B-B14F-4D97-AF65-F5344CB8AC3E}">
-        <p14:creationId xmlns:p14="http://schemas.microsoft.com/office/powerpoint/2010/main" val="2966072114"/>
+        <p14:creationId xmlns:p14="http://schemas.microsoft.com/office/powerpoint/2010/main" val="3775135230"/>
       </p:ext>
     </p:extLst>
   </p:cSld>
@@ -1739,13 +4479,7 @@
       </p:grpSpPr>
       <p:sp>
         <p:nvSpPr>
-          <p:cNvPr id="2" name="Title 1">
-            <a:extLst>
-              <a:ext uri="{FF2B5EF4-FFF2-40B4-BE49-F238E27FC236}">
-                <a16:creationId xmlns:a16="http://schemas.microsoft.com/office/drawing/2014/main" id="{1E19B6A8-5B09-4942-8493-6C31895FC875}"/>
-              </a:ext>
-            </a:extLst>
-          </p:cNvPr>
+          <p:cNvPr id="2" name="Title 1"/>
           <p:cNvSpPr>
             <a:spLocks noGrp="1"/>
           </p:cNvSpPr>
@@ -1759,21 +4493,16 @@
           <a:lstStyle/>
           <a:p>
             <a:r>
-              <a:rPr lang="en-US"/>
+              <a:rPr lang="en-US" smtClean="0"/>
               <a:t>Click to edit Master title style</a:t>
             </a:r>
-          </a:p>
-        </p:txBody>
-      </p:sp>
-      <p:sp>
-        <p:nvSpPr>
-          <p:cNvPr id="3" name="Content Placeholder 2">
-            <a:extLst>
-              <a:ext uri="{FF2B5EF4-FFF2-40B4-BE49-F238E27FC236}">
-                <a16:creationId xmlns:a16="http://schemas.microsoft.com/office/drawing/2014/main" id="{A19B293F-2254-4994-8591-84E58B7AEED8}"/>
-              </a:ext>
-            </a:extLst>
-          </p:cNvPr>
+            <a:endParaRPr lang="en-US" dirty="0"/>
+          </a:p>
+        </p:txBody>
+      </p:sp>
+      <p:sp>
+        <p:nvSpPr>
+          <p:cNvPr id="3" name="Content Placeholder 2"/>
           <p:cNvSpPr>
             <a:spLocks noGrp="1"/>
           </p:cNvSpPr>
@@ -1788,49 +4517,44 @@
           <a:p>
             <a:pPr lvl="0"/>
             <a:r>
-              <a:rPr lang="en-US"/>
+              <a:rPr lang="en-US" smtClean="0"/>
               <a:t>Click to edit Master text styles</a:t>
             </a:r>
           </a:p>
           <a:p>
             <a:pPr lvl="1"/>
             <a:r>
-              <a:rPr lang="en-US"/>
+              <a:rPr lang="en-US" smtClean="0"/>
               <a:t>Second level</a:t>
             </a:r>
           </a:p>
           <a:p>
             <a:pPr lvl="2"/>
             <a:r>
-              <a:rPr lang="en-US"/>
+              <a:rPr lang="en-US" smtClean="0"/>
               <a:t>Third level</a:t>
             </a:r>
           </a:p>
           <a:p>
             <a:pPr lvl="3"/>
             <a:r>
-              <a:rPr lang="en-US"/>
+              <a:rPr lang="en-US" smtClean="0"/>
               <a:t>Fourth level</a:t>
             </a:r>
           </a:p>
           <a:p>
             <a:pPr lvl="4"/>
             <a:r>
-              <a:rPr lang="en-US"/>
+              <a:rPr lang="en-US" smtClean="0"/>
               <a:t>Fifth level</a:t>
             </a:r>
-          </a:p>
-        </p:txBody>
-      </p:sp>
-      <p:sp>
-        <p:nvSpPr>
-          <p:cNvPr id="4" name="Date Placeholder 3">
-            <a:extLst>
-              <a:ext uri="{FF2B5EF4-FFF2-40B4-BE49-F238E27FC236}">
-                <a16:creationId xmlns:a16="http://schemas.microsoft.com/office/drawing/2014/main" id="{14D45F4D-36DC-4D17-9C12-C1CA705F5400}"/>
-              </a:ext>
-            </a:extLst>
-          </p:cNvPr>
+            <a:endParaRPr lang="en-US" dirty="0"/>
+          </a:p>
+        </p:txBody>
+      </p:sp>
+      <p:sp>
+        <p:nvSpPr>
+          <p:cNvPr id="4" name="Date Placeholder 3"/>
           <p:cNvSpPr>
             <a:spLocks noGrp="1"/>
           </p:cNvSpPr>
@@ -1845,7 +4569,7 @@
           <a:p>
             <a:fld id="{413C8F98-269A-4573-BFF3-378B2D1E4BE6}" type="datetimeFigureOut">
               <a:rPr lang="en-US" smtClean="0"/>
-              <a:t>14-Jun-19</a:t>
+              <a:t>6/16/2019</a:t>
             </a:fld>
             <a:endParaRPr lang="en-US"/>
           </a:p>
@@ -1853,13 +4577,7 @@
       </p:sp>
       <p:sp>
         <p:nvSpPr>
-          <p:cNvPr id="5" name="Footer Placeholder 4">
-            <a:extLst>
-              <a:ext uri="{FF2B5EF4-FFF2-40B4-BE49-F238E27FC236}">
-                <a16:creationId xmlns:a16="http://schemas.microsoft.com/office/drawing/2014/main" id="{F2BB6F91-ADFB-46E3-B3B3-B24128BCF5B5}"/>
-              </a:ext>
-            </a:extLst>
-          </p:cNvPr>
+          <p:cNvPr id="5" name="Footer Placeholder 4"/>
           <p:cNvSpPr>
             <a:spLocks noGrp="1"/>
           </p:cNvSpPr>
@@ -1878,13 +4596,7 @@
       </p:sp>
       <p:sp>
         <p:nvSpPr>
-          <p:cNvPr id="6" name="Slide Number Placeholder 5">
-            <a:extLst>
-              <a:ext uri="{FF2B5EF4-FFF2-40B4-BE49-F238E27FC236}">
-                <a16:creationId xmlns:a16="http://schemas.microsoft.com/office/drawing/2014/main" id="{0308D3DC-F17E-4C7E-B9F6-FAA5F7918C26}"/>
-              </a:ext>
-            </a:extLst>
-          </p:cNvPr>
+          <p:cNvPr id="6" name="Slide Number Placeholder 5"/>
           <p:cNvSpPr>
             <a:spLocks noGrp="1"/>
           </p:cNvSpPr>
@@ -1908,7 +4620,7 @@
     </p:spTree>
     <p:extLst>
       <p:ext uri="{BB962C8B-B14F-4D97-AF65-F5344CB8AC3E}">
-        <p14:creationId xmlns:p14="http://schemas.microsoft.com/office/powerpoint/2010/main" val="739216410"/>
+        <p14:creationId xmlns:p14="http://schemas.microsoft.com/office/powerpoint/2010/main" val="442874220"/>
       </p:ext>
     </p:extLst>
   </p:cSld>
@@ -1919,7 +4631,7 @@
 </file>
 
 <file path=ppt/slideLayouts/slideLayout3.xml><?xml version="1.0" encoding="utf-8"?>
-<p:sldLayout xmlns:a="http://schemas.openxmlformats.org/drawingml/2006/main" xmlns:r="http://schemas.openxmlformats.org/officeDocument/2006/relationships" xmlns:p="http://schemas.openxmlformats.org/presentationml/2006/main" type="secHead" preserve="1">
+<p:sldLayout xmlns:a="http://schemas.openxmlformats.org/drawingml/2006/main" xmlns:r="http://schemas.openxmlformats.org/officeDocument/2006/relationships" xmlns:p="http://schemas.openxmlformats.org/presentationml/2006/main" showMasterSp="0" type="secHead" preserve="1">
   <p:cSld name="Section Header">
     <p:spTree>
       <p:nvGrpSpPr>
@@ -1935,15 +4647,39 @@
           <a:chExt cx="0" cy="0"/>
         </a:xfrm>
       </p:grpSpPr>
-      <p:sp>
-        <p:nvSpPr>
-          <p:cNvPr id="2" name="Title 1">
+      <p:pic>
+        <p:nvPicPr>
+          <p:cNvPr id="8" name="Picture 7" descr="C1-HD-BTM.png"/>
+          <p:cNvPicPr>
+            <a:picLocks noChangeAspect="1"/>
+          </p:cNvPicPr>
+          <p:nvPr/>
+        </p:nvPicPr>
+        <p:blipFill>
+          <a:blip r:embed="rId2">
             <a:extLst>
-              <a:ext uri="{FF2B5EF4-FFF2-40B4-BE49-F238E27FC236}">
-                <a16:creationId xmlns:a16="http://schemas.microsoft.com/office/drawing/2014/main" id="{B37B9545-32C0-430F-83F6-E4BB7FDE7EB7}"/>
+              <a:ext uri="{28A0092B-C50C-407E-A947-70E740481C1C}">
+                <a14:useLocalDpi xmlns:a14="http://schemas.microsoft.com/office/drawing/2010/main" val="0"/>
               </a:ext>
             </a:extLst>
-          </p:cNvPr>
+          </a:blip>
+          <a:stretch>
+            <a:fillRect/>
+          </a:stretch>
+        </p:blipFill>
+        <p:spPr>
+          <a:xfrm>
+            <a:off x="0" y="4375150"/>
+            <a:ext cx="12192000" cy="2482850"/>
+          </a:xfrm>
+          <a:prstGeom prst="rect">
+            <a:avLst/>
+          </a:prstGeom>
+        </p:spPr>
+      </p:pic>
+      <p:sp>
+        <p:nvSpPr>
+          <p:cNvPr id="2" name="Title 1"/>
           <p:cNvSpPr>
             <a:spLocks noGrp="1"/>
           </p:cNvSpPr>
@@ -1953,34 +4689,31 @@
         </p:nvSpPr>
         <p:spPr>
           <a:xfrm>
-            <a:off x="831850" y="1709738"/>
-            <a:ext cx="10515600" cy="2852737"/>
-          </a:xfrm>
-        </p:spPr>
-        <p:txBody>
-          <a:bodyPr anchor="b"/>
+            <a:off x="685800" y="753533"/>
+            <a:ext cx="10820399" cy="2801935"/>
+          </a:xfrm>
+        </p:spPr>
+        <p:txBody>
+          <a:bodyPr anchor="b">
+            <a:normAutofit/>
+          </a:bodyPr>
           <a:lstStyle>
-            <a:lvl1pPr>
-              <a:defRPr sz="6000"/>
+            <a:lvl1pPr algn="r">
+              <a:defRPr sz="4000"/>
             </a:lvl1pPr>
           </a:lstStyle>
           <a:p>
             <a:r>
-              <a:rPr lang="en-US"/>
+              <a:rPr lang="en-US" smtClean="0"/>
               <a:t>Click to edit Master title style</a:t>
             </a:r>
-          </a:p>
-        </p:txBody>
-      </p:sp>
-      <p:sp>
-        <p:nvSpPr>
-          <p:cNvPr id="3" name="Text Placeholder 2">
-            <a:extLst>
-              <a:ext uri="{FF2B5EF4-FFF2-40B4-BE49-F238E27FC236}">
-                <a16:creationId xmlns:a16="http://schemas.microsoft.com/office/drawing/2014/main" id="{C65A8814-935B-46F6-B090-607C544751D0}"/>
-              </a:ext>
-            </a:extLst>
-          </p:cNvPr>
+            <a:endParaRPr lang="en-US" dirty="0"/>
+          </a:p>
+        </p:txBody>
+      </p:sp>
+      <p:sp>
+        <p:nvSpPr>
+          <p:cNvPr id="3" name="Text Placeholder 2"/>
           <p:cNvSpPr>
             <a:spLocks noGrp="1"/>
           </p:cNvSpPr>
@@ -1990,16 +4723,18 @@
         </p:nvSpPr>
         <p:spPr>
           <a:xfrm>
-            <a:off x="831850" y="4589463"/>
-            <a:ext cx="10515600" cy="1500187"/>
-          </a:xfrm>
-        </p:spPr>
-        <p:txBody>
-          <a:bodyPr/>
+            <a:off x="1024467" y="3641725"/>
+            <a:ext cx="10490200" cy="955675"/>
+          </a:xfrm>
+        </p:spPr>
+        <p:txBody>
+          <a:bodyPr>
+            <a:normAutofit/>
+          </a:bodyPr>
           <a:lstStyle>
-            <a:lvl1pPr marL="0" indent="0">
-              <a:buNone/>
-              <a:defRPr sz="2400">
+            <a:lvl1pPr marL="0" indent="0" algn="r">
+              <a:buNone/>
+              <a:defRPr sz="2200">
                 <a:solidFill>
                   <a:schemeClr val="tx1">
                     <a:tint val="75000"/>
@@ -2091,7 +4826,7 @@
           <a:p>
             <a:pPr lvl="0"/>
             <a:r>
-              <a:rPr lang="en-US"/>
+              <a:rPr lang="en-US" smtClean="0"/>
               <a:t>Click to edit Master text styles</a:t>
             </a:r>
           </a:p>
@@ -2099,13 +4834,7 @@
       </p:sp>
       <p:sp>
         <p:nvSpPr>
-          <p:cNvPr id="4" name="Date Placeholder 3">
-            <a:extLst>
-              <a:ext uri="{FF2B5EF4-FFF2-40B4-BE49-F238E27FC236}">
-                <a16:creationId xmlns:a16="http://schemas.microsoft.com/office/drawing/2014/main" id="{45D82693-B4EF-4C8F-BAE8-10D13FE3471C}"/>
-              </a:ext>
-            </a:extLst>
-          </p:cNvPr>
+          <p:cNvPr id="4" name="Date Placeholder 3"/>
           <p:cNvSpPr>
             <a:spLocks noGrp="1"/>
           </p:cNvSpPr>
@@ -2113,14 +4842,23 @@
             <p:ph type="dt" sz="half" idx="10"/>
           </p:nvPr>
         </p:nvSpPr>
-        <p:spPr/>
-        <p:txBody>
-          <a:bodyPr/>
-          <a:lstStyle/>
+        <p:spPr>
+          <a:xfrm>
+            <a:off x="7814452" y="381000"/>
+            <a:ext cx="2910840" cy="365125"/>
+          </a:xfrm>
+        </p:spPr>
+        <p:txBody>
+          <a:bodyPr/>
+          <a:lstStyle>
+            <a:lvl1pPr algn="r">
+              <a:defRPr/>
+            </a:lvl1pPr>
+          </a:lstStyle>
           <a:p>
             <a:fld id="{413C8F98-269A-4573-BFF3-378B2D1E4BE6}" type="datetimeFigureOut">
               <a:rPr lang="en-US" smtClean="0"/>
-              <a:t>14-Jun-19</a:t>
+              <a:t>6/16/2019</a:t>
             </a:fld>
             <a:endParaRPr lang="en-US"/>
           </a:p>
@@ -2128,13 +4866,7 @@
       </p:sp>
       <p:sp>
         <p:nvSpPr>
-          <p:cNvPr id="5" name="Footer Placeholder 4">
-            <a:extLst>
-              <a:ext uri="{FF2B5EF4-FFF2-40B4-BE49-F238E27FC236}">
-                <a16:creationId xmlns:a16="http://schemas.microsoft.com/office/drawing/2014/main" id="{AC6D471E-11F0-4019-AE45-4024A9CFF7AC}"/>
-              </a:ext>
-            </a:extLst>
-          </p:cNvPr>
+          <p:cNvPr id="5" name="Footer Placeholder 4"/>
           <p:cNvSpPr>
             <a:spLocks noGrp="1"/>
           </p:cNvSpPr>
@@ -2142,7 +4874,12 @@
             <p:ph type="ftr" sz="quarter" idx="11"/>
           </p:nvPr>
         </p:nvSpPr>
-        <p:spPr/>
+        <p:spPr>
+          <a:xfrm>
+            <a:off x="685800" y="381001"/>
+            <a:ext cx="6991492" cy="364065"/>
+          </a:xfrm>
+        </p:spPr>
         <p:txBody>
           <a:bodyPr/>
           <a:lstStyle/>
@@ -2153,13 +4890,7 @@
       </p:sp>
       <p:sp>
         <p:nvSpPr>
-          <p:cNvPr id="6" name="Slide Number Placeholder 5">
-            <a:extLst>
-              <a:ext uri="{FF2B5EF4-FFF2-40B4-BE49-F238E27FC236}">
-                <a16:creationId xmlns:a16="http://schemas.microsoft.com/office/drawing/2014/main" id="{CAEBF810-5D8B-4D6B-AE0A-C7AF270B3819}"/>
-              </a:ext>
-            </a:extLst>
-          </p:cNvPr>
+          <p:cNvPr id="6" name="Slide Number Placeholder 5"/>
           <p:cNvSpPr>
             <a:spLocks noGrp="1"/>
           </p:cNvSpPr>
@@ -2167,7 +4898,12 @@
             <p:ph type="sldNum" sz="quarter" idx="12"/>
           </p:nvPr>
         </p:nvSpPr>
-        <p:spPr/>
+        <p:spPr>
+          <a:xfrm>
+            <a:off x="10862452" y="381000"/>
+            <a:ext cx="643748" cy="365125"/>
+          </a:xfrm>
+        </p:spPr>
         <p:txBody>
           <a:bodyPr/>
           <a:lstStyle/>
@@ -2183,7 +4919,7 @@
     </p:spTree>
     <p:extLst>
       <p:ext uri="{BB962C8B-B14F-4D97-AF65-F5344CB8AC3E}">
-        <p14:creationId xmlns:p14="http://schemas.microsoft.com/office/powerpoint/2010/main" val="2135454021"/>
+        <p14:creationId xmlns:p14="http://schemas.microsoft.com/office/powerpoint/2010/main" val="3017034482"/>
       </p:ext>
     </p:extLst>
   </p:cSld>
@@ -2212,13 +4948,7 @@
       </p:grpSpPr>
       <p:sp>
         <p:nvSpPr>
-          <p:cNvPr id="2" name="Title 1">
-            <a:extLst>
-              <a:ext uri="{FF2B5EF4-FFF2-40B4-BE49-F238E27FC236}">
-                <a16:creationId xmlns:a16="http://schemas.microsoft.com/office/drawing/2014/main" id="{25307681-651E-45C1-81B9-70C5F4CF4FA6}"/>
-              </a:ext>
-            </a:extLst>
-          </p:cNvPr>
+          <p:cNvPr id="2" name="Title 1"/>
           <p:cNvSpPr>
             <a:spLocks noGrp="1"/>
           </p:cNvSpPr>
@@ -2232,21 +4962,16 @@
           <a:lstStyle/>
           <a:p>
             <a:r>
-              <a:rPr lang="en-US"/>
+              <a:rPr lang="en-US" smtClean="0"/>
               <a:t>Click to edit Master title style</a:t>
             </a:r>
-          </a:p>
-        </p:txBody>
-      </p:sp>
-      <p:sp>
-        <p:nvSpPr>
-          <p:cNvPr id="3" name="Content Placeholder 2">
-            <a:extLst>
-              <a:ext uri="{FF2B5EF4-FFF2-40B4-BE49-F238E27FC236}">
-                <a16:creationId xmlns:a16="http://schemas.microsoft.com/office/drawing/2014/main" id="{420219FC-5700-42C9-A0C5-70708C8B1361}"/>
-              </a:ext>
-            </a:extLst>
-          </p:cNvPr>
+            <a:endParaRPr lang="en-US" dirty="0"/>
+          </a:p>
+        </p:txBody>
+      </p:sp>
+      <p:sp>
+        <p:nvSpPr>
+          <p:cNvPr id="3" name="Content Placeholder 2"/>
           <p:cNvSpPr>
             <a:spLocks noGrp="1"/>
           </p:cNvSpPr>
@@ -2256,8 +4981,8 @@
         </p:nvSpPr>
         <p:spPr>
           <a:xfrm>
-            <a:off x="838200" y="1825625"/>
-            <a:ext cx="5181600" cy="4351338"/>
+            <a:off x="685800" y="2194559"/>
+            <a:ext cx="5334000" cy="4024125"/>
           </a:xfrm>
         </p:spPr>
         <p:txBody>
@@ -2266,49 +4991,44 @@
           <a:p>
             <a:pPr lvl="0"/>
             <a:r>
-              <a:rPr lang="en-US"/>
+              <a:rPr lang="en-US" smtClean="0"/>
               <a:t>Click to edit Master text styles</a:t>
             </a:r>
           </a:p>
           <a:p>
             <a:pPr lvl="1"/>
             <a:r>
-              <a:rPr lang="en-US"/>
+              <a:rPr lang="en-US" smtClean="0"/>
               <a:t>Second level</a:t>
             </a:r>
           </a:p>
           <a:p>
             <a:pPr lvl="2"/>
             <a:r>
-              <a:rPr lang="en-US"/>
+              <a:rPr lang="en-US" smtClean="0"/>
               <a:t>Third level</a:t>
             </a:r>
           </a:p>
           <a:p>
             <a:pPr lvl="3"/>
             <a:r>
-              <a:rPr lang="en-US"/>
+              <a:rPr lang="en-US" smtClean="0"/>
               <a:t>Fourth level</a:t>
             </a:r>
           </a:p>
           <a:p>
             <a:pPr lvl="4"/>
             <a:r>
-              <a:rPr lang="en-US"/>
+              <a:rPr lang="en-US" smtClean="0"/>
               <a:t>Fifth level</a:t>
             </a:r>
-          </a:p>
-        </p:txBody>
-      </p:sp>
-      <p:sp>
-        <p:nvSpPr>
-          <p:cNvPr id="4" name="Content Placeholder 3">
-            <a:extLst>
-              <a:ext uri="{FF2B5EF4-FFF2-40B4-BE49-F238E27FC236}">
-                <a16:creationId xmlns:a16="http://schemas.microsoft.com/office/drawing/2014/main" id="{9C1314D8-8F27-4116-B528-93A96DF301A8}"/>
-              </a:ext>
-            </a:extLst>
-          </p:cNvPr>
+            <a:endParaRPr lang="en-US" dirty="0"/>
+          </a:p>
+        </p:txBody>
+      </p:sp>
+      <p:sp>
+        <p:nvSpPr>
+          <p:cNvPr id="4" name="Content Placeholder 3"/>
           <p:cNvSpPr>
             <a:spLocks noGrp="1"/>
           </p:cNvSpPr>
@@ -2318,8 +5038,8 @@
         </p:nvSpPr>
         <p:spPr>
           <a:xfrm>
-            <a:off x="6172200" y="1825625"/>
-            <a:ext cx="5181600" cy="4351338"/>
+            <a:off x="6172200" y="2194559"/>
+            <a:ext cx="5334000" cy="4024125"/>
           </a:xfrm>
         </p:spPr>
         <p:txBody>
@@ -2328,49 +5048,44 @@
           <a:p>
             <a:pPr lvl="0"/>
             <a:r>
-              <a:rPr lang="en-US"/>
+              <a:rPr lang="en-US" smtClean="0"/>
               <a:t>Click to edit Master text styles</a:t>
             </a:r>
           </a:p>
           <a:p>
             <a:pPr lvl="1"/>
             <a:r>
-              <a:rPr lang="en-US"/>
+              <a:rPr lang="en-US" smtClean="0"/>
               <a:t>Second level</a:t>
             </a:r>
           </a:p>
           <a:p>
             <a:pPr lvl="2"/>
             <a:r>
-              <a:rPr lang="en-US"/>
+              <a:rPr lang="en-US" smtClean="0"/>
               <a:t>Third level</a:t>
             </a:r>
           </a:p>
           <a:p>
             <a:pPr lvl="3"/>
             <a:r>
-              <a:rPr lang="en-US"/>
+              <a:rPr lang="en-US" smtClean="0"/>
               <a:t>Fourth level</a:t>
             </a:r>
           </a:p>
           <a:p>
             <a:pPr lvl="4"/>
             <a:r>
-              <a:rPr lang="en-US"/>
+              <a:rPr lang="en-US" smtClean="0"/>
               <a:t>Fifth level</a:t>
             </a:r>
-          </a:p>
-        </p:txBody>
-      </p:sp>
-      <p:sp>
-        <p:nvSpPr>
-          <p:cNvPr id="5" name="Date Placeholder 4">
-            <a:extLst>
-              <a:ext uri="{FF2B5EF4-FFF2-40B4-BE49-F238E27FC236}">
-                <a16:creationId xmlns:a16="http://schemas.microsoft.com/office/drawing/2014/main" id="{8101C226-FD0F-4121-9F67-EC4ECC78D1F9}"/>
-              </a:ext>
-            </a:extLst>
-          </p:cNvPr>
+            <a:endParaRPr lang="en-US" dirty="0"/>
+          </a:p>
+        </p:txBody>
+      </p:sp>
+      <p:sp>
+        <p:nvSpPr>
+          <p:cNvPr id="5" name="Date Placeholder 4"/>
           <p:cNvSpPr>
             <a:spLocks noGrp="1"/>
           </p:cNvSpPr>
@@ -2385,7 +5100,7 @@
           <a:p>
             <a:fld id="{413C8F98-269A-4573-BFF3-378B2D1E4BE6}" type="datetimeFigureOut">
               <a:rPr lang="en-US" smtClean="0"/>
-              <a:t>14-Jun-19</a:t>
+              <a:t>6/16/2019</a:t>
             </a:fld>
             <a:endParaRPr lang="en-US"/>
           </a:p>
@@ -2393,13 +5108,7 @@
       </p:sp>
       <p:sp>
         <p:nvSpPr>
-          <p:cNvPr id="6" name="Footer Placeholder 5">
-            <a:extLst>
-              <a:ext uri="{FF2B5EF4-FFF2-40B4-BE49-F238E27FC236}">
-                <a16:creationId xmlns:a16="http://schemas.microsoft.com/office/drawing/2014/main" id="{C0D62B7D-E412-4895-85D2-E30DC0AB47CB}"/>
-              </a:ext>
-            </a:extLst>
-          </p:cNvPr>
+          <p:cNvPr id="6" name="Footer Placeholder 5"/>
           <p:cNvSpPr>
             <a:spLocks noGrp="1"/>
           </p:cNvSpPr>
@@ -2418,13 +5127,7 @@
       </p:sp>
       <p:sp>
         <p:nvSpPr>
-          <p:cNvPr id="7" name="Slide Number Placeholder 6">
-            <a:extLst>
-              <a:ext uri="{FF2B5EF4-FFF2-40B4-BE49-F238E27FC236}">
-                <a16:creationId xmlns:a16="http://schemas.microsoft.com/office/drawing/2014/main" id="{5215899E-3816-424A-8D02-364BB84504E6}"/>
-              </a:ext>
-            </a:extLst>
-          </p:cNvPr>
+          <p:cNvPr id="7" name="Slide Number Placeholder 6"/>
           <p:cNvSpPr>
             <a:spLocks noGrp="1"/>
           </p:cNvSpPr>
@@ -2448,7 +5151,7 @@
     </p:spTree>
     <p:extLst>
       <p:ext uri="{BB962C8B-B14F-4D97-AF65-F5344CB8AC3E}">
-        <p14:creationId xmlns:p14="http://schemas.microsoft.com/office/powerpoint/2010/main" val="1023704308"/>
+        <p14:creationId xmlns:p14="http://schemas.microsoft.com/office/powerpoint/2010/main" val="3479715177"/>
       </p:ext>
     </p:extLst>
   </p:cSld>
@@ -2477,13 +5180,7 @@
       </p:grpSpPr>
       <p:sp>
         <p:nvSpPr>
-          <p:cNvPr id="2" name="Title 1">
-            <a:extLst>
-              <a:ext uri="{FF2B5EF4-FFF2-40B4-BE49-F238E27FC236}">
-                <a16:creationId xmlns:a16="http://schemas.microsoft.com/office/drawing/2014/main" id="{C6F0CED5-F92E-4E62-8AF8-D965D57FAD7E}"/>
-              </a:ext>
-            </a:extLst>
-          </p:cNvPr>
+          <p:cNvPr id="2" name="Title 1"/>
           <p:cNvSpPr>
             <a:spLocks noGrp="1"/>
           </p:cNvSpPr>
@@ -2493,30 +5190,25 @@
         </p:nvSpPr>
         <p:spPr>
           <a:xfrm>
-            <a:off x="839788" y="365125"/>
-            <a:ext cx="10515600" cy="1325563"/>
-          </a:xfrm>
-        </p:spPr>
-        <p:txBody>
-          <a:bodyPr/>
-          <a:lstStyle/>
-          <a:p>
-            <a:r>
-              <a:rPr lang="en-US"/>
+            <a:off x="2895600" y="762000"/>
+            <a:ext cx="8610600" cy="1295400"/>
+          </a:xfrm>
+        </p:spPr>
+        <p:txBody>
+          <a:bodyPr/>
+          <a:lstStyle/>
+          <a:p>
+            <a:r>
+              <a:rPr lang="en-US" smtClean="0"/>
               <a:t>Click to edit Master title style</a:t>
             </a:r>
-          </a:p>
-        </p:txBody>
-      </p:sp>
-      <p:sp>
-        <p:nvSpPr>
-          <p:cNvPr id="3" name="Text Placeholder 2">
-            <a:extLst>
-              <a:ext uri="{FF2B5EF4-FFF2-40B4-BE49-F238E27FC236}">
-                <a16:creationId xmlns:a16="http://schemas.microsoft.com/office/drawing/2014/main" id="{45BD210B-E45E-4094-B9DB-1DC1487B5410}"/>
-              </a:ext>
-            </a:extLst>
-          </p:cNvPr>
+            <a:endParaRPr lang="en-US" dirty="0"/>
+          </a:p>
+        </p:txBody>
+      </p:sp>
+      <p:sp>
+        <p:nvSpPr>
+          <p:cNvPr id="3" name="Text Placeholder 2"/>
           <p:cNvSpPr>
             <a:spLocks noGrp="1"/>
           </p:cNvSpPr>
@@ -2526,16 +5218,22 @@
         </p:nvSpPr>
         <p:spPr>
           <a:xfrm>
-            <a:off x="839788" y="1681163"/>
-            <a:ext cx="5157787" cy="823912"/>
-          </a:xfrm>
-        </p:spPr>
-        <p:txBody>
-          <a:bodyPr anchor="b"/>
+            <a:off x="914409" y="2183802"/>
+            <a:ext cx="5079991" cy="823912"/>
+          </a:xfrm>
+        </p:spPr>
+        <p:txBody>
+          <a:bodyPr anchor="b">
+            <a:normAutofit/>
+          </a:bodyPr>
           <a:lstStyle>
             <a:lvl1pPr marL="0" indent="0">
               <a:buNone/>
-              <a:defRPr sz="2400" b="1"/>
+              <a:defRPr sz="2800" b="0">
+                <a:solidFill>
+                  <a:schemeClr val="tx1"/>
+                </a:solidFill>
+              </a:defRPr>
             </a:lvl1pPr>
             <a:lvl2pPr marL="457200" indent="0">
               <a:buNone/>
@@ -2573,7 +5271,7 @@
           <a:p>
             <a:pPr lvl="0"/>
             <a:r>
-              <a:rPr lang="en-US"/>
+              <a:rPr lang="en-US" smtClean="0"/>
               <a:t>Click to edit Master text styles</a:t>
             </a:r>
           </a:p>
@@ -2581,13 +5279,7 @@
       </p:sp>
       <p:sp>
         <p:nvSpPr>
-          <p:cNvPr id="4" name="Content Placeholder 3">
-            <a:extLst>
-              <a:ext uri="{FF2B5EF4-FFF2-40B4-BE49-F238E27FC236}">
-                <a16:creationId xmlns:a16="http://schemas.microsoft.com/office/drawing/2014/main" id="{F5C1DD1B-75C0-4206-806F-0F64D7BB0767}"/>
-              </a:ext>
-            </a:extLst>
-          </p:cNvPr>
+          <p:cNvPr id="4" name="Content Placeholder 3"/>
           <p:cNvSpPr>
             <a:spLocks noGrp="1"/>
           </p:cNvSpPr>
@@ -2597,8 +5289,8 @@
         </p:nvSpPr>
         <p:spPr>
           <a:xfrm>
-            <a:off x="839788" y="2505075"/>
-            <a:ext cx="5157787" cy="3684588"/>
+            <a:off x="685800" y="3132666"/>
+            <a:ext cx="5311775" cy="3086019"/>
           </a:xfrm>
         </p:spPr>
         <p:txBody>
@@ -2607,49 +5299,44 @@
           <a:p>
             <a:pPr lvl="0"/>
             <a:r>
-              <a:rPr lang="en-US"/>
+              <a:rPr lang="en-US" smtClean="0"/>
               <a:t>Click to edit Master text styles</a:t>
             </a:r>
           </a:p>
           <a:p>
             <a:pPr lvl="1"/>
             <a:r>
-              <a:rPr lang="en-US"/>
+              <a:rPr lang="en-US" smtClean="0"/>
               <a:t>Second level</a:t>
             </a:r>
           </a:p>
           <a:p>
             <a:pPr lvl="2"/>
             <a:r>
-              <a:rPr lang="en-US"/>
+              <a:rPr lang="en-US" smtClean="0"/>
               <a:t>Third level</a:t>
             </a:r>
           </a:p>
           <a:p>
             <a:pPr lvl="3"/>
             <a:r>
-              <a:rPr lang="en-US"/>
+              <a:rPr lang="en-US" smtClean="0"/>
               <a:t>Fourth level</a:t>
             </a:r>
           </a:p>
           <a:p>
             <a:pPr lvl="4"/>
             <a:r>
-              <a:rPr lang="en-US"/>
+              <a:rPr lang="en-US" smtClean="0"/>
               <a:t>Fifth level</a:t>
             </a:r>
-          </a:p>
-        </p:txBody>
-      </p:sp>
-      <p:sp>
-        <p:nvSpPr>
-          <p:cNvPr id="5" name="Text Placeholder 4">
-            <a:extLst>
-              <a:ext uri="{FF2B5EF4-FFF2-40B4-BE49-F238E27FC236}">
-                <a16:creationId xmlns:a16="http://schemas.microsoft.com/office/drawing/2014/main" id="{16452ACC-8D10-486A-9A60-8FDA7D958850}"/>
-              </a:ext>
-            </a:extLst>
-          </p:cNvPr>
+            <a:endParaRPr lang="en-US" dirty="0"/>
+          </a:p>
+        </p:txBody>
+      </p:sp>
+      <p:sp>
+        <p:nvSpPr>
+          <p:cNvPr id="5" name="Text Placeholder 4"/>
           <p:cNvSpPr>
             <a:spLocks noGrp="1"/>
           </p:cNvSpPr>
@@ -2659,16 +5346,22 @@
         </p:nvSpPr>
         <p:spPr>
           <a:xfrm>
-            <a:off x="6172200" y="1681163"/>
-            <a:ext cx="5183188" cy="823912"/>
-          </a:xfrm>
-        </p:spPr>
-        <p:txBody>
-          <a:bodyPr anchor="b"/>
+            <a:off x="6400800" y="2183802"/>
+            <a:ext cx="5105400" cy="823912"/>
+          </a:xfrm>
+        </p:spPr>
+        <p:txBody>
+          <a:bodyPr anchor="b">
+            <a:normAutofit/>
+          </a:bodyPr>
           <a:lstStyle>
             <a:lvl1pPr marL="0" indent="0">
               <a:buNone/>
-              <a:defRPr sz="2400" b="1"/>
+              <a:defRPr sz="2800" b="0">
+                <a:solidFill>
+                  <a:schemeClr val="tx1"/>
+                </a:solidFill>
+              </a:defRPr>
             </a:lvl1pPr>
             <a:lvl2pPr marL="457200" indent="0">
               <a:buNone/>
@@ -2706,7 +5399,7 @@
           <a:p>
             <a:pPr lvl="0"/>
             <a:r>
-              <a:rPr lang="en-US"/>
+              <a:rPr lang="en-US" smtClean="0"/>
               <a:t>Click to edit Master text styles</a:t>
             </a:r>
           </a:p>
@@ -2714,13 +5407,7 @@
       </p:sp>
       <p:sp>
         <p:nvSpPr>
-          <p:cNvPr id="6" name="Content Placeholder 5">
-            <a:extLst>
-              <a:ext uri="{FF2B5EF4-FFF2-40B4-BE49-F238E27FC236}">
-                <a16:creationId xmlns:a16="http://schemas.microsoft.com/office/drawing/2014/main" id="{F366ED2D-6EFC-4702-9E20-276FA09F6AB9}"/>
-              </a:ext>
-            </a:extLst>
-          </p:cNvPr>
+          <p:cNvPr id="6" name="Content Placeholder 5"/>
           <p:cNvSpPr>
             <a:spLocks noGrp="1"/>
           </p:cNvSpPr>
@@ -2730,8 +5417,8 @@
         </p:nvSpPr>
         <p:spPr>
           <a:xfrm>
-            <a:off x="6172200" y="2505075"/>
-            <a:ext cx="5183188" cy="3684588"/>
+            <a:off x="6172200" y="3132666"/>
+            <a:ext cx="5334000" cy="3086019"/>
           </a:xfrm>
         </p:spPr>
         <p:txBody>
@@ -2740,49 +5427,44 @@
           <a:p>
             <a:pPr lvl="0"/>
             <a:r>
-              <a:rPr lang="en-US"/>
+              <a:rPr lang="en-US" smtClean="0"/>
               <a:t>Click to edit Master text styles</a:t>
             </a:r>
           </a:p>
           <a:p>
             <a:pPr lvl="1"/>
             <a:r>
-              <a:rPr lang="en-US"/>
+              <a:rPr lang="en-US" smtClean="0"/>
               <a:t>Second level</a:t>
             </a:r>
           </a:p>
           <a:p>
             <a:pPr lvl="2"/>
             <a:r>
-              <a:rPr lang="en-US"/>
+              <a:rPr lang="en-US" smtClean="0"/>
               <a:t>Third level</a:t>
             </a:r>
           </a:p>
           <a:p>
             <a:pPr lvl="3"/>
             <a:r>
-              <a:rPr lang="en-US"/>
+              <a:rPr lang="en-US" smtClean="0"/>
               <a:t>Fourth level</a:t>
             </a:r>
           </a:p>
           <a:p>
             <a:pPr lvl="4"/>
             <a:r>
-              <a:rPr lang="en-US"/>
+              <a:rPr lang="en-US" smtClean="0"/>
               <a:t>Fifth level</a:t>
             </a:r>
-          </a:p>
-        </p:txBody>
-      </p:sp>
-      <p:sp>
-        <p:nvSpPr>
-          <p:cNvPr id="7" name="Date Placeholder 6">
-            <a:extLst>
-              <a:ext uri="{FF2B5EF4-FFF2-40B4-BE49-F238E27FC236}">
-                <a16:creationId xmlns:a16="http://schemas.microsoft.com/office/drawing/2014/main" id="{DA4A6B81-FA9D-46E8-83CE-26B21D4FBE99}"/>
-              </a:ext>
-            </a:extLst>
-          </p:cNvPr>
+            <a:endParaRPr lang="en-US" dirty="0"/>
+          </a:p>
+        </p:txBody>
+      </p:sp>
+      <p:sp>
+        <p:nvSpPr>
+          <p:cNvPr id="7" name="Date Placeholder 6"/>
           <p:cNvSpPr>
             <a:spLocks noGrp="1"/>
           </p:cNvSpPr>
@@ -2797,7 +5479,7 @@
           <a:p>
             <a:fld id="{413C8F98-269A-4573-BFF3-378B2D1E4BE6}" type="datetimeFigureOut">
               <a:rPr lang="en-US" smtClean="0"/>
-              <a:t>14-Jun-19</a:t>
+              <a:t>6/16/2019</a:t>
             </a:fld>
             <a:endParaRPr lang="en-US"/>
           </a:p>
@@ -2805,13 +5487,7 @@
       </p:sp>
       <p:sp>
         <p:nvSpPr>
-          <p:cNvPr id="8" name="Footer Placeholder 7">
-            <a:extLst>
-              <a:ext uri="{FF2B5EF4-FFF2-40B4-BE49-F238E27FC236}">
-                <a16:creationId xmlns:a16="http://schemas.microsoft.com/office/drawing/2014/main" id="{F7A388E8-E492-4681-A01B-69DA1AEC829D}"/>
-              </a:ext>
-            </a:extLst>
-          </p:cNvPr>
+          <p:cNvPr id="8" name="Footer Placeholder 7"/>
           <p:cNvSpPr>
             <a:spLocks noGrp="1"/>
           </p:cNvSpPr>
@@ -2830,13 +5506,7 @@
       </p:sp>
       <p:sp>
         <p:nvSpPr>
-          <p:cNvPr id="9" name="Slide Number Placeholder 8">
-            <a:extLst>
-              <a:ext uri="{FF2B5EF4-FFF2-40B4-BE49-F238E27FC236}">
-                <a16:creationId xmlns:a16="http://schemas.microsoft.com/office/drawing/2014/main" id="{0C92B25C-973B-4A32-910B-7067319362A0}"/>
-              </a:ext>
-            </a:extLst>
-          </p:cNvPr>
+          <p:cNvPr id="9" name="Slide Number Placeholder 8"/>
           <p:cNvSpPr>
             <a:spLocks noGrp="1"/>
           </p:cNvSpPr>
@@ -2860,7 +5530,7 @@
     </p:spTree>
     <p:extLst>
       <p:ext uri="{BB962C8B-B14F-4D97-AF65-F5344CB8AC3E}">
-        <p14:creationId xmlns:p14="http://schemas.microsoft.com/office/powerpoint/2010/main" val="4035818289"/>
+        <p14:creationId xmlns:p14="http://schemas.microsoft.com/office/powerpoint/2010/main" val="2436469414"/>
       </p:ext>
     </p:extLst>
   </p:cSld>
@@ -2889,13 +5559,7 @@
       </p:grpSpPr>
       <p:sp>
         <p:nvSpPr>
-          <p:cNvPr id="2" name="Title 1">
-            <a:extLst>
-              <a:ext uri="{FF2B5EF4-FFF2-40B4-BE49-F238E27FC236}">
-                <a16:creationId xmlns:a16="http://schemas.microsoft.com/office/drawing/2014/main" id="{06C12855-DCCF-40B5-BAA3-F1C4AB09DFCE}"/>
-              </a:ext>
-            </a:extLst>
-          </p:cNvPr>
+          <p:cNvPr id="2" name="Title 1"/>
           <p:cNvSpPr>
             <a:spLocks noGrp="1"/>
           </p:cNvSpPr>
@@ -2909,21 +5573,16 @@
           <a:lstStyle/>
           <a:p>
             <a:r>
-              <a:rPr lang="en-US"/>
+              <a:rPr lang="en-US" smtClean="0"/>
               <a:t>Click to edit Master title style</a:t>
             </a:r>
-          </a:p>
-        </p:txBody>
-      </p:sp>
-      <p:sp>
-        <p:nvSpPr>
-          <p:cNvPr id="3" name="Date Placeholder 2">
-            <a:extLst>
-              <a:ext uri="{FF2B5EF4-FFF2-40B4-BE49-F238E27FC236}">
-                <a16:creationId xmlns:a16="http://schemas.microsoft.com/office/drawing/2014/main" id="{C90512E8-DFE5-4213-999C-A32C9830C415}"/>
-              </a:ext>
-            </a:extLst>
-          </p:cNvPr>
+            <a:endParaRPr lang="en-US" dirty="0"/>
+          </a:p>
+        </p:txBody>
+      </p:sp>
+      <p:sp>
+        <p:nvSpPr>
+          <p:cNvPr id="3" name="Date Placeholder 2"/>
           <p:cNvSpPr>
             <a:spLocks noGrp="1"/>
           </p:cNvSpPr>
@@ -2938,7 +5597,7 @@
           <a:p>
             <a:fld id="{413C8F98-269A-4573-BFF3-378B2D1E4BE6}" type="datetimeFigureOut">
               <a:rPr lang="en-US" smtClean="0"/>
-              <a:t>14-Jun-19</a:t>
+              <a:t>6/16/2019</a:t>
             </a:fld>
             <a:endParaRPr lang="en-US"/>
           </a:p>
@@ -2946,13 +5605,7 @@
       </p:sp>
       <p:sp>
         <p:nvSpPr>
-          <p:cNvPr id="4" name="Footer Placeholder 3">
-            <a:extLst>
-              <a:ext uri="{FF2B5EF4-FFF2-40B4-BE49-F238E27FC236}">
-                <a16:creationId xmlns:a16="http://schemas.microsoft.com/office/drawing/2014/main" id="{35DB9298-2C9A-4A76-85D1-0C3FB6E7E712}"/>
-              </a:ext>
-            </a:extLst>
-          </p:cNvPr>
+          <p:cNvPr id="4" name="Footer Placeholder 3"/>
           <p:cNvSpPr>
             <a:spLocks noGrp="1"/>
           </p:cNvSpPr>
@@ -2971,13 +5624,7 @@
       </p:sp>
       <p:sp>
         <p:nvSpPr>
-          <p:cNvPr id="5" name="Slide Number Placeholder 4">
-            <a:extLst>
-              <a:ext uri="{FF2B5EF4-FFF2-40B4-BE49-F238E27FC236}">
-                <a16:creationId xmlns:a16="http://schemas.microsoft.com/office/drawing/2014/main" id="{A33EE09C-2FAA-48A7-A42C-523D8153F7D4}"/>
-              </a:ext>
-            </a:extLst>
-          </p:cNvPr>
+          <p:cNvPr id="5" name="Slide Number Placeholder 4"/>
           <p:cNvSpPr>
             <a:spLocks noGrp="1"/>
           </p:cNvSpPr>
@@ -3001,7 +5648,7 @@
     </p:spTree>
     <p:extLst>
       <p:ext uri="{BB962C8B-B14F-4D97-AF65-F5344CB8AC3E}">
-        <p14:creationId xmlns:p14="http://schemas.microsoft.com/office/powerpoint/2010/main" val="2637163188"/>
+        <p14:creationId xmlns:p14="http://schemas.microsoft.com/office/powerpoint/2010/main" val="2419048993"/>
       </p:ext>
     </p:extLst>
   </p:cSld>
@@ -3030,13 +5677,7 @@
       </p:grpSpPr>
       <p:sp>
         <p:nvSpPr>
-          <p:cNvPr id="2" name="Date Placeholder 1">
-            <a:extLst>
-              <a:ext uri="{FF2B5EF4-FFF2-40B4-BE49-F238E27FC236}">
-                <a16:creationId xmlns:a16="http://schemas.microsoft.com/office/drawing/2014/main" id="{88531916-286F-4233-96F6-E060B329927C}"/>
-              </a:ext>
-            </a:extLst>
-          </p:cNvPr>
+          <p:cNvPr id="2" name="Date Placeholder 1"/>
           <p:cNvSpPr>
             <a:spLocks noGrp="1"/>
           </p:cNvSpPr>
@@ -3051,7 +5692,7 @@
           <a:p>
             <a:fld id="{413C8F98-269A-4573-BFF3-378B2D1E4BE6}" type="datetimeFigureOut">
               <a:rPr lang="en-US" smtClean="0"/>
-              <a:t>14-Jun-19</a:t>
+              <a:t>6/16/2019</a:t>
             </a:fld>
             <a:endParaRPr lang="en-US"/>
           </a:p>
@@ -3059,13 +5700,7 @@
       </p:sp>
       <p:sp>
         <p:nvSpPr>
-          <p:cNvPr id="3" name="Footer Placeholder 2">
-            <a:extLst>
-              <a:ext uri="{FF2B5EF4-FFF2-40B4-BE49-F238E27FC236}">
-                <a16:creationId xmlns:a16="http://schemas.microsoft.com/office/drawing/2014/main" id="{25568278-80E7-4FE6-A5E3-668FBD57B1B7}"/>
-              </a:ext>
-            </a:extLst>
-          </p:cNvPr>
+          <p:cNvPr id="3" name="Footer Placeholder 2"/>
           <p:cNvSpPr>
             <a:spLocks noGrp="1"/>
           </p:cNvSpPr>
@@ -3084,13 +5719,7 @@
       </p:sp>
       <p:sp>
         <p:nvSpPr>
-          <p:cNvPr id="4" name="Slide Number Placeholder 3">
-            <a:extLst>
-              <a:ext uri="{FF2B5EF4-FFF2-40B4-BE49-F238E27FC236}">
-                <a16:creationId xmlns:a16="http://schemas.microsoft.com/office/drawing/2014/main" id="{FF546D8B-8B5D-432B-913B-7EDF7860253A}"/>
-              </a:ext>
-            </a:extLst>
-          </p:cNvPr>
+          <p:cNvPr id="4" name="Slide Number Placeholder 3"/>
           <p:cNvSpPr>
             <a:spLocks noGrp="1"/>
           </p:cNvSpPr>
@@ -3114,7 +5743,7 @@
     </p:spTree>
     <p:extLst>
       <p:ext uri="{BB962C8B-B14F-4D97-AF65-F5344CB8AC3E}">
-        <p14:creationId xmlns:p14="http://schemas.microsoft.com/office/powerpoint/2010/main" val="107683507"/>
+        <p14:creationId xmlns:p14="http://schemas.microsoft.com/office/powerpoint/2010/main" val="243648735"/>
       </p:ext>
     </p:extLst>
   </p:cSld>
@@ -3143,13 +5772,7 @@
       </p:grpSpPr>
       <p:sp>
         <p:nvSpPr>
-          <p:cNvPr id="2" name="Title 1">
-            <a:extLst>
-              <a:ext uri="{FF2B5EF4-FFF2-40B4-BE49-F238E27FC236}">
-                <a16:creationId xmlns:a16="http://schemas.microsoft.com/office/drawing/2014/main" id="{8DFD8585-2B8E-4445-A49F-0003DF15DC28}"/>
-              </a:ext>
-            </a:extLst>
-          </p:cNvPr>
+          <p:cNvPr id="2" name="Title 1"/>
           <p:cNvSpPr>
             <a:spLocks noGrp="1"/>
           </p:cNvSpPr>
@@ -3159,34 +5782,29 @@
         </p:nvSpPr>
         <p:spPr>
           <a:xfrm>
-            <a:off x="839788" y="457200"/>
-            <a:ext cx="3932237" cy="1600200"/>
+            <a:off x="685800" y="1524000"/>
+            <a:ext cx="4114800" cy="1600200"/>
           </a:xfrm>
         </p:spPr>
         <p:txBody>
           <a:bodyPr anchor="b"/>
           <a:lstStyle>
-            <a:lvl1pPr>
+            <a:lvl1pPr algn="l">
               <a:defRPr sz="3200"/>
             </a:lvl1pPr>
           </a:lstStyle>
           <a:p>
             <a:r>
-              <a:rPr lang="en-US"/>
+              <a:rPr lang="en-US" smtClean="0"/>
               <a:t>Click to edit Master title style</a:t>
             </a:r>
-          </a:p>
-        </p:txBody>
-      </p:sp>
-      <p:sp>
-        <p:nvSpPr>
-          <p:cNvPr id="3" name="Content Placeholder 2">
-            <a:extLst>
-              <a:ext uri="{FF2B5EF4-FFF2-40B4-BE49-F238E27FC236}">
-                <a16:creationId xmlns:a16="http://schemas.microsoft.com/office/drawing/2014/main" id="{829DF77A-EF27-4F25-9213-0FA06C6B69C1}"/>
-              </a:ext>
-            </a:extLst>
-          </p:cNvPr>
+            <a:endParaRPr lang="en-US" dirty="0"/>
+          </a:p>
+        </p:txBody>
+      </p:sp>
+      <p:sp>
+        <p:nvSpPr>
+          <p:cNvPr id="3" name="Content Placeholder 2"/>
           <p:cNvSpPr>
             <a:spLocks noGrp="1"/>
           </p:cNvSpPr>
@@ -3196,87 +5814,54 @@
         </p:nvSpPr>
         <p:spPr>
           <a:xfrm>
-            <a:off x="5183188" y="987425"/>
-            <a:ext cx="6172200" cy="4873625"/>
-          </a:xfrm>
-        </p:spPr>
-        <p:txBody>
-          <a:bodyPr/>
-          <a:lstStyle>
-            <a:lvl1pPr>
-              <a:defRPr sz="3200"/>
-            </a:lvl1pPr>
-            <a:lvl2pPr>
-              <a:defRPr sz="2800"/>
-            </a:lvl2pPr>
-            <a:lvl3pPr>
-              <a:defRPr sz="2400"/>
-            </a:lvl3pPr>
-            <a:lvl4pPr>
-              <a:defRPr sz="2000"/>
-            </a:lvl4pPr>
-            <a:lvl5pPr>
-              <a:defRPr sz="2000"/>
-            </a:lvl5pPr>
-            <a:lvl6pPr>
-              <a:defRPr sz="2000"/>
-            </a:lvl6pPr>
-            <a:lvl7pPr>
-              <a:defRPr sz="2000"/>
-            </a:lvl7pPr>
-            <a:lvl8pPr>
-              <a:defRPr sz="2000"/>
-            </a:lvl8pPr>
-            <a:lvl9pPr>
-              <a:defRPr sz="2000"/>
-            </a:lvl9pPr>
-          </a:lstStyle>
+            <a:off x="4995582" y="746759"/>
+            <a:ext cx="6510618" cy="5471925"/>
+          </a:xfrm>
+        </p:spPr>
+        <p:txBody>
+          <a:bodyPr anchor="ctr"/>
+          <a:lstStyle/>
           <a:p>
             <a:pPr lvl="0"/>
             <a:r>
-              <a:rPr lang="en-US"/>
+              <a:rPr lang="en-US" smtClean="0"/>
               <a:t>Click to edit Master text styles</a:t>
             </a:r>
           </a:p>
           <a:p>
             <a:pPr lvl="1"/>
             <a:r>
-              <a:rPr lang="en-US"/>
+              <a:rPr lang="en-US" smtClean="0"/>
               <a:t>Second level</a:t>
             </a:r>
           </a:p>
           <a:p>
             <a:pPr lvl="2"/>
             <a:r>
-              <a:rPr lang="en-US"/>
+              <a:rPr lang="en-US" smtClean="0"/>
               <a:t>Third level</a:t>
             </a:r>
           </a:p>
           <a:p>
             <a:pPr lvl="3"/>
             <a:r>
-              <a:rPr lang="en-US"/>
+              <a:rPr lang="en-US" smtClean="0"/>
               <a:t>Fourth level</a:t>
             </a:r>
           </a:p>
           <a:p>
             <a:pPr lvl="4"/>
             <a:r>
-              <a:rPr lang="en-US"/>
+              <a:rPr lang="en-US" smtClean="0"/>
               <a:t>Fifth level</a:t>
             </a:r>
-          </a:p>
-        </p:txBody>
-      </p:sp>
-      <p:sp>
-        <p:nvSpPr>
-          <p:cNvPr id="4" name="Text Placeholder 3">
-            <a:extLst>
-              <a:ext uri="{FF2B5EF4-FFF2-40B4-BE49-F238E27FC236}">
-                <a16:creationId xmlns:a16="http://schemas.microsoft.com/office/drawing/2014/main" id="{AD65C8CC-D958-4AA4-8688-8FF5AE48BE66}"/>
-              </a:ext>
-            </a:extLst>
-          </p:cNvPr>
+            <a:endParaRPr lang="en-US" dirty="0"/>
+          </a:p>
+        </p:txBody>
+      </p:sp>
+      <p:sp>
+        <p:nvSpPr>
+          <p:cNvPr id="4" name="Text Placeholder 3"/>
           <p:cNvSpPr>
             <a:spLocks noGrp="1"/>
           </p:cNvSpPr>
@@ -3286,8 +5871,8 @@
         </p:nvSpPr>
         <p:spPr>
           <a:xfrm>
-            <a:off x="839788" y="2057400"/>
-            <a:ext cx="3932237" cy="3811588"/>
+            <a:off x="685800" y="3124199"/>
+            <a:ext cx="4114800" cy="3094485"/>
           </a:xfrm>
         </p:spPr>
         <p:txBody>
@@ -3333,7 +5918,7 @@
           <a:p>
             <a:pPr lvl="0"/>
             <a:r>
-              <a:rPr lang="en-US"/>
+              <a:rPr lang="en-US" smtClean="0"/>
               <a:t>Click to edit Master text styles</a:t>
             </a:r>
           </a:p>
@@ -3341,13 +5926,7 @@
       </p:sp>
       <p:sp>
         <p:nvSpPr>
-          <p:cNvPr id="5" name="Date Placeholder 4">
-            <a:extLst>
-              <a:ext uri="{FF2B5EF4-FFF2-40B4-BE49-F238E27FC236}">
-                <a16:creationId xmlns:a16="http://schemas.microsoft.com/office/drawing/2014/main" id="{B881EE55-AD98-480F-AD1D-9AA9762FECAB}"/>
-              </a:ext>
-            </a:extLst>
-          </p:cNvPr>
+          <p:cNvPr id="5" name="Date Placeholder 4"/>
           <p:cNvSpPr>
             <a:spLocks noGrp="1"/>
           </p:cNvSpPr>
@@ -3362,7 +5941,7 @@
           <a:p>
             <a:fld id="{413C8F98-269A-4573-BFF3-378B2D1E4BE6}" type="datetimeFigureOut">
               <a:rPr lang="en-US" smtClean="0"/>
-              <a:t>14-Jun-19</a:t>
+              <a:t>6/16/2019</a:t>
             </a:fld>
             <a:endParaRPr lang="en-US"/>
           </a:p>
@@ -3370,13 +5949,7 @@
       </p:sp>
       <p:sp>
         <p:nvSpPr>
-          <p:cNvPr id="6" name="Footer Placeholder 5">
-            <a:extLst>
-              <a:ext uri="{FF2B5EF4-FFF2-40B4-BE49-F238E27FC236}">
-                <a16:creationId xmlns:a16="http://schemas.microsoft.com/office/drawing/2014/main" id="{8251E40B-3A5A-4688-AC29-94EA063E19E7}"/>
-              </a:ext>
-            </a:extLst>
-          </p:cNvPr>
+          <p:cNvPr id="6" name="Footer Placeholder 5"/>
           <p:cNvSpPr>
             <a:spLocks noGrp="1"/>
           </p:cNvSpPr>
@@ -3395,13 +5968,7 @@
       </p:sp>
       <p:sp>
         <p:nvSpPr>
-          <p:cNvPr id="7" name="Slide Number Placeholder 6">
-            <a:extLst>
-              <a:ext uri="{FF2B5EF4-FFF2-40B4-BE49-F238E27FC236}">
-                <a16:creationId xmlns:a16="http://schemas.microsoft.com/office/drawing/2014/main" id="{4ECC4C14-D372-4F96-98A8-3E1A319A6C53}"/>
-              </a:ext>
-            </a:extLst>
-          </p:cNvPr>
+          <p:cNvPr id="7" name="Slide Number Placeholder 6"/>
           <p:cNvSpPr>
             <a:spLocks noGrp="1"/>
           </p:cNvSpPr>
@@ -3425,7 +5992,7 @@
     </p:spTree>
     <p:extLst>
       <p:ext uri="{BB962C8B-B14F-4D97-AF65-F5344CB8AC3E}">
-        <p14:creationId xmlns:p14="http://schemas.microsoft.com/office/powerpoint/2010/main" val="2914212143"/>
+        <p14:creationId xmlns:p14="http://schemas.microsoft.com/office/powerpoint/2010/main" val="2897505533"/>
       </p:ext>
     </p:extLst>
   </p:cSld>
@@ -3454,13 +6021,7 @@
       </p:grpSpPr>
       <p:sp>
         <p:nvSpPr>
-          <p:cNvPr id="2" name="Title 1">
-            <a:extLst>
-              <a:ext uri="{FF2B5EF4-FFF2-40B4-BE49-F238E27FC236}">
-                <a16:creationId xmlns:a16="http://schemas.microsoft.com/office/drawing/2014/main" id="{A305FAF7-6C10-4CA0-9DE2-7A7224CCC516}"/>
-              </a:ext>
-            </a:extLst>
-          </p:cNvPr>
+          <p:cNvPr id="2" name="Title 1"/>
           <p:cNvSpPr>
             <a:spLocks noGrp="1"/>
           </p:cNvSpPr>
@@ -3470,36 +6031,31 @@
         </p:nvSpPr>
         <p:spPr>
           <a:xfrm>
-            <a:off x="839788" y="457200"/>
-            <a:ext cx="3932237" cy="1600200"/>
+            <a:off x="685800" y="1524000"/>
+            <a:ext cx="6873240" cy="1600200"/>
           </a:xfrm>
         </p:spPr>
         <p:txBody>
           <a:bodyPr anchor="b"/>
           <a:lstStyle>
-            <a:lvl1pPr>
+            <a:lvl1pPr algn="l">
               <a:defRPr sz="3200"/>
             </a:lvl1pPr>
           </a:lstStyle>
           <a:p>
             <a:r>
-              <a:rPr lang="en-US"/>
+              <a:rPr lang="en-US" smtClean="0"/>
               <a:t>Click to edit Master title style</a:t>
             </a:r>
-          </a:p>
-        </p:txBody>
-      </p:sp>
-      <p:sp>
-        <p:nvSpPr>
-          <p:cNvPr id="3" name="Picture Placeholder 2">
-            <a:extLst>
-              <a:ext uri="{FF2B5EF4-FFF2-40B4-BE49-F238E27FC236}">
-                <a16:creationId xmlns:a16="http://schemas.microsoft.com/office/drawing/2014/main" id="{69E57E28-F350-43C4-B371-E75F0CD16FA5}"/>
-              </a:ext>
-            </a:extLst>
-          </p:cNvPr>
-          <p:cNvSpPr>
-            <a:spLocks noGrp="1"/>
+            <a:endParaRPr lang="en-US" dirty="0"/>
+          </a:p>
+        </p:txBody>
+      </p:sp>
+      <p:sp>
+        <p:nvSpPr>
+          <p:cNvPr id="3" name="Picture Placeholder 2"/>
+          <p:cNvSpPr>
+            <a:spLocks noGrp="1" noChangeAspect="1"/>
           </p:cNvSpPr>
           <p:nvPr>
             <p:ph type="pic" idx="1"/>
@@ -3507,12 +6063,12 @@
         </p:nvSpPr>
         <p:spPr>
           <a:xfrm>
-            <a:off x="5183188" y="987425"/>
-            <a:ext cx="6172200" cy="4873625"/>
-          </a:xfrm>
-        </p:spPr>
-        <p:txBody>
-          <a:bodyPr/>
+            <a:off x="7861238" y="751241"/>
+            <a:ext cx="3644962" cy="5467443"/>
+          </a:xfrm>
+        </p:spPr>
+        <p:txBody>
+          <a:bodyPr anchor="t"/>
           <a:lstStyle>
             <a:lvl1pPr marL="0" indent="0">
               <a:buNone/>
@@ -3552,19 +6108,17 @@
             </a:lvl9pPr>
           </a:lstStyle>
           <a:p>
-            <a:endParaRPr lang="en-US"/>
-          </a:p>
-        </p:txBody>
-      </p:sp>
-      <p:sp>
-        <p:nvSpPr>
-          <p:cNvPr id="4" name="Text Placeholder 3">
-            <a:extLst>
-              <a:ext uri="{FF2B5EF4-FFF2-40B4-BE49-F238E27FC236}">
-                <a16:creationId xmlns:a16="http://schemas.microsoft.com/office/drawing/2014/main" id="{93849F1B-D77E-498B-AE2A-40B9BDD5D190}"/>
-              </a:ext>
-            </a:extLst>
-          </p:cNvPr>
+            <a:r>
+              <a:rPr lang="en-US" smtClean="0"/>
+              <a:t>Click icon to add picture</a:t>
+            </a:r>
+            <a:endParaRPr lang="en-US" dirty="0"/>
+          </a:p>
+        </p:txBody>
+      </p:sp>
+      <p:sp>
+        <p:nvSpPr>
+          <p:cNvPr id="4" name="Text Placeholder 3"/>
           <p:cNvSpPr>
             <a:spLocks noGrp="1"/>
           </p:cNvSpPr>
@@ -3574,8 +6128,8 @@
         </p:nvSpPr>
         <p:spPr>
           <a:xfrm>
-            <a:off x="839788" y="2057400"/>
-            <a:ext cx="3932237" cy="3811588"/>
+            <a:off x="685800" y="3124199"/>
+            <a:ext cx="6873240" cy="3094485"/>
           </a:xfrm>
         </p:spPr>
         <p:txBody>
@@ -3621,7 +6175,7 @@
           <a:p>
             <a:pPr lvl="0"/>
             <a:r>
-              <a:rPr lang="en-US"/>
+              <a:rPr lang="en-US" smtClean="0"/>
               <a:t>Click to edit Master text styles</a:t>
             </a:r>
           </a:p>
@@ -3629,13 +6183,7 @@
       </p:sp>
       <p:sp>
         <p:nvSpPr>
-          <p:cNvPr id="5" name="Date Placeholder 4">
-            <a:extLst>
-              <a:ext uri="{FF2B5EF4-FFF2-40B4-BE49-F238E27FC236}">
-                <a16:creationId xmlns:a16="http://schemas.microsoft.com/office/drawing/2014/main" id="{A0322688-87EA-44CC-B2E3-0B2230689D04}"/>
-              </a:ext>
-            </a:extLst>
-          </p:cNvPr>
+          <p:cNvPr id="5" name="Date Placeholder 4"/>
           <p:cNvSpPr>
             <a:spLocks noGrp="1"/>
           </p:cNvSpPr>
@@ -3650,7 +6198,7 @@
           <a:p>
             <a:fld id="{413C8F98-269A-4573-BFF3-378B2D1E4BE6}" type="datetimeFigureOut">
               <a:rPr lang="en-US" smtClean="0"/>
-              <a:t>14-Jun-19</a:t>
+              <a:t>6/16/2019</a:t>
             </a:fld>
             <a:endParaRPr lang="en-US"/>
           </a:p>
@@ -3658,13 +6206,7 @@
       </p:sp>
       <p:sp>
         <p:nvSpPr>
-          <p:cNvPr id="6" name="Footer Placeholder 5">
-            <a:extLst>
-              <a:ext uri="{FF2B5EF4-FFF2-40B4-BE49-F238E27FC236}">
-                <a16:creationId xmlns:a16="http://schemas.microsoft.com/office/drawing/2014/main" id="{8D8FEC58-0E91-4686-BABB-5C1408F112E2}"/>
-              </a:ext>
-            </a:extLst>
-          </p:cNvPr>
+          <p:cNvPr id="6" name="Footer Placeholder 5"/>
           <p:cNvSpPr>
             <a:spLocks noGrp="1"/>
           </p:cNvSpPr>
@@ -3683,13 +6225,7 @@
       </p:sp>
       <p:sp>
         <p:nvSpPr>
-          <p:cNvPr id="7" name="Slide Number Placeholder 6">
-            <a:extLst>
-              <a:ext uri="{FF2B5EF4-FFF2-40B4-BE49-F238E27FC236}">
-                <a16:creationId xmlns:a16="http://schemas.microsoft.com/office/drawing/2014/main" id="{324F7875-CAE1-4E1B-8432-7B86B43A222F}"/>
-              </a:ext>
-            </a:extLst>
-          </p:cNvPr>
+          <p:cNvPr id="7" name="Slide Number Placeholder 6"/>
           <p:cNvSpPr>
             <a:spLocks noGrp="1"/>
           </p:cNvSpPr>
@@ -3713,7 +6249,7 @@
     </p:spTree>
     <p:extLst>
       <p:ext uri="{BB962C8B-B14F-4D97-AF65-F5344CB8AC3E}">
-        <p14:creationId xmlns:p14="http://schemas.microsoft.com/office/powerpoint/2010/main" val="3706919176"/>
+        <p14:creationId xmlns:p14="http://schemas.microsoft.com/office/powerpoint/2010/main" val="1811150919"/>
       </p:ext>
     </p:extLst>
   </p:cSld>
@@ -3745,31 +6281,55 @@
           <a:chExt cx="0" cy="0"/>
         </a:xfrm>
       </p:grpSpPr>
-      <p:sp>
-        <p:nvSpPr>
-          <p:cNvPr id="2" name="Title Placeholder 1">
+      <p:pic>
+        <p:nvPicPr>
+          <p:cNvPr id="8" name="Picture 7" descr="C1-HD-TOP.png"/>
+          <p:cNvPicPr>
+            <a:picLocks noChangeAspect="1"/>
+          </p:cNvPicPr>
+          <p:nvPr/>
+        </p:nvPicPr>
+        <p:blipFill>
+          <a:blip r:embed="rId19">
             <a:extLst>
-              <a:ext uri="{FF2B5EF4-FFF2-40B4-BE49-F238E27FC236}">
-                <a16:creationId xmlns:a16="http://schemas.microsoft.com/office/drawing/2014/main" id="{3A8D26D4-8816-410C-9E15-22C412CDFF34}"/>
+              <a:ext uri="{28A0092B-C50C-407E-A947-70E740481C1C}">
+                <a14:useLocalDpi xmlns:a14="http://schemas.microsoft.com/office/drawing/2010/main" val="0"/>
               </a:ext>
             </a:extLst>
-          </p:cNvPr>
-          <p:cNvSpPr>
-            <a:spLocks noGrp="1"/>
-          </p:cNvSpPr>
-          <p:nvPr>
-            <p:ph type="title"/>
-          </p:nvPr>
-        </p:nvSpPr>
-        <p:spPr>
-          <a:xfrm>
-            <a:off x="838200" y="365125"/>
-            <a:ext cx="10515600" cy="1325563"/>
+          </a:blip>
+          <a:stretch>
+            <a:fillRect/>
+          </a:stretch>
+        </p:blipFill>
+        <p:spPr>
+          <a:xfrm>
+            <a:off x="0" y="0"/>
+            <a:ext cx="12192000" cy="1441450"/>
           </a:xfrm>
           <a:prstGeom prst="rect">
             <a:avLst/>
           </a:prstGeom>
         </p:spPr>
+      </p:pic>
+      <p:sp>
+        <p:nvSpPr>
+          <p:cNvPr id="2" name="Title Placeholder 1"/>
+          <p:cNvSpPr>
+            <a:spLocks noGrp="1"/>
+          </p:cNvSpPr>
+          <p:nvPr>
+            <p:ph type="title"/>
+          </p:nvPr>
+        </p:nvSpPr>
+        <p:spPr>
+          <a:xfrm>
+            <a:off x="2895600" y="764373"/>
+            <a:ext cx="8610600" cy="1293028"/>
+          </a:xfrm>
+          <a:prstGeom prst="rect">
+            <a:avLst/>
+          </a:prstGeom>
+        </p:spPr>
         <p:txBody>
           <a:bodyPr vert="horz" lIns="91440" tIns="45720" rIns="91440" bIns="45720" rtlCol="0" anchor="ctr">
             <a:normAutofit/>
@@ -3777,21 +6337,16 @@
           <a:lstStyle/>
           <a:p>
             <a:r>
-              <a:rPr lang="en-US"/>
+              <a:rPr lang="en-US" smtClean="0"/>
               <a:t>Click to edit Master title style</a:t>
             </a:r>
-          </a:p>
-        </p:txBody>
-      </p:sp>
-      <p:sp>
-        <p:nvSpPr>
-          <p:cNvPr id="3" name="Text Placeholder 2">
-            <a:extLst>
-              <a:ext uri="{FF2B5EF4-FFF2-40B4-BE49-F238E27FC236}">
-                <a16:creationId xmlns:a16="http://schemas.microsoft.com/office/drawing/2014/main" id="{C17D4812-A192-4752-B901-267D7A741B16}"/>
-              </a:ext>
-            </a:extLst>
-          </p:cNvPr>
+            <a:endParaRPr lang="en-US" dirty="0"/>
+          </a:p>
+        </p:txBody>
+      </p:sp>
+      <p:sp>
+        <p:nvSpPr>
+          <p:cNvPr id="3" name="Text Placeholder 2"/>
           <p:cNvSpPr>
             <a:spLocks noGrp="1"/>
           </p:cNvSpPr>
@@ -3801,8 +6356,8 @@
         </p:nvSpPr>
         <p:spPr>
           <a:xfrm>
-            <a:off x="838200" y="1825625"/>
-            <a:ext cx="10515600" cy="4351338"/>
+            <a:off x="685800" y="2194560"/>
+            <a:ext cx="10820400" cy="4024125"/>
           </a:xfrm>
           <a:prstGeom prst="rect">
             <a:avLst/>
@@ -3816,49 +6371,44 @@
           <a:p>
             <a:pPr lvl="0"/>
             <a:r>
-              <a:rPr lang="en-US"/>
+              <a:rPr lang="en-US" smtClean="0"/>
               <a:t>Click to edit Master text styles</a:t>
             </a:r>
           </a:p>
           <a:p>
             <a:pPr lvl="1"/>
             <a:r>
-              <a:rPr lang="en-US"/>
+              <a:rPr lang="en-US" smtClean="0"/>
               <a:t>Second level</a:t>
             </a:r>
           </a:p>
           <a:p>
             <a:pPr lvl="2"/>
             <a:r>
-              <a:rPr lang="en-US"/>
+              <a:rPr lang="en-US" smtClean="0"/>
               <a:t>Third level</a:t>
             </a:r>
           </a:p>
           <a:p>
             <a:pPr lvl="3"/>
             <a:r>
-              <a:rPr lang="en-US"/>
+              <a:rPr lang="en-US" smtClean="0"/>
               <a:t>Fourth level</a:t>
             </a:r>
           </a:p>
           <a:p>
             <a:pPr lvl="4"/>
             <a:r>
-              <a:rPr lang="en-US"/>
+              <a:rPr lang="en-US" smtClean="0"/>
               <a:t>Fifth level</a:t>
             </a:r>
-          </a:p>
-        </p:txBody>
-      </p:sp>
-      <p:sp>
-        <p:nvSpPr>
-          <p:cNvPr id="4" name="Date Placeholder 3">
-            <a:extLst>
-              <a:ext uri="{FF2B5EF4-FFF2-40B4-BE49-F238E27FC236}">
-                <a16:creationId xmlns:a16="http://schemas.microsoft.com/office/drawing/2014/main" id="{6AD90841-3507-48E3-AAEA-DF8D4978DA34}"/>
-              </a:ext>
-            </a:extLst>
-          </p:cNvPr>
+            <a:endParaRPr lang="en-US" dirty="0"/>
+          </a:p>
+        </p:txBody>
+      </p:sp>
+      <p:sp>
+        <p:nvSpPr>
+          <p:cNvPr id="4" name="Date Placeholder 3"/>
           <p:cNvSpPr>
             <a:spLocks noGrp="1"/>
           </p:cNvSpPr>
@@ -3868,8 +6418,8 @@
         </p:nvSpPr>
         <p:spPr>
           <a:xfrm>
-            <a:off x="838200" y="6356350"/>
-            <a:ext cx="2743200" cy="365125"/>
+            <a:off x="8595360" y="6356350"/>
+            <a:ext cx="2910840" cy="365125"/>
           </a:xfrm>
           <a:prstGeom prst="rect">
             <a:avLst/>
@@ -3878,8 +6428,8 @@
         <p:txBody>
           <a:bodyPr vert="horz" lIns="91440" tIns="45720" rIns="91440" bIns="45720" rtlCol="0" anchor="ctr"/>
           <a:lstStyle>
-            <a:lvl1pPr algn="l">
-              <a:defRPr sz="1200">
+            <a:lvl1pPr algn="r">
+              <a:defRPr sz="1050">
                 <a:solidFill>
                   <a:schemeClr val="tx1">
                     <a:tint val="75000"/>
@@ -3891,7 +6441,7 @@
           <a:p>
             <a:fld id="{413C8F98-269A-4573-BFF3-378B2D1E4BE6}" type="datetimeFigureOut">
               <a:rPr lang="en-US" smtClean="0"/>
-              <a:t>14-Jun-19</a:t>
+              <a:t>6/16/2019</a:t>
             </a:fld>
             <a:endParaRPr lang="en-US"/>
           </a:p>
@@ -3899,13 +6449,7 @@
       </p:sp>
       <p:sp>
         <p:nvSpPr>
-          <p:cNvPr id="5" name="Footer Placeholder 4">
-            <a:extLst>
-              <a:ext uri="{FF2B5EF4-FFF2-40B4-BE49-F238E27FC236}">
-                <a16:creationId xmlns:a16="http://schemas.microsoft.com/office/drawing/2014/main" id="{2038497A-F974-487C-B77A-134D3ED81B60}"/>
-              </a:ext>
-            </a:extLst>
-          </p:cNvPr>
+          <p:cNvPr id="5" name="Footer Placeholder 4"/>
           <p:cNvSpPr>
             <a:spLocks noGrp="1"/>
           </p:cNvSpPr>
@@ -3915,8 +6459,8 @@
         </p:nvSpPr>
         <p:spPr>
           <a:xfrm>
-            <a:off x="4038600" y="6356350"/>
-            <a:ext cx="4114800" cy="365125"/>
+            <a:off x="685800" y="6355845"/>
+            <a:ext cx="7772400" cy="365125"/>
           </a:xfrm>
           <a:prstGeom prst="rect">
             <a:avLst/>
@@ -3925,8 +6469,8 @@
         <p:txBody>
           <a:bodyPr vert="horz" lIns="91440" tIns="45720" rIns="91440" bIns="45720" rtlCol="0" anchor="ctr"/>
           <a:lstStyle>
-            <a:lvl1pPr algn="ctr">
-              <a:defRPr sz="1200">
+            <a:lvl1pPr algn="l">
+              <a:defRPr sz="1050">
                 <a:solidFill>
                   <a:schemeClr val="tx1">
                     <a:tint val="75000"/>
@@ -3942,13 +6486,7 @@
       </p:sp>
       <p:sp>
         <p:nvSpPr>
-          <p:cNvPr id="6" name="Slide Number Placeholder 5">
-            <a:extLst>
-              <a:ext uri="{FF2B5EF4-FFF2-40B4-BE49-F238E27FC236}">
-                <a16:creationId xmlns:a16="http://schemas.microsoft.com/office/drawing/2014/main" id="{9A2AD377-8D16-4FD9-AD85-B36F91EBB125}"/>
-              </a:ext>
-            </a:extLst>
-          </p:cNvPr>
+          <p:cNvPr id="6" name="Slide Number Placeholder 5"/>
           <p:cNvSpPr>
             <a:spLocks noGrp="1"/>
           </p:cNvSpPr>
@@ -3958,7 +6496,7 @@
         </p:nvSpPr>
         <p:spPr>
           <a:xfrm>
-            <a:off x="8610600" y="6356350"/>
+            <a:off x="8763000" y="381000"/>
             <a:ext cx="2743200" cy="365125"/>
           </a:xfrm>
           <a:prstGeom prst="rect">
@@ -3969,7 +6507,7 @@
           <a:bodyPr vert="horz" lIns="91440" tIns="45720" rIns="91440" bIns="45720" rtlCol="0" anchor="ctr"/>
           <a:lstStyle>
             <a:lvl1pPr algn="r">
-              <a:defRPr sz="1200">
+              <a:defRPr sz="1050">
                 <a:solidFill>
                   <a:schemeClr val="tx1">
                     <a:tint val="75000"/>
@@ -3990,27 +6528,33 @@
     </p:spTree>
     <p:extLst>
       <p:ext uri="{BB962C8B-B14F-4D97-AF65-F5344CB8AC3E}">
-        <p14:creationId xmlns:p14="http://schemas.microsoft.com/office/powerpoint/2010/main" val="1830385539"/>
+        <p14:creationId xmlns:p14="http://schemas.microsoft.com/office/powerpoint/2010/main" val="3033143544"/>
       </p:ext>
     </p:extLst>
   </p:cSld>
-  <p:clrMap bg1="lt1" tx1="dk1" bg2="lt2" tx2="dk2" accent1="accent1" accent2="accent2" accent3="accent3" accent4="accent4" accent5="accent5" accent6="accent6" hlink="hlink" folHlink="folHlink"/>
+  <p:clrMap bg1="dk1" tx1="lt1" bg2="dk2" tx2="lt2" accent1="accent1" accent2="accent2" accent3="accent3" accent4="accent4" accent5="accent5" accent6="accent6" hlink="hlink" folHlink="folHlink"/>
   <p:sldLayoutIdLst>
-    <p:sldLayoutId id="2147483649" r:id="rId1"/>
-    <p:sldLayoutId id="2147483650" r:id="rId2"/>
-    <p:sldLayoutId id="2147483651" r:id="rId3"/>
-    <p:sldLayoutId id="2147483652" r:id="rId4"/>
-    <p:sldLayoutId id="2147483653" r:id="rId5"/>
-    <p:sldLayoutId id="2147483654" r:id="rId6"/>
-    <p:sldLayoutId id="2147483655" r:id="rId7"/>
-    <p:sldLayoutId id="2147483656" r:id="rId8"/>
-    <p:sldLayoutId id="2147483657" r:id="rId9"/>
-    <p:sldLayoutId id="2147483658" r:id="rId10"/>
-    <p:sldLayoutId id="2147483659" r:id="rId11"/>
+    <p:sldLayoutId id="2147483817" r:id="rId1"/>
+    <p:sldLayoutId id="2147483818" r:id="rId2"/>
+    <p:sldLayoutId id="2147483819" r:id="rId3"/>
+    <p:sldLayoutId id="2147483820" r:id="rId4"/>
+    <p:sldLayoutId id="2147483821" r:id="rId5"/>
+    <p:sldLayoutId id="2147483822" r:id="rId6"/>
+    <p:sldLayoutId id="2147483823" r:id="rId7"/>
+    <p:sldLayoutId id="2147483824" r:id="rId8"/>
+    <p:sldLayoutId id="2147483825" r:id="rId9"/>
+    <p:sldLayoutId id="2147483826" r:id="rId10"/>
+    <p:sldLayoutId id="2147483827" r:id="rId11"/>
+    <p:sldLayoutId id="2147483828" r:id="rId12"/>
+    <p:sldLayoutId id="2147483829" r:id="rId13"/>
+    <p:sldLayoutId id="2147483830" r:id="rId14"/>
+    <p:sldLayoutId id="2147483831" r:id="rId15"/>
+    <p:sldLayoutId id="2147483832" r:id="rId16"/>
+    <p:sldLayoutId id="2147483833" r:id="rId17"/>
   </p:sldLayoutIdLst>
   <p:txStyles>
     <p:titleStyle>
-      <a:lvl1pPr algn="l" defTabSz="914400" rtl="0" eaLnBrk="1" latinLnBrk="0" hangingPunct="1">
+      <a:lvl1pPr algn="r" defTabSz="914400" rtl="0" eaLnBrk="1" latinLnBrk="0" hangingPunct="1">
         <a:lnSpc>
           <a:spcPct val="90000"/>
         </a:lnSpc>
@@ -4018,7 +6562,7 @@
           <a:spcPct val="0"/>
         </a:spcBef>
         <a:buNone/>
-        <a:defRPr sz="4400" kern="1200">
+        <a:defRPr sz="4000" kern="1200" cap="all" baseline="0">
           <a:solidFill>
             <a:schemeClr val="tx1"/>
           </a:solidFill>
@@ -4038,7 +6582,7 @@
         </a:spcBef>
         <a:buFont typeface="Arial" panose="020B0604020202020204" pitchFamily="34" charset="0"/>
         <a:buChar char="•"/>
-        <a:defRPr sz="2800" kern="1200">
+        <a:defRPr sz="2200" kern="1200">
           <a:solidFill>
             <a:schemeClr val="tx1"/>
           </a:solidFill>
@@ -4056,7 +6600,7 @@
         </a:spcBef>
         <a:buFont typeface="Arial" panose="020B0604020202020204" pitchFamily="34" charset="0"/>
         <a:buChar char="•"/>
-        <a:defRPr sz="2400" kern="1200">
+        <a:defRPr sz="2000" kern="1200">
           <a:solidFill>
             <a:schemeClr val="tx1"/>
           </a:solidFill>
@@ -4074,7 +6618,7 @@
         </a:spcBef>
         <a:buFont typeface="Arial" panose="020B0604020202020204" pitchFamily="34" charset="0"/>
         <a:buChar char="•"/>
-        <a:defRPr sz="2000" kern="1200">
+        <a:defRPr sz="1800" kern="1200">
           <a:solidFill>
             <a:schemeClr val="tx1"/>
           </a:solidFill>
@@ -4092,7 +6636,7 @@
         </a:spcBef>
         <a:buFont typeface="Arial" panose="020B0604020202020204" pitchFamily="34" charset="0"/>
         <a:buChar char="•"/>
-        <a:defRPr sz="1800" kern="1200">
+        <a:defRPr sz="1600" kern="1200">
           <a:solidFill>
             <a:schemeClr val="tx1"/>
           </a:solidFill>
@@ -4110,7 +6654,7 @@
         </a:spcBef>
         <a:buFont typeface="Arial" panose="020B0604020202020204" pitchFamily="34" charset="0"/>
         <a:buChar char="•"/>
-        <a:defRPr sz="1800" kern="1200">
+        <a:defRPr sz="1600" kern="1200">
           <a:solidFill>
             <a:schemeClr val="tx1"/>
           </a:solidFill>
@@ -4128,7 +6672,7 @@
         </a:spcBef>
         <a:buFont typeface="Arial" panose="020B0604020202020204" pitchFamily="34" charset="0"/>
         <a:buChar char="•"/>
-        <a:defRPr sz="1800" kern="1200">
+        <a:defRPr sz="1600" kern="1200">
           <a:solidFill>
             <a:schemeClr val="tx1"/>
           </a:solidFill>
@@ -4146,7 +6690,7 @@
         </a:spcBef>
         <a:buFont typeface="Arial" panose="020B0604020202020204" pitchFamily="34" charset="0"/>
         <a:buChar char="•"/>
-        <a:defRPr sz="1800" kern="1200">
+        <a:defRPr sz="1600" kern="1200">
           <a:solidFill>
             <a:schemeClr val="tx1"/>
           </a:solidFill>
@@ -4164,7 +6708,7 @@
         </a:spcBef>
         <a:buFont typeface="Arial" panose="020B0604020202020204" pitchFamily="34" charset="0"/>
         <a:buChar char="•"/>
-        <a:defRPr sz="1800" kern="1200">
+        <a:defRPr sz="1600" kern="1200">
           <a:solidFill>
             <a:schemeClr val="tx1"/>
           </a:solidFill>
@@ -4182,7 +6726,7 @@
         </a:spcBef>
         <a:buFont typeface="Arial" panose="020B0604020202020204" pitchFamily="34" charset="0"/>
         <a:buChar char="•"/>
-        <a:defRPr sz="1800" kern="1200">
+        <a:defRPr sz="1600" kern="1200">
           <a:solidFill>
             <a:schemeClr val="tx1"/>
           </a:solidFill>
@@ -4313,7 +6857,7 @@
           <p:cNvPr id="2" name="Title 1">
             <a:extLst>
               <a:ext uri="{FF2B5EF4-FFF2-40B4-BE49-F238E27FC236}">
-                <a16:creationId xmlns:a16="http://schemas.microsoft.com/office/drawing/2014/main" id="{5E0CF9AB-5850-493B-BF57-EAB17270F4FF}"/>
+                <a16:creationId xmlns="" xmlns:a16="http://schemas.microsoft.com/office/drawing/2014/main" id="{5E0CF9AB-5850-493B-BF57-EAB17270F4FF}"/>
               </a:ext>
             </a:extLst>
           </p:cNvPr>
@@ -4341,7 +6885,7 @@
           <p:cNvPr id="3" name="Subtitle 2">
             <a:extLst>
               <a:ext uri="{FF2B5EF4-FFF2-40B4-BE49-F238E27FC236}">
-                <a16:creationId xmlns:a16="http://schemas.microsoft.com/office/drawing/2014/main" id="{EAC35C2D-80A6-4BD1-842D-A6F1D8046653}"/>
+                <a16:creationId xmlns="" xmlns:a16="http://schemas.microsoft.com/office/drawing/2014/main" id="{EAC35C2D-80A6-4BD1-842D-A6F1D8046653}"/>
               </a:ext>
             </a:extLst>
           </p:cNvPr>
@@ -4354,7 +6898,9 @@
         </p:nvSpPr>
         <p:spPr/>
         <p:txBody>
-          <a:bodyPr/>
+          <a:bodyPr>
+            <a:normAutofit fontScale="47500" lnSpcReduction="20000"/>
+          </a:bodyPr>
           <a:lstStyle/>
           <a:p>
             <a:r>
@@ -4411,7 +6957,7 @@
           <p:cNvPr id="2" name="Title 1">
             <a:extLst>
               <a:ext uri="{FF2B5EF4-FFF2-40B4-BE49-F238E27FC236}">
-                <a16:creationId xmlns:a16="http://schemas.microsoft.com/office/drawing/2014/main" id="{49EDDEDA-DB91-451F-BF4F-0A018E8AFAA9}"/>
+                <a16:creationId xmlns="" xmlns:a16="http://schemas.microsoft.com/office/drawing/2014/main" id="{49EDDEDA-DB91-451F-BF4F-0A018E8AFAA9}"/>
               </a:ext>
             </a:extLst>
           </p:cNvPr>
@@ -4439,7 +6985,7 @@
           <p:cNvPr id="3" name="Content Placeholder 2">
             <a:extLst>
               <a:ext uri="{FF2B5EF4-FFF2-40B4-BE49-F238E27FC236}">
-                <a16:creationId xmlns:a16="http://schemas.microsoft.com/office/drawing/2014/main" id="{BC1C9682-E97A-4CDB-B1F1-D690A9161C94}"/>
+                <a16:creationId xmlns="" xmlns:a16="http://schemas.microsoft.com/office/drawing/2014/main" id="{BC1C9682-E97A-4CDB-B1F1-D690A9161C94}"/>
               </a:ext>
             </a:extLst>
           </p:cNvPr>
@@ -4485,10 +7031,7 @@
             </a:r>
           </a:p>
           <a:p>
-            <a:r>
-              <a:rPr lang="en-US" dirty="0"/>
-              <a:t> </a:t>
-            </a:r>
+            <a:endParaRPr lang="en-US" dirty="0"/>
           </a:p>
         </p:txBody>
       </p:sp>
@@ -4497,7 +7040,7 @@
           <p:cNvPr id="4" name="Picture 3">
             <a:extLst>
               <a:ext uri="{FF2B5EF4-FFF2-40B4-BE49-F238E27FC236}">
-                <a16:creationId xmlns:a16="http://schemas.microsoft.com/office/drawing/2014/main" id="{D4E429F2-E13C-4DE7-B46C-87089BE6D992}"/>
+                <a16:creationId xmlns="" xmlns:a16="http://schemas.microsoft.com/office/drawing/2014/main" id="{D4E429F2-E13C-4DE7-B46C-87089BE6D992}"/>
               </a:ext>
             </a:extLst>
           </p:cNvPr>
@@ -4512,8 +7055,8 @@
         </p:blipFill>
         <p:spPr>
           <a:xfrm>
-            <a:off x="3420035" y="4459867"/>
-            <a:ext cx="5943600" cy="896620"/>
+            <a:off x="3420034" y="4459866"/>
+            <a:ext cx="7416841" cy="1187171"/>
           </a:xfrm>
           <a:prstGeom prst="rect">
             <a:avLst/>
@@ -4555,7 +7098,7 @@
           <p:cNvPr id="2" name="Title 1">
             <a:extLst>
               <a:ext uri="{FF2B5EF4-FFF2-40B4-BE49-F238E27FC236}">
-                <a16:creationId xmlns:a16="http://schemas.microsoft.com/office/drawing/2014/main" id="{33675900-84A9-4A04-980D-EB18C39F9C75}"/>
+                <a16:creationId xmlns="" xmlns:a16="http://schemas.microsoft.com/office/drawing/2014/main" id="{33675900-84A9-4A04-980D-EB18C39F9C75}"/>
               </a:ext>
             </a:extLst>
           </p:cNvPr>
@@ -4583,7 +7126,7 @@
           <p:cNvPr id="3" name="Content Placeholder 2">
             <a:extLst>
               <a:ext uri="{FF2B5EF4-FFF2-40B4-BE49-F238E27FC236}">
-                <a16:creationId xmlns:a16="http://schemas.microsoft.com/office/drawing/2014/main" id="{E8DD615F-7D77-42F3-B8D2-82B0114F13DB}"/>
+                <a16:creationId xmlns="" xmlns:a16="http://schemas.microsoft.com/office/drawing/2014/main" id="{E8DD615F-7D77-42F3-B8D2-82B0114F13DB}"/>
               </a:ext>
             </a:extLst>
           </p:cNvPr>
@@ -4641,7 +7184,7 @@
           <p:cNvPr id="2" name="Title 1">
             <a:extLst>
               <a:ext uri="{FF2B5EF4-FFF2-40B4-BE49-F238E27FC236}">
-                <a16:creationId xmlns:a16="http://schemas.microsoft.com/office/drawing/2014/main" id="{A14E00D0-83A9-45D5-8A8A-8BBB769674EC}"/>
+                <a16:creationId xmlns="" xmlns:a16="http://schemas.microsoft.com/office/drawing/2014/main" id="{A14E00D0-83A9-45D5-8A8A-8BBB769674EC}"/>
               </a:ext>
             </a:extLst>
           </p:cNvPr>
@@ -4669,7 +7212,7 @@
           <p:cNvPr id="3" name="Content Placeholder 2">
             <a:extLst>
               <a:ext uri="{FF2B5EF4-FFF2-40B4-BE49-F238E27FC236}">
-                <a16:creationId xmlns:a16="http://schemas.microsoft.com/office/drawing/2014/main" id="{B9DDB0F8-58B3-40DA-A117-353FDC30BB91}"/>
+                <a16:creationId xmlns="" xmlns:a16="http://schemas.microsoft.com/office/drawing/2014/main" id="{B9DDB0F8-58B3-40DA-A117-353FDC30BB91}"/>
               </a:ext>
             </a:extLst>
           </p:cNvPr>
@@ -4745,7 +7288,7 @@
           <p:cNvPr id="2" name="Title 1">
             <a:extLst>
               <a:ext uri="{FF2B5EF4-FFF2-40B4-BE49-F238E27FC236}">
-                <a16:creationId xmlns:a16="http://schemas.microsoft.com/office/drawing/2014/main" id="{5E0CF9AB-5850-493B-BF57-EAB17270F4FF}"/>
+                <a16:creationId xmlns="" xmlns:a16="http://schemas.microsoft.com/office/drawing/2014/main" id="{5E0CF9AB-5850-493B-BF57-EAB17270F4FF}"/>
               </a:ext>
             </a:extLst>
           </p:cNvPr>
@@ -4773,7 +7316,7 @@
           <p:cNvPr id="3" name="Subtitle 2">
             <a:extLst>
               <a:ext uri="{FF2B5EF4-FFF2-40B4-BE49-F238E27FC236}">
-                <a16:creationId xmlns:a16="http://schemas.microsoft.com/office/drawing/2014/main" id="{EAC35C2D-80A6-4BD1-842D-A6F1D8046653}"/>
+                <a16:creationId xmlns="" xmlns:a16="http://schemas.microsoft.com/office/drawing/2014/main" id="{EAC35C2D-80A6-4BD1-842D-A6F1D8046653}"/>
               </a:ext>
             </a:extLst>
           </p:cNvPr>
@@ -4786,7 +7329,9 @@
         </p:nvSpPr>
         <p:spPr/>
         <p:txBody>
-          <a:bodyPr/>
+          <a:bodyPr>
+            <a:normAutofit fontScale="47500" lnSpcReduction="20000"/>
+          </a:bodyPr>
           <a:lstStyle/>
           <a:p>
             <a:r>
@@ -4843,7 +7388,7 @@
           <p:cNvPr id="2" name="Title 1">
             <a:extLst>
               <a:ext uri="{FF2B5EF4-FFF2-40B4-BE49-F238E27FC236}">
-                <a16:creationId xmlns:a16="http://schemas.microsoft.com/office/drawing/2014/main" id="{863F9CB4-2C34-450C-B849-056AECBE6228}"/>
+                <a16:creationId xmlns="" xmlns:a16="http://schemas.microsoft.com/office/drawing/2014/main" id="{863F9CB4-2C34-450C-B849-056AECBE6228}"/>
               </a:ext>
             </a:extLst>
           </p:cNvPr>
@@ -4866,34 +7411,43 @@
           </a:p>
         </p:txBody>
       </p:sp>
-      <p:sp>
-        <p:nvSpPr>
-          <p:cNvPr id="3" name="Content Placeholder 2">
+      <p:pic>
+        <p:nvPicPr>
+          <p:cNvPr id="4" name="Picture 3">
             <a:extLst>
               <a:ext uri="{FF2B5EF4-FFF2-40B4-BE49-F238E27FC236}">
-                <a16:creationId xmlns:a16="http://schemas.microsoft.com/office/drawing/2014/main" id="{BB9C7E0A-FC7E-402F-8C6C-BE77F6FC04F5}"/>
+                <a16:creationId xmlns="" xmlns:a16="http://schemas.microsoft.com/office/drawing/2014/main" xmlns:lc="http://schemas.openxmlformats.org/drawingml/2006/lockedCanvas" id="{951939EC-E983-4144-8490-B80B3277D720}"/>
               </a:ext>
             </a:extLst>
           </p:cNvPr>
-          <p:cNvSpPr>
-            <a:spLocks noGrp="1"/>
-          </p:cNvSpPr>
-          <p:nvPr>
-            <p:ph idx="1"/>
-          </p:nvPr>
-        </p:nvSpPr>
-        <p:spPr/>
-        <p:txBody>
-          <a:bodyPr/>
-          <a:lstStyle/>
-          <a:p>
-            <a:r>
-              <a:rPr lang="en-US" dirty="0"/>
-              <a:t>Agile test quadrants </a:t>
-            </a:r>
-          </a:p>
-        </p:txBody>
-      </p:sp>
+          <p:cNvPicPr>
+            <a:picLocks noGrp="1" noChangeAspect="1" noChangeArrowheads="1"/>
+          </p:cNvPicPr>
+          <p:nvPr/>
+        </p:nvPicPr>
+        <p:blipFill>
+          <a:blip r:embed="rId2" cstate="print"/>
+          <a:stretch>
+            <a:fillRect/>
+          </a:stretch>
+        </p:blipFill>
+        <p:spPr bwMode="auto">
+          <a:xfrm>
+            <a:off x="4080293" y="841647"/>
+            <a:ext cx="7445029" cy="5429755"/>
+          </a:xfrm>
+          <a:prstGeom prst="rect">
+            <a:avLst/>
+          </a:prstGeom>
+          <a:noFill/>
+          <a:ln w="9525">
+            <a:noFill/>
+            <a:miter lim="800000"/>
+            <a:headEnd/>
+            <a:tailEnd/>
+          </a:ln>
+        </p:spPr>
+      </p:pic>
     </p:spTree>
     <p:extLst>
       <p:ext uri="{BB962C8B-B14F-4D97-AF65-F5344CB8AC3E}">
@@ -4926,13 +7480,7 @@
       </p:grpSpPr>
       <p:sp>
         <p:nvSpPr>
-          <p:cNvPr id="2" name="Title 1">
-            <a:extLst>
-              <a:ext uri="{FF2B5EF4-FFF2-40B4-BE49-F238E27FC236}">
-                <a16:creationId xmlns:a16="http://schemas.microsoft.com/office/drawing/2014/main" id="{8012B800-3EC1-401E-B355-ECAC2CCFBFC2}"/>
-              </a:ext>
-            </a:extLst>
-          </p:cNvPr>
+          <p:cNvPr id="2" name="Title 1"/>
           <p:cNvSpPr>
             <a:spLocks noGrp="1"/>
           </p:cNvSpPr>
@@ -4946,21 +7494,24 @@
           <a:lstStyle/>
           <a:p>
             <a:r>
-              <a:rPr lang="en-US" dirty="0"/>
-              <a:t>TDD </a:t>
-            </a:r>
-          </a:p>
-        </p:txBody>
-      </p:sp>
-      <p:sp>
-        <p:nvSpPr>
-          <p:cNvPr id="3" name="Content Placeholder 2">
-            <a:extLst>
-              <a:ext uri="{FF2B5EF4-FFF2-40B4-BE49-F238E27FC236}">
-                <a16:creationId xmlns:a16="http://schemas.microsoft.com/office/drawing/2014/main" id="{F632B8D6-D5C9-430F-956F-50A5D6F0155D}"/>
-              </a:ext>
-            </a:extLst>
-          </p:cNvPr>
+              <a:rPr lang="da-DK" dirty="0" smtClean="0"/>
+              <a:t>Test </a:t>
+            </a:r>
+            <a:r>
+              <a:rPr lang="da-DK" dirty="0" err="1" smtClean="0"/>
+              <a:t>maturity</a:t>
+            </a:r>
+            <a:r>
+              <a:rPr lang="da-DK" dirty="0" smtClean="0"/>
+              <a:t> model</a:t>
+            </a:r>
+            <a:endParaRPr lang="da-DK" dirty="0"/>
+          </a:p>
+        </p:txBody>
+      </p:sp>
+      <p:sp>
+        <p:nvSpPr>
+          <p:cNvPr id="3" name="Content Placeholder 2"/>
           <p:cNvSpPr>
             <a:spLocks noGrp="1"/>
           </p:cNvSpPr>
@@ -4974,22 +7525,73 @@
           <a:lstStyle/>
           <a:p>
             <a:r>
-              <a:rPr lang="en-US" dirty="0"/>
-              <a:t>How it went? </a:t>
-            </a:r>
-          </a:p>
-          <a:p>
-            <a:r>
-              <a:rPr lang="en-US" dirty="0"/>
-              <a:t>Started with integration tests, and then unit tests </a:t>
-            </a:r>
+              <a:rPr lang="da-DK" dirty="0" smtClean="0">
+                <a:solidFill>
+                  <a:srgbClr val="00B050"/>
+                </a:solidFill>
+              </a:rPr>
+              <a:t>Level 1: Initial</a:t>
+            </a:r>
+          </a:p>
+          <a:p>
+            <a:r>
+              <a:rPr lang="da-DK" dirty="0" smtClean="0">
+                <a:solidFill>
+                  <a:srgbClr val="00B050"/>
+                </a:solidFill>
+              </a:rPr>
+              <a:t>Level 2: Definition</a:t>
+            </a:r>
+          </a:p>
+          <a:p>
+            <a:r>
+              <a:rPr lang="da-DK" dirty="0" smtClean="0">
+                <a:solidFill>
+                  <a:srgbClr val="FF0000"/>
+                </a:solidFill>
+              </a:rPr>
+              <a:t>Level 3: Integration</a:t>
+            </a:r>
+          </a:p>
+          <a:p>
+            <a:r>
+              <a:rPr lang="da-DK" u="sng" dirty="0" smtClean="0">
+                <a:solidFill>
+                  <a:srgbClr val="FF0000"/>
+                </a:solidFill>
+              </a:rPr>
+              <a:t>Level 4: Management + Measurement</a:t>
+            </a:r>
+          </a:p>
+          <a:p>
+            <a:r>
+              <a:rPr lang="da-DK" dirty="0" smtClean="0">
+                <a:solidFill>
+                  <a:srgbClr val="FF0000"/>
+                </a:solidFill>
+              </a:rPr>
+              <a:t>Level 5: </a:t>
+            </a:r>
+            <a:r>
+              <a:rPr lang="da-DK" dirty="0" err="1" smtClean="0">
+                <a:solidFill>
+                  <a:srgbClr val="FF0000"/>
+                </a:solidFill>
+              </a:rPr>
+              <a:t>Optimisation</a:t>
+            </a:r>
+            <a:endParaRPr lang="da-DK" dirty="0">
+              <a:solidFill>
+                <a:srgbClr val="FF0000"/>
+              </a:solidFill>
+            </a:endParaRPr>
           </a:p>
         </p:txBody>
       </p:sp>
     </p:spTree>
     <p:extLst>
       <p:ext uri="{BB962C8B-B14F-4D97-AF65-F5344CB8AC3E}">
-        <p14:creationId xmlns:p14="http://schemas.microsoft.com/office/powerpoint/2010/main" val="3120844125"/>
+        <p14:creationId xmlns:p14="http://schemas.microsoft.com/office/powerpoint/2010/main" val="1613182764"/>
       </p:ext>
     </p:extLst>
   </p:cSld>
@@ -5021,7 +7623,7 @@
           <p:cNvPr id="2" name="Title 1">
             <a:extLst>
               <a:ext uri="{FF2B5EF4-FFF2-40B4-BE49-F238E27FC236}">
-                <a16:creationId xmlns:a16="http://schemas.microsoft.com/office/drawing/2014/main" id="{927D95EC-973C-447B-9C4D-081B920BE606}"/>
+                <a16:creationId xmlns="" xmlns:a16="http://schemas.microsoft.com/office/drawing/2014/main" id="{8012B800-3EC1-401E-B355-ECAC2CCFBFC2}"/>
               </a:ext>
             </a:extLst>
           </p:cNvPr>
@@ -5039,7 +7641,7 @@
           <a:p>
             <a:r>
               <a:rPr lang="en-US" dirty="0"/>
-              <a:t>Coding standards</a:t>
+              <a:t>TDD </a:t>
             </a:r>
           </a:p>
         </p:txBody>
@@ -5049,7 +7651,7 @@
           <p:cNvPr id="3" name="Content Placeholder 2">
             <a:extLst>
               <a:ext uri="{FF2B5EF4-FFF2-40B4-BE49-F238E27FC236}">
-                <a16:creationId xmlns:a16="http://schemas.microsoft.com/office/drawing/2014/main" id="{64EAE4A5-B0EF-4691-8018-A3FB0B8ADD3D}"/>
+                <a16:creationId xmlns="" xmlns:a16="http://schemas.microsoft.com/office/drawing/2014/main" id="{F632B8D6-D5C9-430F-956F-50A5D6F0155D}"/>
               </a:ext>
             </a:extLst>
           </p:cNvPr>
@@ -5067,13 +7669,13 @@
           <a:p>
             <a:r>
               <a:rPr lang="en-US" dirty="0"/>
-              <a:t>Clean Code book </a:t>
+              <a:t>How it went? </a:t>
             </a:r>
           </a:p>
           <a:p>
             <a:r>
               <a:rPr lang="en-US" dirty="0"/>
-              <a:t>Concept naming convention </a:t>
+              <a:t>Started with integration tests, and then unit tests </a:t>
             </a:r>
           </a:p>
         </p:txBody>
@@ -5081,7 +7683,7 @@
     </p:spTree>
     <p:extLst>
       <p:ext uri="{BB962C8B-B14F-4D97-AF65-F5344CB8AC3E}">
-        <p14:creationId xmlns:p14="http://schemas.microsoft.com/office/powerpoint/2010/main" val="3661785794"/>
+        <p14:creationId xmlns:p14="http://schemas.microsoft.com/office/powerpoint/2010/main" val="3120844125"/>
       </p:ext>
     </p:extLst>
   </p:cSld>
@@ -5113,7 +7715,7 @@
           <p:cNvPr id="2" name="Title 1">
             <a:extLst>
               <a:ext uri="{FF2B5EF4-FFF2-40B4-BE49-F238E27FC236}">
-                <a16:creationId xmlns:a16="http://schemas.microsoft.com/office/drawing/2014/main" id="{59857F2E-E56C-47A4-8671-97470F44725D}"/>
+                <a16:creationId xmlns="" xmlns:a16="http://schemas.microsoft.com/office/drawing/2014/main" id="{927D95EC-973C-447B-9C4D-081B920BE606}"/>
               </a:ext>
             </a:extLst>
           </p:cNvPr>
@@ -5131,7 +7733,7 @@
           <a:p>
             <a:r>
               <a:rPr lang="en-US" dirty="0"/>
-              <a:t>Test levels</a:t>
+              <a:t>Coding standards</a:t>
             </a:r>
           </a:p>
         </p:txBody>
@@ -5141,7 +7743,7 @@
           <p:cNvPr id="3" name="Content Placeholder 2">
             <a:extLst>
               <a:ext uri="{FF2B5EF4-FFF2-40B4-BE49-F238E27FC236}">
-                <a16:creationId xmlns:a16="http://schemas.microsoft.com/office/drawing/2014/main" id="{7C8B1DC1-018E-4381-B931-B4D395774366}"/>
+                <a16:creationId xmlns="" xmlns:a16="http://schemas.microsoft.com/office/drawing/2014/main" id="{64EAE4A5-B0EF-4691-8018-A3FB0B8ADD3D}"/>
               </a:ext>
             </a:extLst>
           </p:cNvPr>
@@ -5158,42 +7760,14 @@
           <a:lstStyle/>
           <a:p>
             <a:r>
-              <a:rPr lang="en-US" dirty="0">
-                <a:solidFill>
-                  <a:srgbClr val="00B050"/>
-                </a:solidFill>
-              </a:rPr>
-              <a:t>Unit test</a:t>
-            </a:r>
-          </a:p>
-          <a:p>
-            <a:r>
-              <a:rPr lang="en-US" dirty="0">
-                <a:solidFill>
-                  <a:srgbClr val="00B050"/>
-                </a:solidFill>
-              </a:rPr>
-              <a:t>Integration test</a:t>
-            </a:r>
-          </a:p>
-          <a:p>
-            <a:r>
-              <a:rPr lang="en-US" dirty="0">
-                <a:solidFill>
-                  <a:srgbClr val="FF0000"/>
-                </a:solidFill>
-              </a:rPr>
-              <a:t>System </a:t>
-            </a:r>
-          </a:p>
-          <a:p>
-            <a:r>
-              <a:rPr lang="en-US" dirty="0">
-                <a:solidFill>
-                  <a:srgbClr val="FF0000"/>
-                </a:solidFill>
-              </a:rPr>
-              <a:t>Acceptance </a:t>
+              <a:rPr lang="en-US" dirty="0"/>
+              <a:t>Clean Code book </a:t>
+            </a:r>
+          </a:p>
+          <a:p>
+            <a:r>
+              <a:rPr lang="en-US" dirty="0"/>
+              <a:t>Concept naming convention </a:t>
             </a:r>
           </a:p>
         </p:txBody>
@@ -5201,7 +7775,7 @@
     </p:spTree>
     <p:extLst>
       <p:ext uri="{BB962C8B-B14F-4D97-AF65-F5344CB8AC3E}">
-        <p14:creationId xmlns:p14="http://schemas.microsoft.com/office/powerpoint/2010/main" val="754487590"/>
+        <p14:creationId xmlns:p14="http://schemas.microsoft.com/office/powerpoint/2010/main" val="3661785794"/>
       </p:ext>
     </p:extLst>
   </p:cSld>
@@ -5233,7 +7807,7 @@
           <p:cNvPr id="2" name="Title 1">
             <a:extLst>
               <a:ext uri="{FF2B5EF4-FFF2-40B4-BE49-F238E27FC236}">
-                <a16:creationId xmlns:a16="http://schemas.microsoft.com/office/drawing/2014/main" id="{6C078853-E940-48DF-9566-7B92639395FF}"/>
+                <a16:creationId xmlns="" xmlns:a16="http://schemas.microsoft.com/office/drawing/2014/main" id="{59857F2E-E56C-47A4-8671-97470F44725D}"/>
               </a:ext>
             </a:extLst>
           </p:cNvPr>
@@ -5251,7 +7825,7 @@
           <a:p>
             <a:r>
               <a:rPr lang="en-US" dirty="0"/>
-              <a:t>Unit tests</a:t>
+              <a:t>Test levels</a:t>
             </a:r>
           </a:p>
         </p:txBody>
@@ -5261,7 +7835,7 @@
           <p:cNvPr id="3" name="Content Placeholder 2">
             <a:extLst>
               <a:ext uri="{FF2B5EF4-FFF2-40B4-BE49-F238E27FC236}">
-                <a16:creationId xmlns:a16="http://schemas.microsoft.com/office/drawing/2014/main" id="{DA6A2A2E-F3B9-4A6C-B4E3-03CF0BAADA2F}"/>
+                <a16:creationId xmlns="" xmlns:a16="http://schemas.microsoft.com/office/drawing/2014/main" id="{7C8B1DC1-018E-4381-B931-B4D395774366}"/>
               </a:ext>
             </a:extLst>
           </p:cNvPr>
@@ -5278,47 +7852,50 @@
           <a:lstStyle/>
           <a:p>
             <a:r>
-              <a:rPr lang="en-US" dirty="0"/>
-              <a:t>Add code example and talk about it </a:t>
-            </a:r>
-          </a:p>
-          <a:p>
-            <a:endParaRPr lang="en-US" dirty="0"/>
-          </a:p>
-        </p:txBody>
-      </p:sp>
-      <p:pic>
-        <p:nvPicPr>
-          <p:cNvPr id="4" name="Picture 3">
-            <a:extLst>
-              <a:ext uri="{FF2B5EF4-FFF2-40B4-BE49-F238E27FC236}">
-                <a16:creationId xmlns:a16="http://schemas.microsoft.com/office/drawing/2014/main" id="{DFEB8D82-6562-4DB2-9A17-BEBA48CBA28F}"/>
-              </a:ext>
-            </a:extLst>
-          </p:cNvPr>
-          <p:cNvPicPr/>
-          <p:nvPr/>
-        </p:nvPicPr>
-        <p:blipFill>
-          <a:blip r:embed="rId2"/>
-          <a:stretch>
-            <a:fillRect/>
-          </a:stretch>
-        </p:blipFill>
-        <p:spPr>
-          <a:xfrm>
-            <a:off x="2714976" y="3577005"/>
-            <a:ext cx="5671185" cy="1725295"/>
-          </a:xfrm>
-          <a:prstGeom prst="rect">
-            <a:avLst/>
-          </a:prstGeom>
-        </p:spPr>
-      </p:pic>
+              <a:rPr lang="en-US" dirty="0">
+                <a:solidFill>
+                  <a:srgbClr val="00B050"/>
+                </a:solidFill>
+              </a:rPr>
+              <a:t>Unit test</a:t>
+            </a:r>
+          </a:p>
+          <a:p>
+            <a:r>
+              <a:rPr lang="en-US" dirty="0">
+                <a:solidFill>
+                  <a:srgbClr val="00B050"/>
+                </a:solidFill>
+              </a:rPr>
+              <a:t>Integration test</a:t>
+            </a:r>
+          </a:p>
+          <a:p>
+            <a:r>
+              <a:rPr lang="en-US" dirty="0">
+                <a:solidFill>
+                  <a:srgbClr val="FF0000"/>
+                </a:solidFill>
+              </a:rPr>
+              <a:t>System </a:t>
+            </a:r>
+          </a:p>
+          <a:p>
+            <a:r>
+              <a:rPr lang="en-US" dirty="0">
+                <a:solidFill>
+                  <a:srgbClr val="FF0000"/>
+                </a:solidFill>
+              </a:rPr>
+              <a:t>Acceptance </a:t>
+            </a:r>
+          </a:p>
+        </p:txBody>
+      </p:sp>
     </p:spTree>
     <p:extLst>
       <p:ext uri="{BB962C8B-B14F-4D97-AF65-F5344CB8AC3E}">
-        <p14:creationId xmlns:p14="http://schemas.microsoft.com/office/powerpoint/2010/main" val="1788175814"/>
+        <p14:creationId xmlns:p14="http://schemas.microsoft.com/office/powerpoint/2010/main" val="754487590"/>
       </p:ext>
     </p:extLst>
   </p:cSld>
@@ -5350,7 +7927,7 @@
           <p:cNvPr id="2" name="Title 1">
             <a:extLst>
               <a:ext uri="{FF2B5EF4-FFF2-40B4-BE49-F238E27FC236}">
-                <a16:creationId xmlns:a16="http://schemas.microsoft.com/office/drawing/2014/main" id="{3AB34BC8-09B1-464C-81AC-DD9894A3A198}"/>
+                <a16:creationId xmlns="" xmlns:a16="http://schemas.microsoft.com/office/drawing/2014/main" id="{6C078853-E940-48DF-9566-7B92639395FF}"/>
               </a:ext>
             </a:extLst>
           </p:cNvPr>
@@ -5368,42 +7945,8 @@
           <a:p>
             <a:r>
               <a:rPr lang="en-US" dirty="0"/>
-              <a:t>Integration tests </a:t>
-            </a:r>
-          </a:p>
-        </p:txBody>
-      </p:sp>
-      <p:sp>
-        <p:nvSpPr>
-          <p:cNvPr id="3" name="Content Placeholder 2">
-            <a:extLst>
-              <a:ext uri="{FF2B5EF4-FFF2-40B4-BE49-F238E27FC236}">
-                <a16:creationId xmlns:a16="http://schemas.microsoft.com/office/drawing/2014/main" id="{097613DF-6D9A-48FC-A07C-7C03A997D322}"/>
-              </a:ext>
-            </a:extLst>
-          </p:cNvPr>
-          <p:cNvSpPr>
-            <a:spLocks noGrp="1"/>
-          </p:cNvSpPr>
-          <p:nvPr>
-            <p:ph idx="1"/>
-          </p:nvPr>
-        </p:nvSpPr>
-        <p:spPr/>
-        <p:txBody>
-          <a:bodyPr/>
-          <a:lstStyle/>
-          <a:p>
-            <a:r>
-              <a:rPr lang="en-US" dirty="0"/>
-              <a:t>Add code example and talk about it </a:t>
-            </a:r>
-          </a:p>
-          <a:p>
-            <a:endParaRPr lang="en-US" dirty="0"/>
-          </a:p>
-          <a:p>
-            <a:endParaRPr lang="en-US" dirty="0"/>
+              <a:t>Unit tests</a:t>
+            </a:r>
           </a:p>
         </p:txBody>
       </p:sp>
@@ -5412,7 +7955,7 @@
           <p:cNvPr id="4" name="Picture 3">
             <a:extLst>
               <a:ext uri="{FF2B5EF4-FFF2-40B4-BE49-F238E27FC236}">
-                <a16:creationId xmlns:a16="http://schemas.microsoft.com/office/drawing/2014/main" id="{3FF97C43-3DED-4E24-875A-50A0C06EF988}"/>
+                <a16:creationId xmlns="" xmlns:a16="http://schemas.microsoft.com/office/drawing/2014/main" id="{DFEB8D82-6562-4DB2-9A17-BEBA48CBA28F}"/>
               </a:ext>
             </a:extLst>
           </p:cNvPr>
@@ -5427,8 +7970,8 @@
         </p:blipFill>
         <p:spPr>
           <a:xfrm>
-            <a:off x="3124200" y="2490787"/>
-            <a:ext cx="5943600" cy="1876425"/>
+            <a:off x="2413052" y="2308922"/>
+            <a:ext cx="5671185" cy="1725295"/>
           </a:xfrm>
           <a:prstGeom prst="rect">
             <a:avLst/>
@@ -5438,7 +7981,7 @@
     </p:spTree>
     <p:extLst>
       <p:ext uri="{BB962C8B-B14F-4D97-AF65-F5344CB8AC3E}">
-        <p14:creationId xmlns:p14="http://schemas.microsoft.com/office/powerpoint/2010/main" val="2122137494"/>
+        <p14:creationId xmlns:p14="http://schemas.microsoft.com/office/powerpoint/2010/main" val="1788175814"/>
       </p:ext>
     </p:extLst>
   </p:cSld>
@@ -5470,7 +8013,7 @@
           <p:cNvPr id="2" name="Title 1">
             <a:extLst>
               <a:ext uri="{FF2B5EF4-FFF2-40B4-BE49-F238E27FC236}">
-                <a16:creationId xmlns:a16="http://schemas.microsoft.com/office/drawing/2014/main" id="{54E0977B-5E1E-454E-8363-B0DE7AFF2277}"/>
+                <a16:creationId xmlns="" xmlns:a16="http://schemas.microsoft.com/office/drawing/2014/main" id="{54E0977B-5E1E-454E-8363-B0DE7AFF2277}"/>
               </a:ext>
             </a:extLst>
           </p:cNvPr>
@@ -5498,7 +8041,7 @@
           <p:cNvPr id="3" name="Content Placeholder 2">
             <a:extLst>
               <a:ext uri="{FF2B5EF4-FFF2-40B4-BE49-F238E27FC236}">
-                <a16:creationId xmlns:a16="http://schemas.microsoft.com/office/drawing/2014/main" id="{4BF2FBB3-56A0-47D3-9196-72023A8A474A}"/>
+                <a16:creationId xmlns="" xmlns:a16="http://schemas.microsoft.com/office/drawing/2014/main" id="{4BF2FBB3-56A0-47D3-9196-72023A8A474A}"/>
               </a:ext>
             </a:extLst>
           </p:cNvPr>
@@ -5522,8 +8065,13 @@
           <a:p>
             <a:r>
               <a:rPr lang="en-US" dirty="0"/>
-              <a:t>Future Polyglot Database</a:t>
-            </a:r>
+              <a:t>Future Polyglot </a:t>
+            </a:r>
+            <a:r>
+              <a:rPr lang="en-US" dirty="0" smtClean="0"/>
+              <a:t>Persistence</a:t>
+            </a:r>
+            <a:endParaRPr lang="en-US" dirty="0"/>
           </a:p>
         </p:txBody>
       </p:sp>
@@ -5562,7 +8110,7 @@
           <p:cNvPr id="2" name="Title 1">
             <a:extLst>
               <a:ext uri="{FF2B5EF4-FFF2-40B4-BE49-F238E27FC236}">
-                <a16:creationId xmlns:a16="http://schemas.microsoft.com/office/drawing/2014/main" id="{B00FEBFC-5667-463B-827B-15A68738CE97}"/>
+                <a16:creationId xmlns="" xmlns:a16="http://schemas.microsoft.com/office/drawing/2014/main" id="{3AB34BC8-09B1-464C-81AC-DD9894A3A198}"/>
               </a:ext>
             </a:extLst>
           </p:cNvPr>
@@ -5580,38 +8128,8 @@
           <a:p>
             <a:r>
               <a:rPr lang="en-US" dirty="0"/>
-              <a:t>Test coverage </a:t>
-            </a:r>
-          </a:p>
-        </p:txBody>
-      </p:sp>
-      <p:sp>
-        <p:nvSpPr>
-          <p:cNvPr id="3" name="Content Placeholder 2">
-            <a:extLst>
-              <a:ext uri="{FF2B5EF4-FFF2-40B4-BE49-F238E27FC236}">
-                <a16:creationId xmlns:a16="http://schemas.microsoft.com/office/drawing/2014/main" id="{C24DC795-63CA-4C23-B602-340BA3FECD90}"/>
-              </a:ext>
-            </a:extLst>
-          </p:cNvPr>
-          <p:cNvSpPr>
-            <a:spLocks noGrp="1"/>
-          </p:cNvSpPr>
-          <p:nvPr>
-            <p:ph idx="1"/>
-          </p:nvPr>
-        </p:nvSpPr>
-        <p:spPr>
-          <a:xfrm>
-            <a:off x="407894" y="1918493"/>
-            <a:ext cx="10515600" cy="4351338"/>
-          </a:xfrm>
-        </p:spPr>
-        <p:txBody>
-          <a:bodyPr/>
-          <a:lstStyle/>
-          <a:p>
-            <a:endParaRPr lang="en-US" dirty="0"/>
+              <a:t>Integration tests </a:t>
+            </a:r>
           </a:p>
         </p:txBody>
       </p:sp>
@@ -5620,7 +8138,7 @@
           <p:cNvPr id="4" name="Picture 3">
             <a:extLst>
               <a:ext uri="{FF2B5EF4-FFF2-40B4-BE49-F238E27FC236}">
-                <a16:creationId xmlns:a16="http://schemas.microsoft.com/office/drawing/2014/main" id="{72209FA5-3689-4502-8421-9E4410101249}"/>
+                <a16:creationId xmlns="" xmlns:a16="http://schemas.microsoft.com/office/drawing/2014/main" id="{3FF97C43-3DED-4E24-875A-50A0C06EF988}"/>
               </a:ext>
             </a:extLst>
           </p:cNvPr>
@@ -5635,8 +8153,8 @@
         </p:blipFill>
         <p:spPr>
           <a:xfrm>
-            <a:off x="3124200" y="2763837"/>
-            <a:ext cx="5943600" cy="1330325"/>
+            <a:off x="3124200" y="2490787"/>
+            <a:ext cx="5943600" cy="1876425"/>
           </a:xfrm>
           <a:prstGeom prst="rect">
             <a:avLst/>
@@ -5646,7 +8164,7 @@
     </p:spTree>
     <p:extLst>
       <p:ext uri="{BB962C8B-B14F-4D97-AF65-F5344CB8AC3E}">
-        <p14:creationId xmlns:p14="http://schemas.microsoft.com/office/powerpoint/2010/main" val="1362987784"/>
+        <p14:creationId xmlns:p14="http://schemas.microsoft.com/office/powerpoint/2010/main" val="2122137494"/>
       </p:ext>
     </p:extLst>
   </p:cSld>
@@ -5678,7 +8196,7 @@
           <p:cNvPr id="2" name="Title 1">
             <a:extLst>
               <a:ext uri="{FF2B5EF4-FFF2-40B4-BE49-F238E27FC236}">
-                <a16:creationId xmlns:a16="http://schemas.microsoft.com/office/drawing/2014/main" id="{3F32D897-AD1D-4665-8ED5-F2F15F4D6B09}"/>
+                <a16:creationId xmlns="" xmlns:a16="http://schemas.microsoft.com/office/drawing/2014/main" id="{B00FEBFC-5667-463B-827B-15A68738CE97}"/>
               </a:ext>
             </a:extLst>
           </p:cNvPr>
@@ -5696,43 +8214,43 @@
           <a:p>
             <a:r>
               <a:rPr lang="en-US" dirty="0"/>
-              <a:t>Designing a testable architecture </a:t>
-            </a:r>
-          </a:p>
-        </p:txBody>
-      </p:sp>
-      <p:sp>
-        <p:nvSpPr>
-          <p:cNvPr id="3" name="Content Placeholder 2">
+              <a:t>Test coverage </a:t>
+            </a:r>
+          </a:p>
+        </p:txBody>
+      </p:sp>
+      <p:pic>
+        <p:nvPicPr>
+          <p:cNvPr id="4" name="Picture 3">
             <a:extLst>
               <a:ext uri="{FF2B5EF4-FFF2-40B4-BE49-F238E27FC236}">
-                <a16:creationId xmlns:a16="http://schemas.microsoft.com/office/drawing/2014/main" id="{8183061C-A195-4845-8457-353EC2F07AE5}"/>
+                <a16:creationId xmlns="" xmlns:a16="http://schemas.microsoft.com/office/drawing/2014/main" id="{72209FA5-3689-4502-8421-9E4410101249}"/>
               </a:ext>
             </a:extLst>
           </p:cNvPr>
-          <p:cNvSpPr>
-            <a:spLocks noGrp="1"/>
-          </p:cNvSpPr>
-          <p:nvPr>
-            <p:ph idx="1"/>
-          </p:nvPr>
-        </p:nvSpPr>
-        <p:spPr/>
-        <p:txBody>
-          <a:bodyPr/>
-          <a:lstStyle/>
-          <a:p>
-            <a:r>
-              <a:rPr lang="en-US" dirty="0"/>
-              <a:t>Talk about dependency injection </a:t>
-            </a:r>
-          </a:p>
-        </p:txBody>
-      </p:sp>
+          <p:cNvPicPr/>
+          <p:nvPr/>
+        </p:nvPicPr>
+        <p:blipFill>
+          <a:blip r:embed="rId2"/>
+          <a:stretch>
+            <a:fillRect/>
+          </a:stretch>
+        </p:blipFill>
+        <p:spPr>
+          <a:xfrm>
+            <a:off x="3124200" y="2763837"/>
+            <a:ext cx="5943600" cy="1330325"/>
+          </a:xfrm>
+          <a:prstGeom prst="rect">
+            <a:avLst/>
+          </a:prstGeom>
+        </p:spPr>
+      </p:pic>
     </p:spTree>
     <p:extLst>
       <p:ext uri="{BB962C8B-B14F-4D97-AF65-F5344CB8AC3E}">
-        <p14:creationId xmlns:p14="http://schemas.microsoft.com/office/powerpoint/2010/main" val="2892885998"/>
+        <p14:creationId xmlns:p14="http://schemas.microsoft.com/office/powerpoint/2010/main" val="1362987784"/>
       </p:ext>
     </p:extLst>
   </p:cSld>
@@ -5764,7 +8282,7 @@
           <p:cNvPr id="2" name="Title 1">
             <a:extLst>
               <a:ext uri="{FF2B5EF4-FFF2-40B4-BE49-F238E27FC236}">
-                <a16:creationId xmlns:a16="http://schemas.microsoft.com/office/drawing/2014/main" id="{A14E00D0-83A9-45D5-8A8A-8BBB769674EC}"/>
+                <a16:creationId xmlns="" xmlns:a16="http://schemas.microsoft.com/office/drawing/2014/main" id="{A14E00D0-83A9-45D5-8A8A-8BBB769674EC}"/>
               </a:ext>
             </a:extLst>
           </p:cNvPr>
@@ -5792,7 +8310,7 @@
           <p:cNvPr id="3" name="Content Placeholder 2">
             <a:extLst>
               <a:ext uri="{FF2B5EF4-FFF2-40B4-BE49-F238E27FC236}">
-                <a16:creationId xmlns:a16="http://schemas.microsoft.com/office/drawing/2014/main" id="{B9DDB0F8-58B3-40DA-A117-353FDC30BB91}"/>
+                <a16:creationId xmlns="" xmlns:a16="http://schemas.microsoft.com/office/drawing/2014/main" id="{B9DDB0F8-58B3-40DA-A117-353FDC30BB91}"/>
               </a:ext>
             </a:extLst>
           </p:cNvPr>
@@ -5876,10 +8394,10 @@
           <p:cNvPr id="9" name="Rectangle 8">
             <a:extLst>
               <a:ext uri="{FF2B5EF4-FFF2-40B4-BE49-F238E27FC236}">
-                <a16:creationId xmlns:a16="http://schemas.microsoft.com/office/drawing/2014/main" id="{867D4867-5BA7-4462-B2F6-A23F4A622AA7}"/>
+                <a16:creationId xmlns="" xmlns:a16="http://schemas.microsoft.com/office/drawing/2014/main" id="{867D4867-5BA7-4462-B2F6-A23F4A622AA7}"/>
               </a:ext>
               <a:ext uri="{C183D7F6-B498-43B3-948B-1728B52AA6E4}">
-                <adec:decorative xmlns:adec="http://schemas.microsoft.com/office/drawing/2017/decorative" val="1"/>
+                <adec:decorative xmlns="" xmlns:adec="http://schemas.microsoft.com/office/drawing/2017/decorative" val="1"/>
               </a:ext>
             </a:extLst>
           </p:cNvPr>
@@ -5889,7 +8407,7 @@
           <p:nvPr>
             <p:extLst>
               <p:ext uri="{386F3935-93C4-4BCD-93E2-E3B085C9AB24}">
-                <p16:designElem xmlns:p16="http://schemas.microsoft.com/office/powerpoint/2015/main" val="1"/>
+                <p16:designElem xmlns="" xmlns:p16="http://schemas.microsoft.com/office/powerpoint/2015/main" val="1"/>
               </p:ext>
             </p:extLst>
           </p:nvPr>
@@ -5940,7 +8458,7 @@
           <p:cNvPr id="2" name="Title 1">
             <a:extLst>
               <a:ext uri="{FF2B5EF4-FFF2-40B4-BE49-F238E27FC236}">
-                <a16:creationId xmlns:a16="http://schemas.microsoft.com/office/drawing/2014/main" id="{5D4FE45B-F3EC-440A-BE33-94025C261585}"/>
+                <a16:creationId xmlns="" xmlns:a16="http://schemas.microsoft.com/office/drawing/2014/main" id="{5D4FE45B-F3EC-440A-BE33-94025C261585}"/>
               </a:ext>
             </a:extLst>
           </p:cNvPr>
@@ -5986,7 +8504,7 @@
           <p:cNvPr id="3" name="Content Placeholder 2">
             <a:extLst>
               <a:ext uri="{FF2B5EF4-FFF2-40B4-BE49-F238E27FC236}">
-                <a16:creationId xmlns:a16="http://schemas.microsoft.com/office/drawing/2014/main" id="{38DBA8B5-6D3D-4E16-B064-F9F0607FA2A9}"/>
+                <a16:creationId xmlns="" xmlns:a16="http://schemas.microsoft.com/office/drawing/2014/main" id="{38DBA8B5-6D3D-4E16-B064-F9F0607FA2A9}"/>
               </a:ext>
             </a:extLst>
           </p:cNvPr>
@@ -6032,7 +8550,7 @@
           <p:cNvPr id="4" name="Picture 3">
             <a:extLst>
               <a:ext uri="{FF2B5EF4-FFF2-40B4-BE49-F238E27FC236}">
-                <a16:creationId xmlns:a16="http://schemas.microsoft.com/office/drawing/2014/main" id="{2531230A-41BF-424D-9142-F73BE52CA1E6}"/>
+                <a16:creationId xmlns="" xmlns:a16="http://schemas.microsoft.com/office/drawing/2014/main" id="{2531230A-41BF-424D-9142-F73BE52CA1E6}"/>
               </a:ext>
             </a:extLst>
           </p:cNvPr>
@@ -6098,10 +8616,10 @@
           <p:cNvPr id="14" name="Rectangle 13">
             <a:extLst>
               <a:ext uri="{FF2B5EF4-FFF2-40B4-BE49-F238E27FC236}">
-                <a16:creationId xmlns:a16="http://schemas.microsoft.com/office/drawing/2014/main" id="{42A5316D-ED2F-4F89-B4B4-8D9240B1A348}"/>
+                <a16:creationId xmlns="" xmlns:a16="http://schemas.microsoft.com/office/drawing/2014/main" id="{42A5316D-ED2F-4F89-B4B4-8D9240B1A348}"/>
               </a:ext>
               <a:ext uri="{C183D7F6-B498-43B3-948B-1728B52AA6E4}">
-                <adec:decorative xmlns:adec="http://schemas.microsoft.com/office/drawing/2017/decorative" val="1"/>
+                <adec:decorative xmlns="" xmlns:adec="http://schemas.microsoft.com/office/drawing/2017/decorative" val="1"/>
               </a:ext>
             </a:extLst>
           </p:cNvPr>
@@ -6111,7 +8629,7 @@
           <p:nvPr>
             <p:extLst>
               <p:ext uri="{386F3935-93C4-4BCD-93E2-E3B085C9AB24}">
-                <p16:designElem xmlns:p16="http://schemas.microsoft.com/office/powerpoint/2015/main" val="1"/>
+                <p16:designElem xmlns="" xmlns:p16="http://schemas.microsoft.com/office/powerpoint/2015/main" val="1"/>
               </p:ext>
             </p:extLst>
           </p:nvPr>
@@ -6190,7 +8708,7 @@
           <p:cNvPr id="2" name="Title 1">
             <a:extLst>
               <a:ext uri="{FF2B5EF4-FFF2-40B4-BE49-F238E27FC236}">
-                <a16:creationId xmlns:a16="http://schemas.microsoft.com/office/drawing/2014/main" id="{5D4FE45B-F3EC-440A-BE33-94025C261585}"/>
+                <a16:creationId xmlns="" xmlns:a16="http://schemas.microsoft.com/office/drawing/2014/main" id="{5D4FE45B-F3EC-440A-BE33-94025C261585}"/>
               </a:ext>
             </a:extLst>
           </p:cNvPr>
@@ -6220,7 +8738,7 @@
         </p:spPr>
         <p:txBody>
           <a:bodyPr>
-            <a:normAutofit/>
+            <a:normAutofit fontScale="90000"/>
           </a:bodyPr>
           <a:lstStyle/>
           <a:p>
@@ -6236,12 +8754,57 @@
           </a:p>
         </p:txBody>
       </p:sp>
+      <p:sp>
+        <p:nvSpPr>
+          <p:cNvPr id="3" name="Content Placeholder 2">
+            <a:extLst>
+              <a:ext uri="{FF2B5EF4-FFF2-40B4-BE49-F238E27FC236}">
+                <a16:creationId xmlns="" xmlns:a16="http://schemas.microsoft.com/office/drawing/2014/main" id="{38DBA8B5-6D3D-4E16-B064-F9F0607FA2A9}"/>
+              </a:ext>
+            </a:extLst>
+          </p:cNvPr>
+          <p:cNvSpPr>
+            <a:spLocks noGrp="1"/>
+          </p:cNvSpPr>
+          <p:nvPr>
+            <p:ph idx="1"/>
+          </p:nvPr>
+        </p:nvSpPr>
+        <p:spPr>
+          <a:xfrm>
+            <a:off x="4038600" y="4884873"/>
+            <a:ext cx="7188199" cy="1292090"/>
+          </a:xfrm>
+        </p:spPr>
+        <p:txBody>
+          <a:bodyPr>
+            <a:normAutofit/>
+          </a:bodyPr>
+          <a:lstStyle/>
+          <a:p>
+            <a:r>
+              <a:rPr lang="en-US" sz="1800" dirty="0" smtClean="0"/>
+              <a:t>8A: Multiple relations-Superclass &amp; subclasses</a:t>
+            </a:r>
+            <a:endParaRPr lang="en-US" sz="1800" dirty="0" smtClean="0"/>
+          </a:p>
+          <a:p>
+            <a:pPr marL="0" indent="0">
+              <a:buNone/>
+            </a:pPr>
+            <a:endParaRPr lang="en-US" sz="1800" dirty="0"/>
+          </a:p>
+          <a:p>
+            <a:endParaRPr lang="en-US" sz="1800" dirty="0"/>
+          </a:p>
+        </p:txBody>
+      </p:sp>
       <p:pic>
         <p:nvPicPr>
           <p:cNvPr id="6" name="Picture 5">
             <a:extLst>
               <a:ext uri="{FF2B5EF4-FFF2-40B4-BE49-F238E27FC236}">
-                <a16:creationId xmlns:a16="http://schemas.microsoft.com/office/drawing/2014/main" id="{97E72371-F057-48A1-B33B-A38AA2C4CC3D}"/>
+                <a16:creationId xmlns="" xmlns:a16="http://schemas.microsoft.com/office/drawing/2014/main" id="{97E72371-F057-48A1-B33B-A38AA2C4CC3D}"/>
               </a:ext>
             </a:extLst>
           </p:cNvPr>
@@ -6264,44 +8827,6 @@
           </a:prstGeom>
         </p:spPr>
       </p:pic>
-      <p:sp>
-        <p:nvSpPr>
-          <p:cNvPr id="3" name="Content Placeholder 2">
-            <a:extLst>
-              <a:ext uri="{FF2B5EF4-FFF2-40B4-BE49-F238E27FC236}">
-                <a16:creationId xmlns:a16="http://schemas.microsoft.com/office/drawing/2014/main" id="{38DBA8B5-6D3D-4E16-B064-F9F0607FA2A9}"/>
-              </a:ext>
-            </a:extLst>
-          </p:cNvPr>
-          <p:cNvSpPr>
-            <a:spLocks noGrp="1"/>
-          </p:cNvSpPr>
-          <p:nvPr>
-            <p:ph idx="1"/>
-          </p:nvPr>
-        </p:nvSpPr>
-        <p:spPr>
-          <a:xfrm>
-            <a:off x="4038600" y="4884873"/>
-            <a:ext cx="7188199" cy="1292090"/>
-          </a:xfrm>
-        </p:spPr>
-        <p:txBody>
-          <a:bodyPr>
-            <a:normAutofit/>
-          </a:bodyPr>
-          <a:lstStyle/>
-          <a:p>
-            <a:r>
-              <a:rPr lang="en-US" sz="1800"/>
-              <a:t>Transformation rules</a:t>
-            </a:r>
-          </a:p>
-          <a:p>
-            <a:endParaRPr lang="en-US" sz="1800"/>
-          </a:p>
-        </p:txBody>
-      </p:sp>
     </p:spTree>
     <p:extLst>
       <p:ext uri="{BB962C8B-B14F-4D97-AF65-F5344CB8AC3E}">
@@ -6337,7 +8862,7 @@
           <p:cNvPr id="2" name="Title 1">
             <a:extLst>
               <a:ext uri="{FF2B5EF4-FFF2-40B4-BE49-F238E27FC236}">
-                <a16:creationId xmlns:a16="http://schemas.microsoft.com/office/drawing/2014/main" id="{1E6966B4-2AE3-4817-AE32-2E0A1D5949DC}"/>
+                <a16:creationId xmlns="" xmlns:a16="http://schemas.microsoft.com/office/drawing/2014/main" id="{1E6966B4-2AE3-4817-AE32-2E0A1D5949DC}"/>
               </a:ext>
             </a:extLst>
           </p:cNvPr>
@@ -6360,52 +8885,12 @@
           </a:p>
         </p:txBody>
       </p:sp>
-      <p:sp>
-        <p:nvSpPr>
-          <p:cNvPr id="3" name="Content Placeholder 2">
-            <a:extLst>
-              <a:ext uri="{FF2B5EF4-FFF2-40B4-BE49-F238E27FC236}">
-                <a16:creationId xmlns:a16="http://schemas.microsoft.com/office/drawing/2014/main" id="{7A2FBD9B-B3EF-4C53-8953-76DA10BCF094}"/>
-              </a:ext>
-            </a:extLst>
-          </p:cNvPr>
-          <p:cNvSpPr>
-            <a:spLocks noGrp="1"/>
-          </p:cNvSpPr>
-          <p:nvPr>
-            <p:ph idx="1"/>
-          </p:nvPr>
-        </p:nvSpPr>
-        <p:spPr/>
-        <p:txBody>
-          <a:bodyPr/>
-          <a:lstStyle/>
-          <a:p>
-            <a:r>
-              <a:rPr lang="en-US" dirty="0"/>
-              <a:t>Include just one </a:t>
-            </a:r>
-            <a:r>
-              <a:rPr lang="en-US" dirty="0" err="1"/>
-              <a:t>ddl</a:t>
-            </a:r>
-            <a:r>
-              <a:rPr lang="en-US" dirty="0"/>
-              <a:t> statement </a:t>
-            </a:r>
-          </a:p>
-        </p:txBody>
-      </p:sp>
       <p:pic>
         <p:nvPicPr>
-          <p:cNvPr id="4" name="Picture 3">
-            <a:extLst>
-              <a:ext uri="{FF2B5EF4-FFF2-40B4-BE49-F238E27FC236}">
-                <a16:creationId xmlns:a16="http://schemas.microsoft.com/office/drawing/2014/main" id="{37FFEEDB-CD83-4CFA-BA3A-9352912EC7FD}"/>
-              </a:ext>
-            </a:extLst>
-          </p:cNvPr>
-          <p:cNvPicPr/>
+          <p:cNvPr id="6" name="Picture 5"/>
+          <p:cNvPicPr>
+            <a:picLocks noChangeAspect="1"/>
+          </p:cNvPicPr>
           <p:nvPr/>
         </p:nvPicPr>
         <p:blipFill>
@@ -6416,8 +8901,8 @@
         </p:blipFill>
         <p:spPr>
           <a:xfrm>
-            <a:off x="3124200" y="1772285"/>
-            <a:ext cx="5943600" cy="3313430"/>
+            <a:off x="2198208" y="2382238"/>
+            <a:ext cx="5915025" cy="1800225"/>
           </a:xfrm>
           <a:prstGeom prst="rect">
             <a:avLst/>
@@ -6459,7 +8944,7 @@
           <p:cNvPr id="2" name="Title 1">
             <a:extLst>
               <a:ext uri="{FF2B5EF4-FFF2-40B4-BE49-F238E27FC236}">
-                <a16:creationId xmlns:a16="http://schemas.microsoft.com/office/drawing/2014/main" id="{E4044E79-B5B6-461A-B64C-C5A8EDC06F1F}"/>
+                <a16:creationId xmlns="" xmlns:a16="http://schemas.microsoft.com/office/drawing/2014/main" id="{E4044E79-B5B6-461A-B64C-C5A8EDC06F1F}"/>
               </a:ext>
             </a:extLst>
           </p:cNvPr>
@@ -6487,7 +8972,7 @@
           <p:cNvPr id="3" name="Content Placeholder 2">
             <a:extLst>
               <a:ext uri="{FF2B5EF4-FFF2-40B4-BE49-F238E27FC236}">
-                <a16:creationId xmlns:a16="http://schemas.microsoft.com/office/drawing/2014/main" id="{D51C5CAC-6EBE-4358-B55E-769606524378}"/>
+                <a16:creationId xmlns="" xmlns:a16="http://schemas.microsoft.com/office/drawing/2014/main" id="{D51C5CAC-6EBE-4358-B55E-769606524378}"/>
               </a:ext>
             </a:extLst>
           </p:cNvPr>
@@ -6563,7 +9048,7 @@
           <p:cNvPr id="2" name="Title 1">
             <a:extLst>
               <a:ext uri="{FF2B5EF4-FFF2-40B4-BE49-F238E27FC236}">
-                <a16:creationId xmlns:a16="http://schemas.microsoft.com/office/drawing/2014/main" id="{4A88EBF8-84E9-4632-928E-76BC4CF41D03}"/>
+                <a16:creationId xmlns="" xmlns:a16="http://schemas.microsoft.com/office/drawing/2014/main" id="{4A88EBF8-84E9-4632-928E-76BC4CF41D03}"/>
               </a:ext>
             </a:extLst>
           </p:cNvPr>
@@ -6591,7 +9076,7 @@
           <p:cNvPr id="4" name="Content Placeholder 3">
             <a:extLst>
               <a:ext uri="{FF2B5EF4-FFF2-40B4-BE49-F238E27FC236}">
-                <a16:creationId xmlns:a16="http://schemas.microsoft.com/office/drawing/2014/main" id="{E8EAC391-E939-44A6-BEC0-25988A04FB7F}"/>
+                <a16:creationId xmlns="" xmlns:a16="http://schemas.microsoft.com/office/drawing/2014/main" id="{E8EAC391-E939-44A6-BEC0-25988A04FB7F}"/>
               </a:ext>
             </a:extLst>
           </p:cNvPr>
@@ -6610,7 +9095,7 @@
         </p:blipFill>
         <p:spPr>
           <a:xfrm>
-            <a:off x="1357312" y="3572669"/>
+            <a:off x="1357312" y="3777456"/>
             <a:ext cx="9477375" cy="857250"/>
           </a:xfrm>
           <a:prstGeom prst="rect">
@@ -6653,7 +9138,7 @@
           <p:cNvPr id="2" name="Title 1">
             <a:extLst>
               <a:ext uri="{FF2B5EF4-FFF2-40B4-BE49-F238E27FC236}">
-                <a16:creationId xmlns:a16="http://schemas.microsoft.com/office/drawing/2014/main" id="{A42D5715-A7FA-40ED-AB7F-C0F82B498AAF}"/>
+                <a16:creationId xmlns="" xmlns:a16="http://schemas.microsoft.com/office/drawing/2014/main" id="{A42D5715-A7FA-40ED-AB7F-C0F82B498AAF}"/>
               </a:ext>
             </a:extLst>
           </p:cNvPr>
@@ -6673,31 +9158,6 @@
               <a:rPr lang="en-US" dirty="0"/>
               <a:t>Query Design –Insert loan</a:t>
             </a:r>
-          </a:p>
-        </p:txBody>
-      </p:sp>
-      <p:sp>
-        <p:nvSpPr>
-          <p:cNvPr id="3" name="Content Placeholder 2">
-            <a:extLst>
-              <a:ext uri="{FF2B5EF4-FFF2-40B4-BE49-F238E27FC236}">
-                <a16:creationId xmlns:a16="http://schemas.microsoft.com/office/drawing/2014/main" id="{5B0093F4-0AEE-48AD-9600-57D8EAD7CCCF}"/>
-              </a:ext>
-            </a:extLst>
-          </p:cNvPr>
-          <p:cNvSpPr>
-            <a:spLocks noGrp="1"/>
-          </p:cNvSpPr>
-          <p:nvPr>
-            <p:ph idx="1"/>
-          </p:nvPr>
-        </p:nvSpPr>
-        <p:spPr/>
-        <p:txBody>
-          <a:bodyPr/>
-          <a:lstStyle/>
-          <a:p>
-            <a:endParaRPr lang="en-US"/>
           </a:p>
         </p:txBody>
       </p:sp>
@@ -6706,7 +9166,7 @@
           <p:cNvPr id="4" name="Picture 3">
             <a:extLst>
               <a:ext uri="{FF2B5EF4-FFF2-40B4-BE49-F238E27FC236}">
-                <a16:creationId xmlns:a16="http://schemas.microsoft.com/office/drawing/2014/main" id="{75CE9F20-C716-43C0-A7E3-A7B5B0F8FCD7}"/>
+                <a16:creationId xmlns="" xmlns:a16="http://schemas.microsoft.com/office/drawing/2014/main" id="{75CE9F20-C716-43C0-A7E3-A7B5B0F8FCD7}"/>
               </a:ext>
             </a:extLst>
           </p:cNvPr>
@@ -6764,7 +9224,7 @@
           <p:cNvPr id="2" name="Title 1">
             <a:extLst>
               <a:ext uri="{FF2B5EF4-FFF2-40B4-BE49-F238E27FC236}">
-                <a16:creationId xmlns:a16="http://schemas.microsoft.com/office/drawing/2014/main" id="{E5975566-E276-4362-A4A3-1609F9B87A7C}"/>
+                <a16:creationId xmlns="" xmlns:a16="http://schemas.microsoft.com/office/drawing/2014/main" id="{E5975566-E276-4362-A4A3-1609F9B87A7C}"/>
               </a:ext>
             </a:extLst>
           </p:cNvPr>
@@ -6792,7 +9252,7 @@
           <p:cNvPr id="3" name="Content Placeholder 2">
             <a:extLst>
               <a:ext uri="{FF2B5EF4-FFF2-40B4-BE49-F238E27FC236}">
-                <a16:creationId xmlns:a16="http://schemas.microsoft.com/office/drawing/2014/main" id="{B016A4E5-61B6-49F8-A5DC-513CB5CCF6C7}"/>
+                <a16:creationId xmlns="" xmlns:a16="http://schemas.microsoft.com/office/drawing/2014/main" id="{B016A4E5-61B6-49F8-A5DC-513CB5CCF6C7}"/>
               </a:ext>
             </a:extLst>
           </p:cNvPr>
@@ -6827,7 +9287,7 @@
           <p:cNvPr id="4" name="Picture 3">
             <a:extLst>
               <a:ext uri="{FF2B5EF4-FFF2-40B4-BE49-F238E27FC236}">
-                <a16:creationId xmlns:a16="http://schemas.microsoft.com/office/drawing/2014/main" id="{3721C327-5ECF-43AC-BA2A-B730188DB96A}"/>
+                <a16:creationId xmlns="" xmlns:a16="http://schemas.microsoft.com/office/drawing/2014/main" id="{3721C327-5ECF-43AC-BA2A-B730188DB96A}"/>
               </a:ext>
             </a:extLst>
           </p:cNvPr>
@@ -6842,8 +9302,8 @@
         </p:blipFill>
         <p:spPr>
           <a:xfrm>
-            <a:off x="4667250" y="2625725"/>
-            <a:ext cx="2857500" cy="1606550"/>
+            <a:off x="4667249" y="2625725"/>
+            <a:ext cx="4229615" cy="2650610"/>
           </a:xfrm>
           <a:prstGeom prst="rect">
             <a:avLst/>
@@ -6864,9 +9324,9 @@
 </file>
 
 <file path=ppt/theme/theme1.xml><?xml version="1.0" encoding="utf-8"?>
-<a:theme xmlns:a="http://schemas.openxmlformats.org/drawingml/2006/main" name="Office Theme">
+<a:theme xmlns:a="http://schemas.openxmlformats.org/drawingml/2006/main" name="Vapor Trail">
   <a:themeElements>
-    <a:clrScheme name="Office">
+    <a:clrScheme name="Vapor Trail">
       <a:dk1>
         <a:sysClr val="windowText" lastClr="000000"/>
       </a:dk1>
@@ -6874,44 +9334,44 @@
         <a:sysClr val="window" lastClr="FFFFFF"/>
       </a:lt1>
       <a:dk2>
-        <a:srgbClr val="44546A"/>
+        <a:srgbClr val="454545"/>
       </a:dk2>
       <a:lt2>
-        <a:srgbClr val="E7E6E6"/>
+        <a:srgbClr val="DADADA"/>
       </a:lt2>
       <a:accent1>
-        <a:srgbClr val="4472C4"/>
+        <a:srgbClr val="01D17D"/>
       </a:accent1>
       <a:accent2>
-        <a:srgbClr val="ED7D31"/>
+        <a:srgbClr val="84C72A"/>
       </a:accent2>
       <a:accent3>
-        <a:srgbClr val="A5A5A5"/>
+        <a:srgbClr val="E1D126"/>
       </a:accent3>
       <a:accent4>
-        <a:srgbClr val="FFC000"/>
+        <a:srgbClr val="E29932"/>
       </a:accent4>
       <a:accent5>
-        <a:srgbClr val="5B9BD5"/>
+        <a:srgbClr val="E56526"/>
       </a:accent5>
       <a:accent6>
-        <a:srgbClr val="70AD47"/>
+        <a:srgbClr val="D63731"/>
       </a:accent6>
       <a:hlink>
-        <a:srgbClr val="0563C1"/>
+        <a:srgbClr val="35FA7F"/>
       </a:hlink>
       <a:folHlink>
-        <a:srgbClr val="954F72"/>
+        <a:srgbClr val="BAFC85"/>
       </a:folHlink>
     </a:clrScheme>
-    <a:fontScheme name="Office">
+    <a:fontScheme name="Vapor Trail">
       <a:majorFont>
-        <a:latin typeface="Calibri Light" panose="020F0302020204030204"/>
+        <a:latin typeface="Century Gothic" panose="020B0502020202020204"/>
         <a:ea typeface=""/>
         <a:cs typeface=""/>
-        <a:font script="Jpan" typeface="游ゴシック Light"/>
+        <a:font script="Jpan" typeface="ＭＳ Ｐゴシック"/>
         <a:font script="Hang" typeface="맑은 고딕"/>
-        <a:font script="Hans" typeface="等线 Light"/>
+        <a:font script="Hans" typeface="宋体"/>
         <a:font script="Hant" typeface="新細明體"/>
         <a:font script="Arab" typeface="Times New Roman"/>
         <a:font script="Hebr" typeface="Times New Roman"/>
@@ -6939,31 +9399,14 @@
         <a:font script="Viet" typeface="Times New Roman"/>
         <a:font script="Uigh" typeface="Microsoft Uighur"/>
         <a:font script="Geor" typeface="Sylfaen"/>
-        <a:font script="Armn" typeface="Arial"/>
-        <a:font script="Bugi" typeface="Leelawadee UI"/>
-        <a:font script="Bopo" typeface="Microsoft JhengHei"/>
-        <a:font script="Java" typeface="Javanese Text"/>
-        <a:font script="Lisu" typeface="Segoe UI"/>
-        <a:font script="Mymr" typeface="Myanmar Text"/>
-        <a:font script="Nkoo" typeface="Ebrima"/>
-        <a:font script="Olck" typeface="Nirmala UI"/>
-        <a:font script="Osma" typeface="Ebrima"/>
-        <a:font script="Phag" typeface="Phagspa"/>
-        <a:font script="Syrn" typeface="Estrangelo Edessa"/>
-        <a:font script="Syrj" typeface="Estrangelo Edessa"/>
-        <a:font script="Syre" typeface="Estrangelo Edessa"/>
-        <a:font script="Sora" typeface="Nirmala UI"/>
-        <a:font script="Tale" typeface="Microsoft Tai Le"/>
-        <a:font script="Talu" typeface="Microsoft New Tai Lue"/>
-        <a:font script="Tfng" typeface="Ebrima"/>
       </a:majorFont>
       <a:minorFont>
-        <a:latin typeface="Calibri" panose="020F0502020204030204"/>
+        <a:latin typeface="Century Gothic" panose="020B0502020202020204"/>
         <a:ea typeface=""/>
         <a:cs typeface=""/>
-        <a:font script="Jpan" typeface="游ゴシック"/>
+        <a:font script="Jpan" typeface="ＭＳ Ｐゴシック"/>
         <a:font script="Hang" typeface="맑은 고딕"/>
-        <a:font script="Hans" typeface="等线"/>
+        <a:font script="Hans" typeface="宋体"/>
         <a:font script="Hant" typeface="新細明體"/>
         <a:font script="Arab" typeface="Arial"/>
         <a:font script="Hebr" typeface="Arial"/>
@@ -6991,26 +9434,9 @@
         <a:font script="Viet" typeface="Arial"/>
         <a:font script="Uigh" typeface="Microsoft Uighur"/>
         <a:font script="Geor" typeface="Sylfaen"/>
-        <a:font script="Armn" typeface="Arial"/>
-        <a:font script="Bugi" typeface="Leelawadee UI"/>
-        <a:font script="Bopo" typeface="Microsoft JhengHei"/>
-        <a:font script="Java" typeface="Javanese Text"/>
-        <a:font script="Lisu" typeface="Segoe UI"/>
-        <a:font script="Mymr" typeface="Myanmar Text"/>
-        <a:font script="Nkoo" typeface="Ebrima"/>
-        <a:font script="Olck" typeface="Nirmala UI"/>
-        <a:font script="Osma" typeface="Ebrima"/>
-        <a:font script="Phag" typeface="Phagspa"/>
-        <a:font script="Syrn" typeface="Estrangelo Edessa"/>
-        <a:font script="Syrj" typeface="Estrangelo Edessa"/>
-        <a:font script="Syre" typeface="Estrangelo Edessa"/>
-        <a:font script="Sora" typeface="Nirmala UI"/>
-        <a:font script="Tale" typeface="Microsoft Tai Le"/>
-        <a:font script="Talu" typeface="Microsoft New Tai Lue"/>
-        <a:font script="Tfng" typeface="Ebrima"/>
       </a:minorFont>
     </a:fontScheme>
-    <a:fmtScheme name="Office">
+    <a:fmtScheme name="Vapor Trail">
       <a:fillStyleLst>
         <a:solidFill>
           <a:schemeClr val="phClr"/>
@@ -7019,23 +9445,24 @@
           <a:gsLst>
             <a:gs pos="0">
               <a:schemeClr val="phClr">
+                <a:tint val="69000"/>
+                <a:alpha val="100000"/>
+                <a:satMod val="109000"/>
                 <a:lumMod val="110000"/>
-                <a:satMod val="105000"/>
-                <a:tint val="67000"/>
               </a:schemeClr>
             </a:gs>
-            <a:gs pos="50000">
+            <a:gs pos="52000">
               <a:schemeClr val="phClr">
-                <a:lumMod val="105000"/>
-                <a:satMod val="103000"/>
-                <a:tint val="73000"/>
+                <a:tint val="74000"/>
+                <a:satMod val="100000"/>
+                <a:lumMod val="104000"/>
               </a:schemeClr>
             </a:gs>
             <a:gs pos="100000">
               <a:schemeClr val="phClr">
-                <a:lumMod val="105000"/>
-                <a:satMod val="109000"/>
-                <a:tint val="81000"/>
+                <a:tint val="78000"/>
+                <a:satMod val="100000"/>
+                <a:lumMod val="100000"/>
               </a:schemeClr>
             </a:gs>
           </a:gsLst>
@@ -7045,23 +9472,16 @@
           <a:gsLst>
             <a:gs pos="0">
               <a:schemeClr val="phClr">
-                <a:satMod val="103000"/>
-                <a:lumMod val="102000"/>
-                <a:tint val="94000"/>
+                <a:tint val="96000"/>
+                <a:satMod val="100000"/>
+                <a:lumMod val="104000"/>
               </a:schemeClr>
             </a:gs>
-            <a:gs pos="50000">
+            <a:gs pos="78000">
               <a:schemeClr val="phClr">
+                <a:shade val="100000"/>
                 <a:satMod val="110000"/>
                 <a:lumMod val="100000"/>
-                <a:shade val="100000"/>
-              </a:schemeClr>
-            </a:gs>
-            <a:gs pos="100000">
-              <a:schemeClr val="phClr">
-                <a:lumMod val="99000"/>
-                <a:satMod val="120000"/>
-                <a:shade val="78000"/>
               </a:schemeClr>
             </a:gs>
           </a:gsLst>
@@ -7069,26 +9489,23 @@
         </a:gradFill>
       </a:fillStyleLst>
       <a:lnStyleLst>
-        <a:ln w="6350" cap="flat" cmpd="sng" algn="ctr">
+        <a:ln w="9525" cap="flat" cmpd="sng" algn="ctr">
           <a:solidFill>
             <a:schemeClr val="phClr"/>
           </a:solidFill>
           <a:prstDash val="solid"/>
-          <a:miter lim="800000"/>
         </a:ln>
         <a:ln w="12700" cap="flat" cmpd="sng" algn="ctr">
           <a:solidFill>
             <a:schemeClr val="phClr"/>
           </a:solidFill>
           <a:prstDash val="solid"/>
-          <a:miter lim="800000"/>
         </a:ln>
         <a:ln w="19050" cap="flat" cmpd="sng" algn="ctr">
           <a:solidFill>
             <a:schemeClr val="phClr"/>
           </a:solidFill>
           <a:prstDash val="solid"/>
-          <a:miter lim="800000"/>
         </a:ln>
       </a:lnStyleLst>
       <a:effectStyleLst>
@@ -7097,15 +9514,33 @@
         </a:effectStyle>
         <a:effectStyle>
           <a:effectLst/>
+          <a:scene3d>
+            <a:camera prst="orthographicFront">
+              <a:rot lat="0" lon="0" rev="0"/>
+            </a:camera>
+            <a:lightRig rig="threePt" dir="t"/>
+          </a:scene3d>
+          <a:sp3d>
+            <a:bevelT w="25400" h="12700"/>
+          </a:sp3d>
         </a:effectStyle>
         <a:effectStyle>
           <a:effectLst>
             <a:outerShdw blurRad="57150" dist="19050" dir="5400000" algn="ctr" rotWithShape="0">
               <a:srgbClr val="000000">
-                <a:alpha val="63000"/>
+                <a:alpha val="48000"/>
               </a:srgbClr>
             </a:outerShdw>
           </a:effectLst>
+          <a:scene3d>
+            <a:camera prst="orthographicFront">
+              <a:rot lat="0" lon="0" rev="0"/>
+            </a:camera>
+            <a:lightRig rig="threePt" dir="t"/>
+          </a:scene3d>
+          <a:sp3d>
+            <a:bevelT w="50800" h="25400"/>
+          </a:sp3d>
         </a:effectStyle>
       </a:effectStyleLst>
       <a:bgFillStyleLst>
@@ -7123,16 +9558,16 @@
             <a:gs pos="0">
               <a:schemeClr val="phClr">
                 <a:tint val="93000"/>
+                <a:shade val="98000"/>
                 <a:satMod val="150000"/>
-                <a:shade val="98000"/>
                 <a:lumMod val="102000"/>
               </a:schemeClr>
             </a:gs>
             <a:gs pos="50000">
               <a:schemeClr val="phClr">
                 <a:tint val="98000"/>
+                <a:shade val="90000"/>
                 <a:satMod val="130000"/>
-                <a:shade val="90000"/>
                 <a:lumMod val="103000"/>
               </a:schemeClr>
             </a:gs>
@@ -7152,7 +9587,7 @@
   <a:extraClrSchemeLst/>
   <a:extLst>
     <a:ext uri="{05A4C25C-085E-4340-85A3-A5531E510DB2}">
-      <thm15:themeFamily xmlns:thm15="http://schemas.microsoft.com/office/thememl/2012/main" name="Office Theme" id="{62F939B6-93AF-4DB8-9C6B-D6C7DFDC589F}" vid="{4A3C46E8-61CC-4603-A589-7422A47A8E4A}"/>
+      <thm15:themeFamily xmlns:thm15="http://schemas.microsoft.com/office/thememl/2012/main" name="Vapor Trail" id="{4FDF2955-7D9C-493C-B9F9-C205151B46CD}" vid="{2B2A868B-6BC2-4B3E-98B9-1258F41035DE}"/>
     </a:ext>
   </a:extLst>
 </a:theme>
